--- a/Data Compression.pptx
+++ b/Data Compression.pptx
@@ -5,7 +5,7 @@
     <p:sldMasterId id="2147483659" r:id="rId1"/>
   </p:sldMasterIdLst>
   <p:notesMasterIdLst>
-    <p:notesMasterId r:id="rId29"/>
+    <p:notesMasterId r:id="rId12"/>
   </p:notesMasterIdLst>
   <p:sldIdLst>
     <p:sldId id="256" r:id="rId2"/>
@@ -16,34 +16,28 @@
     <p:sldId id="261" r:id="rId7"/>
     <p:sldId id="278" r:id="rId8"/>
     <p:sldId id="279" r:id="rId9"/>
-    <p:sldId id="280" r:id="rId10"/>
-    <p:sldId id="281" r:id="rId11"/>
-    <p:sldId id="282" r:id="rId12"/>
-    <p:sldId id="283" r:id="rId13"/>
-    <p:sldId id="284" r:id="rId14"/>
-    <p:sldId id="285" r:id="rId15"/>
-    <p:sldId id="286" r:id="rId16"/>
-    <p:sldId id="287" r:id="rId17"/>
-    <p:sldId id="288" r:id="rId18"/>
-    <p:sldId id="289" r:id="rId19"/>
-    <p:sldId id="290" r:id="rId20"/>
-    <p:sldId id="291" r:id="rId21"/>
-    <p:sldId id="292" r:id="rId22"/>
-    <p:sldId id="293" r:id="rId23"/>
-    <p:sldId id="294" r:id="rId24"/>
-    <p:sldId id="295" r:id="rId25"/>
-    <p:sldId id="296" r:id="rId26"/>
-    <p:sldId id="297" r:id="rId27"/>
-    <p:sldId id="277" r:id="rId28"/>
+    <p:sldId id="277" r:id="rId10"/>
+    <p:sldId id="280" r:id="rId11"/>
   </p:sldIdLst>
   <p:sldSz cx="9144000" cy="5143500" type="screen16x9"/>
   <p:notesSz cx="6858000" cy="9144000"/>
   <p:embeddedFontLst>
     <p:embeddedFont>
       <p:font typeface="Old Standard TT" panose="020B0604020202020204" charset="0"/>
-      <p:regular r:id="rId30"/>
-      <p:bold r:id="rId31"/>
-      <p:italic r:id="rId32"/>
+      <p:regular r:id="rId13"/>
+      <p:bold r:id="rId14"/>
+      <p:italic r:id="rId15"/>
+    </p:embeddedFont>
+    <p:embeddedFont>
+      <p:font typeface="Verdana" panose="020B0604030504040204" pitchFamily="34" charset="0"/>
+      <p:regular r:id="rId16"/>
+      <p:bold r:id="rId17"/>
+      <p:italic r:id="rId18"/>
+      <p:boldItalic r:id="rId19"/>
+    </p:embeddedFont>
+    <p:embeddedFont>
+      <p:font typeface="Vivaldi" panose="03020602050506090804" pitchFamily="66" charset="0"/>
+      <p:italic r:id="rId20"/>
     </p:embeddedFont>
   </p:embeddedFontLst>
   <p:defaultTextStyle>
@@ -281,6 +275,2320 @@
     </p:ext>
   </p:extLst>
 </p:presentation>
+</file>
+
+<file path=ppt/diagrams/colors1.xml><?xml version="1.0" encoding="utf-8"?>
+<dgm:colorsDef xmlns:dgm="http://schemas.openxmlformats.org/drawingml/2006/diagram" xmlns:a="http://schemas.openxmlformats.org/drawingml/2006/main" uniqueId="urn:microsoft.com/office/officeart/2005/8/colors/accent1_2">
+  <dgm:title val=""/>
+  <dgm:desc val=""/>
+  <dgm:catLst>
+    <dgm:cat type="accent1" pri="11200"/>
+  </dgm:catLst>
+  <dgm:styleLbl name="node0">
+    <dgm:fillClrLst meth="repeat">
+      <a:schemeClr val="accent1"/>
+    </dgm:fillClrLst>
+    <dgm:linClrLst meth="repeat">
+      <a:schemeClr val="lt1"/>
+    </dgm:linClrLst>
+    <dgm:effectClrLst/>
+    <dgm:txLinClrLst/>
+    <dgm:txFillClrLst/>
+    <dgm:txEffectClrLst/>
+  </dgm:styleLbl>
+  <dgm:styleLbl name="alignNode1">
+    <dgm:fillClrLst meth="repeat">
+      <a:schemeClr val="accent1"/>
+    </dgm:fillClrLst>
+    <dgm:linClrLst meth="repeat">
+      <a:schemeClr val="accent1"/>
+    </dgm:linClrLst>
+    <dgm:effectClrLst/>
+    <dgm:txLinClrLst/>
+    <dgm:txFillClrLst/>
+    <dgm:txEffectClrLst/>
+  </dgm:styleLbl>
+  <dgm:styleLbl name="node1">
+    <dgm:fillClrLst meth="repeat">
+      <a:schemeClr val="accent1"/>
+    </dgm:fillClrLst>
+    <dgm:linClrLst meth="repeat">
+      <a:schemeClr val="lt1"/>
+    </dgm:linClrLst>
+    <dgm:effectClrLst/>
+    <dgm:txLinClrLst/>
+    <dgm:txFillClrLst/>
+    <dgm:txEffectClrLst/>
+  </dgm:styleLbl>
+  <dgm:styleLbl name="lnNode1">
+    <dgm:fillClrLst meth="repeat">
+      <a:schemeClr val="accent1"/>
+    </dgm:fillClrLst>
+    <dgm:linClrLst meth="repeat">
+      <a:schemeClr val="lt1"/>
+    </dgm:linClrLst>
+    <dgm:effectClrLst/>
+    <dgm:txLinClrLst/>
+    <dgm:txFillClrLst/>
+    <dgm:txEffectClrLst/>
+  </dgm:styleLbl>
+  <dgm:styleLbl name="vennNode1">
+    <dgm:fillClrLst meth="repeat">
+      <a:schemeClr val="accent1">
+        <a:alpha val="50000"/>
+      </a:schemeClr>
+    </dgm:fillClrLst>
+    <dgm:linClrLst meth="repeat">
+      <a:schemeClr val="lt1"/>
+    </dgm:linClrLst>
+    <dgm:effectClrLst/>
+    <dgm:txLinClrLst/>
+    <dgm:txFillClrLst/>
+    <dgm:txEffectClrLst/>
+  </dgm:styleLbl>
+  <dgm:styleLbl name="node2">
+    <dgm:fillClrLst meth="repeat">
+      <a:schemeClr val="accent1"/>
+    </dgm:fillClrLst>
+    <dgm:linClrLst meth="repeat">
+      <a:schemeClr val="lt1"/>
+    </dgm:linClrLst>
+    <dgm:effectClrLst/>
+    <dgm:txLinClrLst/>
+    <dgm:txFillClrLst/>
+    <dgm:txEffectClrLst/>
+  </dgm:styleLbl>
+  <dgm:styleLbl name="node3">
+    <dgm:fillClrLst meth="repeat">
+      <a:schemeClr val="accent1"/>
+    </dgm:fillClrLst>
+    <dgm:linClrLst meth="repeat">
+      <a:schemeClr val="lt1"/>
+    </dgm:linClrLst>
+    <dgm:effectClrLst/>
+    <dgm:txLinClrLst/>
+    <dgm:txFillClrLst/>
+    <dgm:txEffectClrLst/>
+  </dgm:styleLbl>
+  <dgm:styleLbl name="node4">
+    <dgm:fillClrLst meth="repeat">
+      <a:schemeClr val="accent1"/>
+    </dgm:fillClrLst>
+    <dgm:linClrLst meth="repeat">
+      <a:schemeClr val="lt1"/>
+    </dgm:linClrLst>
+    <dgm:effectClrLst/>
+    <dgm:txLinClrLst/>
+    <dgm:txFillClrLst/>
+    <dgm:txEffectClrLst/>
+  </dgm:styleLbl>
+  <dgm:styleLbl name="fgImgPlace1">
+    <dgm:fillClrLst meth="repeat">
+      <a:schemeClr val="accent1">
+        <a:tint val="50000"/>
+      </a:schemeClr>
+    </dgm:fillClrLst>
+    <dgm:linClrLst meth="repeat">
+      <a:schemeClr val="lt1"/>
+    </dgm:linClrLst>
+    <dgm:effectClrLst/>
+    <dgm:txLinClrLst/>
+    <dgm:txFillClrLst meth="repeat">
+      <a:schemeClr val="lt1"/>
+    </dgm:txFillClrLst>
+    <dgm:txEffectClrLst/>
+  </dgm:styleLbl>
+  <dgm:styleLbl name="alignImgPlace1">
+    <dgm:fillClrLst meth="repeat">
+      <a:schemeClr val="accent1">
+        <a:tint val="50000"/>
+      </a:schemeClr>
+    </dgm:fillClrLst>
+    <dgm:linClrLst meth="repeat">
+      <a:schemeClr val="lt1"/>
+    </dgm:linClrLst>
+    <dgm:effectClrLst/>
+    <dgm:txLinClrLst/>
+    <dgm:txFillClrLst meth="repeat">
+      <a:schemeClr val="lt1"/>
+    </dgm:txFillClrLst>
+    <dgm:txEffectClrLst/>
+  </dgm:styleLbl>
+  <dgm:styleLbl name="bgImgPlace1">
+    <dgm:fillClrLst meth="repeat">
+      <a:schemeClr val="accent1">
+        <a:tint val="50000"/>
+      </a:schemeClr>
+    </dgm:fillClrLst>
+    <dgm:linClrLst meth="repeat">
+      <a:schemeClr val="lt1"/>
+    </dgm:linClrLst>
+    <dgm:effectClrLst/>
+    <dgm:txLinClrLst/>
+    <dgm:txFillClrLst meth="repeat">
+      <a:schemeClr val="lt1"/>
+    </dgm:txFillClrLst>
+    <dgm:txEffectClrLst/>
+  </dgm:styleLbl>
+  <dgm:styleLbl name="sibTrans2D1">
+    <dgm:fillClrLst meth="repeat">
+      <a:schemeClr val="accent1">
+        <a:tint val="60000"/>
+      </a:schemeClr>
+    </dgm:fillClrLst>
+    <dgm:linClrLst meth="repeat">
+      <a:schemeClr val="accent1">
+        <a:tint val="60000"/>
+      </a:schemeClr>
+    </dgm:linClrLst>
+    <dgm:effectClrLst/>
+    <dgm:txLinClrLst/>
+    <dgm:txFillClrLst/>
+    <dgm:txEffectClrLst/>
+  </dgm:styleLbl>
+  <dgm:styleLbl name="fgSibTrans2D1">
+    <dgm:fillClrLst meth="repeat">
+      <a:schemeClr val="accent1">
+        <a:tint val="60000"/>
+      </a:schemeClr>
+    </dgm:fillClrLst>
+    <dgm:linClrLst meth="repeat">
+      <a:schemeClr val="accent1">
+        <a:tint val="60000"/>
+      </a:schemeClr>
+    </dgm:linClrLst>
+    <dgm:effectClrLst/>
+    <dgm:txLinClrLst/>
+    <dgm:txFillClrLst/>
+    <dgm:txEffectClrLst/>
+  </dgm:styleLbl>
+  <dgm:styleLbl name="bgSibTrans2D1">
+    <dgm:fillClrLst meth="repeat">
+      <a:schemeClr val="accent1">
+        <a:tint val="60000"/>
+      </a:schemeClr>
+    </dgm:fillClrLst>
+    <dgm:linClrLst meth="repeat">
+      <a:schemeClr val="accent1">
+        <a:tint val="60000"/>
+      </a:schemeClr>
+    </dgm:linClrLst>
+    <dgm:effectClrLst/>
+    <dgm:txLinClrLst/>
+    <dgm:txFillClrLst/>
+    <dgm:txEffectClrLst/>
+  </dgm:styleLbl>
+  <dgm:styleLbl name="sibTrans1D1">
+    <dgm:fillClrLst meth="repeat">
+      <a:schemeClr val="accent1"/>
+    </dgm:fillClrLst>
+    <dgm:linClrLst meth="repeat">
+      <a:schemeClr val="accent1"/>
+    </dgm:linClrLst>
+    <dgm:effectClrLst/>
+    <dgm:txLinClrLst/>
+    <dgm:txFillClrLst meth="repeat">
+      <a:schemeClr val="tx1"/>
+    </dgm:txFillClrLst>
+    <dgm:txEffectClrLst/>
+  </dgm:styleLbl>
+  <dgm:styleLbl name="callout">
+    <dgm:fillClrLst meth="repeat">
+      <a:schemeClr val="accent1"/>
+    </dgm:fillClrLst>
+    <dgm:linClrLst meth="repeat">
+      <a:schemeClr val="accent1">
+        <a:tint val="50000"/>
+      </a:schemeClr>
+    </dgm:linClrLst>
+    <dgm:effectClrLst/>
+    <dgm:txLinClrLst/>
+    <dgm:txFillClrLst meth="repeat">
+      <a:schemeClr val="tx1"/>
+    </dgm:txFillClrLst>
+    <dgm:txEffectClrLst/>
+  </dgm:styleLbl>
+  <dgm:styleLbl name="asst0">
+    <dgm:fillClrLst meth="repeat">
+      <a:schemeClr val="accent1"/>
+    </dgm:fillClrLst>
+    <dgm:linClrLst meth="repeat">
+      <a:schemeClr val="lt1"/>
+    </dgm:linClrLst>
+    <dgm:effectClrLst/>
+    <dgm:txLinClrLst/>
+    <dgm:txFillClrLst/>
+    <dgm:txEffectClrLst/>
+  </dgm:styleLbl>
+  <dgm:styleLbl name="asst1">
+    <dgm:fillClrLst meth="repeat">
+      <a:schemeClr val="accent1"/>
+    </dgm:fillClrLst>
+    <dgm:linClrLst meth="repeat">
+      <a:schemeClr val="lt1"/>
+    </dgm:linClrLst>
+    <dgm:effectClrLst/>
+    <dgm:txLinClrLst/>
+    <dgm:txFillClrLst/>
+    <dgm:txEffectClrLst/>
+  </dgm:styleLbl>
+  <dgm:styleLbl name="asst2">
+    <dgm:fillClrLst meth="repeat">
+      <a:schemeClr val="accent1"/>
+    </dgm:fillClrLst>
+    <dgm:linClrLst meth="repeat">
+      <a:schemeClr val="lt1"/>
+    </dgm:linClrLst>
+    <dgm:effectClrLst/>
+    <dgm:txLinClrLst/>
+    <dgm:txFillClrLst/>
+    <dgm:txEffectClrLst/>
+  </dgm:styleLbl>
+  <dgm:styleLbl name="asst3">
+    <dgm:fillClrLst meth="repeat">
+      <a:schemeClr val="accent1"/>
+    </dgm:fillClrLst>
+    <dgm:linClrLst meth="repeat">
+      <a:schemeClr val="lt1"/>
+    </dgm:linClrLst>
+    <dgm:effectClrLst/>
+    <dgm:txLinClrLst/>
+    <dgm:txFillClrLst/>
+    <dgm:txEffectClrLst/>
+  </dgm:styleLbl>
+  <dgm:styleLbl name="asst4">
+    <dgm:fillClrLst meth="repeat">
+      <a:schemeClr val="accent1"/>
+    </dgm:fillClrLst>
+    <dgm:linClrLst meth="repeat">
+      <a:schemeClr val="lt1"/>
+    </dgm:linClrLst>
+    <dgm:effectClrLst/>
+    <dgm:txLinClrLst/>
+    <dgm:txFillClrLst/>
+    <dgm:txEffectClrLst/>
+  </dgm:styleLbl>
+  <dgm:styleLbl name="parChTrans2D1">
+    <dgm:fillClrLst meth="repeat">
+      <a:schemeClr val="accent1">
+        <a:tint val="60000"/>
+      </a:schemeClr>
+    </dgm:fillClrLst>
+    <dgm:linClrLst meth="repeat">
+      <a:schemeClr val="accent1">
+        <a:tint val="60000"/>
+      </a:schemeClr>
+    </dgm:linClrLst>
+    <dgm:effectClrLst/>
+    <dgm:txLinClrLst/>
+    <dgm:txFillClrLst meth="repeat">
+      <a:schemeClr val="lt1"/>
+    </dgm:txFillClrLst>
+    <dgm:txEffectClrLst/>
+  </dgm:styleLbl>
+  <dgm:styleLbl name="parChTrans2D2">
+    <dgm:fillClrLst meth="repeat">
+      <a:schemeClr val="accent1"/>
+    </dgm:fillClrLst>
+    <dgm:linClrLst meth="repeat">
+      <a:schemeClr val="accent1"/>
+    </dgm:linClrLst>
+    <dgm:effectClrLst/>
+    <dgm:txLinClrLst/>
+    <dgm:txFillClrLst meth="repeat">
+      <a:schemeClr val="lt1"/>
+    </dgm:txFillClrLst>
+    <dgm:txEffectClrLst/>
+  </dgm:styleLbl>
+  <dgm:styleLbl name="parChTrans2D3">
+    <dgm:fillClrLst meth="repeat">
+      <a:schemeClr val="accent1"/>
+    </dgm:fillClrLst>
+    <dgm:linClrLst meth="repeat">
+      <a:schemeClr val="accent1"/>
+    </dgm:linClrLst>
+    <dgm:effectClrLst/>
+    <dgm:txLinClrLst/>
+    <dgm:txFillClrLst meth="repeat">
+      <a:schemeClr val="lt1"/>
+    </dgm:txFillClrLst>
+    <dgm:txEffectClrLst/>
+  </dgm:styleLbl>
+  <dgm:styleLbl name="parChTrans2D4">
+    <dgm:fillClrLst meth="repeat">
+      <a:schemeClr val="accent1"/>
+    </dgm:fillClrLst>
+    <dgm:linClrLst meth="repeat">
+      <a:schemeClr val="accent1"/>
+    </dgm:linClrLst>
+    <dgm:effectClrLst/>
+    <dgm:txLinClrLst/>
+    <dgm:txFillClrLst meth="repeat">
+      <a:schemeClr val="lt1"/>
+    </dgm:txFillClrLst>
+    <dgm:txEffectClrLst/>
+  </dgm:styleLbl>
+  <dgm:styleLbl name="parChTrans1D1">
+    <dgm:fillClrLst meth="repeat">
+      <a:schemeClr val="accent1"/>
+    </dgm:fillClrLst>
+    <dgm:linClrLst meth="repeat">
+      <a:schemeClr val="accent1">
+        <a:shade val="60000"/>
+      </a:schemeClr>
+    </dgm:linClrLst>
+    <dgm:effectClrLst/>
+    <dgm:txLinClrLst/>
+    <dgm:txFillClrLst meth="repeat">
+      <a:schemeClr val="tx1"/>
+    </dgm:txFillClrLst>
+    <dgm:txEffectClrLst/>
+  </dgm:styleLbl>
+  <dgm:styleLbl name="parChTrans1D2">
+    <dgm:fillClrLst meth="repeat">
+      <a:schemeClr val="accent1"/>
+    </dgm:fillClrLst>
+    <dgm:linClrLst meth="repeat">
+      <a:schemeClr val="accent1">
+        <a:shade val="60000"/>
+      </a:schemeClr>
+    </dgm:linClrLst>
+    <dgm:effectClrLst/>
+    <dgm:txLinClrLst/>
+    <dgm:txFillClrLst meth="repeat">
+      <a:schemeClr val="tx1"/>
+    </dgm:txFillClrLst>
+    <dgm:txEffectClrLst/>
+  </dgm:styleLbl>
+  <dgm:styleLbl name="parChTrans1D3">
+    <dgm:fillClrLst meth="repeat">
+      <a:schemeClr val="accent1"/>
+    </dgm:fillClrLst>
+    <dgm:linClrLst meth="repeat">
+      <a:schemeClr val="accent1">
+        <a:shade val="80000"/>
+      </a:schemeClr>
+    </dgm:linClrLst>
+    <dgm:effectClrLst/>
+    <dgm:txLinClrLst/>
+    <dgm:txFillClrLst meth="repeat">
+      <a:schemeClr val="tx1"/>
+    </dgm:txFillClrLst>
+    <dgm:txEffectClrLst/>
+  </dgm:styleLbl>
+  <dgm:styleLbl name="parChTrans1D4">
+    <dgm:fillClrLst meth="repeat">
+      <a:schemeClr val="accent1"/>
+    </dgm:fillClrLst>
+    <dgm:linClrLst meth="repeat">
+      <a:schemeClr val="accent1">
+        <a:shade val="80000"/>
+      </a:schemeClr>
+    </dgm:linClrLst>
+    <dgm:effectClrLst/>
+    <dgm:txLinClrLst/>
+    <dgm:txFillClrLst meth="repeat">
+      <a:schemeClr val="tx1"/>
+    </dgm:txFillClrLst>
+    <dgm:txEffectClrLst/>
+  </dgm:styleLbl>
+  <dgm:styleLbl name="fgAcc1">
+    <dgm:fillClrLst meth="repeat">
+      <a:schemeClr val="lt1">
+        <a:alpha val="90000"/>
+      </a:schemeClr>
+    </dgm:fillClrLst>
+    <dgm:linClrLst meth="repeat">
+      <a:schemeClr val="accent1"/>
+    </dgm:linClrLst>
+    <dgm:effectClrLst/>
+    <dgm:txLinClrLst/>
+    <dgm:txFillClrLst meth="repeat">
+      <a:schemeClr val="dk1"/>
+    </dgm:txFillClrLst>
+    <dgm:txEffectClrLst/>
+  </dgm:styleLbl>
+  <dgm:styleLbl name="conFgAcc1">
+    <dgm:fillClrLst meth="repeat">
+      <a:schemeClr val="lt1">
+        <a:alpha val="90000"/>
+      </a:schemeClr>
+    </dgm:fillClrLst>
+    <dgm:linClrLst meth="repeat">
+      <a:schemeClr val="accent1"/>
+    </dgm:linClrLst>
+    <dgm:effectClrLst/>
+    <dgm:txLinClrLst/>
+    <dgm:txFillClrLst meth="repeat">
+      <a:schemeClr val="dk1"/>
+    </dgm:txFillClrLst>
+    <dgm:txEffectClrLst/>
+  </dgm:styleLbl>
+  <dgm:styleLbl name="alignAcc1">
+    <dgm:fillClrLst meth="repeat">
+      <a:schemeClr val="lt1">
+        <a:alpha val="90000"/>
+      </a:schemeClr>
+    </dgm:fillClrLst>
+    <dgm:linClrLst meth="repeat">
+      <a:schemeClr val="accent1"/>
+    </dgm:linClrLst>
+    <dgm:effectClrLst/>
+    <dgm:txLinClrLst/>
+    <dgm:txFillClrLst meth="repeat">
+      <a:schemeClr val="dk1"/>
+    </dgm:txFillClrLst>
+    <dgm:txEffectClrLst/>
+  </dgm:styleLbl>
+  <dgm:styleLbl name="trAlignAcc1">
+    <dgm:fillClrLst meth="repeat">
+      <a:schemeClr val="lt1">
+        <a:alpha val="40000"/>
+      </a:schemeClr>
+    </dgm:fillClrLst>
+    <dgm:linClrLst meth="repeat">
+      <a:schemeClr val="accent1"/>
+    </dgm:linClrLst>
+    <dgm:effectClrLst/>
+    <dgm:txLinClrLst/>
+    <dgm:txFillClrLst meth="repeat">
+      <a:schemeClr val="dk1"/>
+    </dgm:txFillClrLst>
+    <dgm:txEffectClrLst/>
+  </dgm:styleLbl>
+  <dgm:styleLbl name="bgAcc1">
+    <dgm:fillClrLst meth="repeat">
+      <a:schemeClr val="lt1">
+        <a:alpha val="90000"/>
+      </a:schemeClr>
+    </dgm:fillClrLst>
+    <dgm:linClrLst meth="repeat">
+      <a:schemeClr val="accent1"/>
+    </dgm:linClrLst>
+    <dgm:effectClrLst/>
+    <dgm:txLinClrLst/>
+    <dgm:txFillClrLst meth="repeat">
+      <a:schemeClr val="dk1"/>
+    </dgm:txFillClrLst>
+    <dgm:txEffectClrLst/>
+  </dgm:styleLbl>
+  <dgm:styleLbl name="solidFgAcc1">
+    <dgm:fillClrLst meth="repeat">
+      <a:schemeClr val="lt1"/>
+    </dgm:fillClrLst>
+    <dgm:linClrLst meth="repeat">
+      <a:schemeClr val="accent1"/>
+    </dgm:linClrLst>
+    <dgm:effectClrLst/>
+    <dgm:txLinClrLst/>
+    <dgm:txFillClrLst meth="repeat">
+      <a:schemeClr val="dk1"/>
+    </dgm:txFillClrLst>
+    <dgm:txEffectClrLst/>
+  </dgm:styleLbl>
+  <dgm:styleLbl name="solidAlignAcc1">
+    <dgm:fillClrLst meth="repeat">
+      <a:schemeClr val="lt1"/>
+    </dgm:fillClrLst>
+    <dgm:linClrLst meth="repeat">
+      <a:schemeClr val="accent1"/>
+    </dgm:linClrLst>
+    <dgm:effectClrLst/>
+    <dgm:txLinClrLst/>
+    <dgm:txFillClrLst meth="repeat">
+      <a:schemeClr val="dk1"/>
+    </dgm:txFillClrLst>
+    <dgm:txEffectClrLst/>
+  </dgm:styleLbl>
+  <dgm:styleLbl name="solidBgAcc1">
+    <dgm:fillClrLst meth="repeat">
+      <a:schemeClr val="lt1"/>
+    </dgm:fillClrLst>
+    <dgm:linClrLst meth="repeat">
+      <a:schemeClr val="accent1"/>
+    </dgm:linClrLst>
+    <dgm:effectClrLst/>
+    <dgm:txLinClrLst/>
+    <dgm:txFillClrLst meth="repeat">
+      <a:schemeClr val="dk1"/>
+    </dgm:txFillClrLst>
+    <dgm:txEffectClrLst/>
+  </dgm:styleLbl>
+  <dgm:styleLbl name="fgAccFollowNode1">
+    <dgm:fillClrLst meth="repeat">
+      <a:schemeClr val="accent1">
+        <a:alpha val="90000"/>
+        <a:tint val="40000"/>
+      </a:schemeClr>
+    </dgm:fillClrLst>
+    <dgm:linClrLst meth="repeat">
+      <a:schemeClr val="accent1">
+        <a:alpha val="90000"/>
+        <a:tint val="40000"/>
+      </a:schemeClr>
+    </dgm:linClrLst>
+    <dgm:effectClrLst/>
+    <dgm:txLinClrLst/>
+    <dgm:txFillClrLst meth="repeat">
+      <a:schemeClr val="dk1"/>
+    </dgm:txFillClrLst>
+    <dgm:txEffectClrLst/>
+  </dgm:styleLbl>
+  <dgm:styleLbl name="alignAccFollowNode1">
+    <dgm:fillClrLst meth="repeat">
+      <a:schemeClr val="accent1">
+        <a:alpha val="90000"/>
+        <a:tint val="40000"/>
+      </a:schemeClr>
+    </dgm:fillClrLst>
+    <dgm:linClrLst meth="repeat">
+      <a:schemeClr val="accent1">
+        <a:alpha val="90000"/>
+        <a:tint val="40000"/>
+      </a:schemeClr>
+    </dgm:linClrLst>
+    <dgm:effectClrLst/>
+    <dgm:txLinClrLst/>
+    <dgm:txFillClrLst meth="repeat">
+      <a:schemeClr val="dk1"/>
+    </dgm:txFillClrLst>
+    <dgm:txEffectClrLst/>
+  </dgm:styleLbl>
+  <dgm:styleLbl name="bgAccFollowNode1">
+    <dgm:fillClrLst meth="repeat">
+      <a:schemeClr val="accent1">
+        <a:alpha val="90000"/>
+        <a:tint val="40000"/>
+      </a:schemeClr>
+    </dgm:fillClrLst>
+    <dgm:linClrLst meth="repeat">
+      <a:schemeClr val="accent1">
+        <a:alpha val="90000"/>
+        <a:tint val="40000"/>
+      </a:schemeClr>
+    </dgm:linClrLst>
+    <dgm:effectClrLst/>
+    <dgm:txLinClrLst/>
+    <dgm:txFillClrLst meth="repeat">
+      <a:schemeClr val="dk1"/>
+    </dgm:txFillClrLst>
+    <dgm:txEffectClrLst/>
+  </dgm:styleLbl>
+  <dgm:styleLbl name="fgAcc0">
+    <dgm:fillClrLst meth="repeat">
+      <a:schemeClr val="lt1">
+        <a:alpha val="90000"/>
+      </a:schemeClr>
+    </dgm:fillClrLst>
+    <dgm:linClrLst meth="repeat">
+      <a:schemeClr val="accent1"/>
+    </dgm:linClrLst>
+    <dgm:effectClrLst/>
+    <dgm:txLinClrLst/>
+    <dgm:txFillClrLst meth="repeat">
+      <a:schemeClr val="dk1"/>
+    </dgm:txFillClrLst>
+    <dgm:txEffectClrLst/>
+  </dgm:styleLbl>
+  <dgm:styleLbl name="fgAcc2">
+    <dgm:fillClrLst meth="repeat">
+      <a:schemeClr val="lt1">
+        <a:alpha val="90000"/>
+      </a:schemeClr>
+    </dgm:fillClrLst>
+    <dgm:linClrLst meth="repeat">
+      <a:schemeClr val="accent1"/>
+    </dgm:linClrLst>
+    <dgm:effectClrLst/>
+    <dgm:txLinClrLst/>
+    <dgm:txFillClrLst meth="repeat">
+      <a:schemeClr val="dk1"/>
+    </dgm:txFillClrLst>
+    <dgm:txEffectClrLst/>
+  </dgm:styleLbl>
+  <dgm:styleLbl name="fgAcc3">
+    <dgm:fillClrLst meth="repeat">
+      <a:schemeClr val="lt1">
+        <a:alpha val="90000"/>
+      </a:schemeClr>
+    </dgm:fillClrLst>
+    <dgm:linClrLst meth="repeat">
+      <a:schemeClr val="accent1"/>
+    </dgm:linClrLst>
+    <dgm:effectClrLst/>
+    <dgm:txLinClrLst/>
+    <dgm:txFillClrLst meth="repeat">
+      <a:schemeClr val="dk1"/>
+    </dgm:txFillClrLst>
+    <dgm:txEffectClrLst/>
+  </dgm:styleLbl>
+  <dgm:styleLbl name="fgAcc4">
+    <dgm:fillClrLst meth="repeat">
+      <a:schemeClr val="lt1">
+        <a:alpha val="90000"/>
+      </a:schemeClr>
+    </dgm:fillClrLst>
+    <dgm:linClrLst meth="repeat">
+      <a:schemeClr val="accent1"/>
+    </dgm:linClrLst>
+    <dgm:effectClrLst/>
+    <dgm:txLinClrLst/>
+    <dgm:txFillClrLst meth="repeat">
+      <a:schemeClr val="dk1"/>
+    </dgm:txFillClrLst>
+    <dgm:txEffectClrLst/>
+  </dgm:styleLbl>
+  <dgm:styleLbl name="bgShp">
+    <dgm:fillClrLst meth="repeat">
+      <a:schemeClr val="accent1">
+        <a:tint val="40000"/>
+      </a:schemeClr>
+    </dgm:fillClrLst>
+    <dgm:linClrLst meth="repeat">
+      <a:schemeClr val="accent1"/>
+    </dgm:linClrLst>
+    <dgm:effectClrLst/>
+    <dgm:txLinClrLst/>
+    <dgm:txFillClrLst meth="repeat">
+      <a:schemeClr val="dk1"/>
+    </dgm:txFillClrLst>
+    <dgm:txEffectClrLst/>
+  </dgm:styleLbl>
+  <dgm:styleLbl name="dkBgShp">
+    <dgm:fillClrLst meth="repeat">
+      <a:schemeClr val="accent1">
+        <a:shade val="80000"/>
+      </a:schemeClr>
+    </dgm:fillClrLst>
+    <dgm:linClrLst meth="repeat">
+      <a:schemeClr val="accent1"/>
+    </dgm:linClrLst>
+    <dgm:effectClrLst/>
+    <dgm:txLinClrLst/>
+    <dgm:txFillClrLst meth="repeat">
+      <a:schemeClr val="lt1"/>
+    </dgm:txFillClrLst>
+    <dgm:txEffectClrLst/>
+  </dgm:styleLbl>
+  <dgm:styleLbl name="trBgShp">
+    <dgm:fillClrLst meth="repeat">
+      <a:schemeClr val="accent1">
+        <a:tint val="50000"/>
+        <a:alpha val="40000"/>
+      </a:schemeClr>
+    </dgm:fillClrLst>
+    <dgm:linClrLst meth="repeat">
+      <a:schemeClr val="accent1"/>
+    </dgm:linClrLst>
+    <dgm:effectClrLst/>
+    <dgm:txLinClrLst/>
+    <dgm:txFillClrLst meth="repeat">
+      <a:schemeClr val="lt1"/>
+    </dgm:txFillClrLst>
+    <dgm:txEffectClrLst/>
+  </dgm:styleLbl>
+  <dgm:styleLbl name="fgShp">
+    <dgm:fillClrLst meth="repeat">
+      <a:schemeClr val="accent1">
+        <a:tint val="60000"/>
+      </a:schemeClr>
+    </dgm:fillClrLst>
+    <dgm:linClrLst meth="repeat">
+      <a:schemeClr val="lt1"/>
+    </dgm:linClrLst>
+    <dgm:effectClrLst/>
+    <dgm:txLinClrLst/>
+    <dgm:txFillClrLst meth="repeat">
+      <a:schemeClr val="dk1"/>
+    </dgm:txFillClrLst>
+    <dgm:txEffectClrLst/>
+  </dgm:styleLbl>
+  <dgm:styleLbl name="revTx">
+    <dgm:fillClrLst meth="repeat">
+      <a:schemeClr val="lt1">
+        <a:alpha val="0"/>
+      </a:schemeClr>
+    </dgm:fillClrLst>
+    <dgm:linClrLst meth="repeat">
+      <a:schemeClr val="dk1">
+        <a:alpha val="0"/>
+      </a:schemeClr>
+    </dgm:linClrLst>
+    <dgm:effectClrLst/>
+    <dgm:txLinClrLst/>
+    <dgm:txFillClrLst meth="repeat">
+      <a:schemeClr val="tx1"/>
+    </dgm:txFillClrLst>
+    <dgm:txEffectClrLst/>
+  </dgm:styleLbl>
+</dgm:colorsDef>
+</file>
+
+<file path=ppt/diagrams/data1.xml><?xml version="1.0" encoding="utf-8"?>
+<dgm:dataModel xmlns:dgm="http://schemas.openxmlformats.org/drawingml/2006/diagram" xmlns:a="http://schemas.openxmlformats.org/drawingml/2006/main">
+  <dgm:ptLst>
+    <dgm:pt modelId="{3C5331A0-B54F-4074-B715-25ACAA0CFE16}" type="doc">
+      <dgm:prSet loTypeId="urn:diagrams.loki3.com/TabbedArc+Icon" loCatId="officeonline" qsTypeId="urn:microsoft.com/office/officeart/2005/8/quickstyle/simple1" qsCatId="simple" csTypeId="urn:microsoft.com/office/officeart/2005/8/colors/accent1_2" csCatId="accent1" phldr="1"/>
+      <dgm:spPr/>
+    </dgm:pt>
+    <dgm:pt modelId="{B63BE3FB-97E4-4022-BFFE-51261BFE9CD5}">
+      <dgm:prSet phldrT="[Text]"/>
+      <dgm:spPr/>
+      <dgm:t>
+        <a:bodyPr/>
+        <a:lstStyle/>
+        <a:p>
+          <a:r>
+            <a:rPr lang="en-US" dirty="0" smtClean="0">
+              <a:solidFill>
+                <a:schemeClr val="tx1"/>
+              </a:solidFill>
+              <a:latin typeface="Old Standard TT"/>
+              <a:ea typeface="Old Standard TT"/>
+              <a:cs typeface="Old Standard TT"/>
+              <a:sym typeface="Old Standard TT"/>
+            </a:rPr>
+            <a:t>Lossless compression</a:t>
+          </a:r>
+          <a:endParaRPr lang="en-US" dirty="0">
+            <a:solidFill>
+              <a:schemeClr val="tx1"/>
+            </a:solidFill>
+          </a:endParaRPr>
+        </a:p>
+      </dgm:t>
+    </dgm:pt>
+    <dgm:pt modelId="{B74E2990-F029-4645-80B1-555A950EED8D}" type="parTrans" cxnId="{CDB8F5B0-F466-45FF-A548-51A827FD1969}">
+      <dgm:prSet/>
+      <dgm:spPr/>
+      <dgm:t>
+        <a:bodyPr/>
+        <a:lstStyle/>
+        <a:p>
+          <a:endParaRPr lang="en-US"/>
+        </a:p>
+      </dgm:t>
+    </dgm:pt>
+    <dgm:pt modelId="{44AB051B-F5AE-43EE-9ECF-195F3970F086}" type="sibTrans" cxnId="{CDB8F5B0-F466-45FF-A548-51A827FD1969}">
+      <dgm:prSet/>
+      <dgm:spPr/>
+      <dgm:t>
+        <a:bodyPr/>
+        <a:lstStyle/>
+        <a:p>
+          <a:endParaRPr lang="en-US"/>
+        </a:p>
+      </dgm:t>
+    </dgm:pt>
+    <dgm:pt modelId="{6EA0EDE1-99FB-4627-B606-809E7DE84444}">
+      <dgm:prSet phldrT="[Text]"/>
+      <dgm:spPr/>
+      <dgm:t>
+        <a:bodyPr/>
+        <a:lstStyle/>
+        <a:p>
+          <a:pPr rtl="0"/>
+          <a:r>
+            <a:rPr lang="en-US" dirty="0" err="1" smtClean="0">
+              <a:solidFill>
+                <a:schemeClr val="tx1"/>
+              </a:solidFill>
+              <a:latin typeface="Old Standard TT"/>
+              <a:ea typeface="Old Standard TT"/>
+              <a:cs typeface="Old Standard TT"/>
+              <a:sym typeface="Old Standard TT"/>
+            </a:rPr>
+            <a:t>Lossy</a:t>
+          </a:r>
+          <a:r>
+            <a:rPr lang="en-US" dirty="0" smtClean="0">
+              <a:solidFill>
+                <a:schemeClr val="tx1"/>
+              </a:solidFill>
+              <a:latin typeface="Old Standard TT"/>
+              <a:ea typeface="Old Standard TT"/>
+              <a:cs typeface="Old Standard TT"/>
+              <a:sym typeface="Old Standard TT"/>
+            </a:rPr>
+            <a:t> compression</a:t>
+          </a:r>
+          <a:endParaRPr lang="en-US" dirty="0">
+            <a:solidFill>
+              <a:schemeClr val="tx1"/>
+            </a:solidFill>
+          </a:endParaRPr>
+        </a:p>
+      </dgm:t>
+    </dgm:pt>
+    <dgm:pt modelId="{A6221EBE-D7BE-4C86-9565-47B9E79D7B0A}" type="parTrans" cxnId="{00B2E23E-1682-40BC-B509-EA95FE95909E}">
+      <dgm:prSet/>
+      <dgm:spPr/>
+      <dgm:t>
+        <a:bodyPr/>
+        <a:lstStyle/>
+        <a:p>
+          <a:endParaRPr lang="en-US"/>
+        </a:p>
+      </dgm:t>
+    </dgm:pt>
+    <dgm:pt modelId="{A51180B0-CC92-44AE-84DF-7B395AC218DA}" type="sibTrans" cxnId="{00B2E23E-1682-40BC-B509-EA95FE95909E}">
+      <dgm:prSet/>
+      <dgm:spPr/>
+      <dgm:t>
+        <a:bodyPr/>
+        <a:lstStyle/>
+        <a:p>
+          <a:endParaRPr lang="en-US"/>
+        </a:p>
+      </dgm:t>
+    </dgm:pt>
+    <dgm:pt modelId="{404A0351-556F-4D17-B7C6-1829A30EA814}" type="pres">
+      <dgm:prSet presAssocID="{3C5331A0-B54F-4074-B715-25ACAA0CFE16}" presName="Name0" presStyleCnt="0">
+        <dgm:presLayoutVars>
+          <dgm:dir/>
+          <dgm:resizeHandles val="exact"/>
+        </dgm:presLayoutVars>
+      </dgm:prSet>
+      <dgm:spPr/>
+    </dgm:pt>
+    <dgm:pt modelId="{0E47888E-2D75-4F2B-97DB-A11319D8E264}" type="pres">
+      <dgm:prSet presAssocID="{B63BE3FB-97E4-4022-BFFE-51261BFE9CD5}" presName="twoplus" presStyleLbl="node1" presStyleIdx="0" presStyleCnt="2">
+        <dgm:presLayoutVars>
+          <dgm:bulletEnabled val="1"/>
+        </dgm:presLayoutVars>
+      </dgm:prSet>
+      <dgm:spPr/>
+      <dgm:t>
+        <a:bodyPr/>
+        <a:lstStyle/>
+        <a:p>
+          <a:endParaRPr lang="en-US"/>
+        </a:p>
+      </dgm:t>
+    </dgm:pt>
+    <dgm:pt modelId="{BD5EF3EE-447F-4DB6-B3D8-266689FF22C6}" type="pres">
+      <dgm:prSet presAssocID="{6EA0EDE1-99FB-4627-B606-809E7DE84444}" presName="twoplus" presStyleLbl="node1" presStyleIdx="1" presStyleCnt="2">
+        <dgm:presLayoutVars>
+          <dgm:bulletEnabled val="1"/>
+        </dgm:presLayoutVars>
+      </dgm:prSet>
+      <dgm:spPr/>
+      <dgm:t>
+        <a:bodyPr/>
+        <a:lstStyle/>
+        <a:p>
+          <a:endParaRPr lang="en-US"/>
+        </a:p>
+      </dgm:t>
+    </dgm:pt>
+  </dgm:ptLst>
+  <dgm:cxnLst>
+    <dgm:cxn modelId="{CDB8F5B0-F466-45FF-A548-51A827FD1969}" srcId="{3C5331A0-B54F-4074-B715-25ACAA0CFE16}" destId="{B63BE3FB-97E4-4022-BFFE-51261BFE9CD5}" srcOrd="0" destOrd="0" parTransId="{B74E2990-F029-4645-80B1-555A950EED8D}" sibTransId="{44AB051B-F5AE-43EE-9ECF-195F3970F086}"/>
+    <dgm:cxn modelId="{5BE86844-DB20-4186-AEC1-15402A27DD7B}" type="presOf" srcId="{B63BE3FB-97E4-4022-BFFE-51261BFE9CD5}" destId="{0E47888E-2D75-4F2B-97DB-A11319D8E264}" srcOrd="0" destOrd="0" presId="urn:diagrams.loki3.com/TabbedArc+Icon"/>
+    <dgm:cxn modelId="{3191713C-7B18-4CA7-B6D9-C4ADE06B50F2}" type="presOf" srcId="{3C5331A0-B54F-4074-B715-25ACAA0CFE16}" destId="{404A0351-556F-4D17-B7C6-1829A30EA814}" srcOrd="0" destOrd="0" presId="urn:diagrams.loki3.com/TabbedArc+Icon"/>
+    <dgm:cxn modelId="{00B2E23E-1682-40BC-B509-EA95FE95909E}" srcId="{3C5331A0-B54F-4074-B715-25ACAA0CFE16}" destId="{6EA0EDE1-99FB-4627-B606-809E7DE84444}" srcOrd="1" destOrd="0" parTransId="{A6221EBE-D7BE-4C86-9565-47B9E79D7B0A}" sibTransId="{A51180B0-CC92-44AE-84DF-7B395AC218DA}"/>
+    <dgm:cxn modelId="{AB0882BC-E0E9-487E-B3D7-38613CCF5129}" type="presOf" srcId="{6EA0EDE1-99FB-4627-B606-809E7DE84444}" destId="{BD5EF3EE-447F-4DB6-B3D8-266689FF22C6}" srcOrd="0" destOrd="0" presId="urn:diagrams.loki3.com/TabbedArc+Icon"/>
+    <dgm:cxn modelId="{B106C769-6F2E-466A-B253-83D55FD606DE}" type="presParOf" srcId="{404A0351-556F-4D17-B7C6-1829A30EA814}" destId="{0E47888E-2D75-4F2B-97DB-A11319D8E264}" srcOrd="0" destOrd="0" presId="urn:diagrams.loki3.com/TabbedArc+Icon"/>
+    <dgm:cxn modelId="{167360CC-261F-4934-8ACA-97C24CAAA036}" type="presParOf" srcId="{404A0351-556F-4D17-B7C6-1829A30EA814}" destId="{BD5EF3EE-447F-4DB6-B3D8-266689FF22C6}" srcOrd="1" destOrd="0" presId="urn:diagrams.loki3.com/TabbedArc+Icon"/>
+  </dgm:cxnLst>
+  <dgm:bg/>
+  <dgm:whole/>
+  <dgm:extLst>
+    <a:ext uri="http://schemas.microsoft.com/office/drawing/2008/diagram">
+      <dsp:dataModelExt xmlns:dsp="http://schemas.microsoft.com/office/drawing/2008/diagram" relId="rId7" minVer="http://schemas.openxmlformats.org/drawingml/2006/diagram"/>
+    </a:ext>
+  </dgm:extLst>
+</dgm:dataModel>
+</file>
+
+<file path=ppt/diagrams/drawing1.xml><?xml version="1.0" encoding="utf-8"?>
+<dsp:drawing xmlns:dgm="http://schemas.openxmlformats.org/drawingml/2006/diagram" xmlns:dsp="http://schemas.microsoft.com/office/drawing/2008/diagram" xmlns:a="http://schemas.openxmlformats.org/drawingml/2006/main">
+  <dsp:spTree>
+    <dsp:nvGrpSpPr>
+      <dsp:cNvPr id="0" name=""/>
+      <dsp:cNvGrpSpPr/>
+    </dsp:nvGrpSpPr>
+    <dsp:grpSpPr/>
+    <dsp:sp modelId="{0E47888E-2D75-4F2B-97DB-A11319D8E264}">
+      <dsp:nvSpPr>
+        <dsp:cNvPr id="0" name=""/>
+        <dsp:cNvSpPr/>
+      </dsp:nvSpPr>
+      <dsp:spPr>
+        <a:xfrm rot="19200000">
+          <a:off x="379" y="704796"/>
+          <a:ext cx="2436728" cy="1583873"/>
+        </a:xfrm>
+        <a:prstGeom prst="round2SameRect">
+          <a:avLst/>
+        </a:prstGeom>
+        <a:solidFill>
+          <a:schemeClr val="accent1">
+            <a:hueOff val="0"/>
+            <a:satOff val="0"/>
+            <a:lumOff val="0"/>
+            <a:alphaOff val="0"/>
+          </a:schemeClr>
+        </a:solidFill>
+        <a:ln w="25400" cap="flat" cmpd="sng" algn="ctr">
+          <a:solidFill>
+            <a:schemeClr val="lt1">
+              <a:hueOff val="0"/>
+              <a:satOff val="0"/>
+              <a:lumOff val="0"/>
+              <a:alphaOff val="0"/>
+            </a:schemeClr>
+          </a:solidFill>
+          <a:prstDash val="solid"/>
+        </a:ln>
+        <a:effectLst/>
+      </dsp:spPr>
+      <dsp:style>
+        <a:lnRef idx="2">
+          <a:scrgbClr r="0" g="0" b="0"/>
+        </a:lnRef>
+        <a:fillRef idx="1">
+          <a:scrgbClr r="0" g="0" b="0"/>
+        </a:fillRef>
+        <a:effectRef idx="0">
+          <a:scrgbClr r="0" g="0" b="0"/>
+        </a:effectRef>
+        <a:fontRef idx="minor">
+          <a:schemeClr val="lt1"/>
+        </a:fontRef>
+      </dsp:style>
+      <dsp:txBody>
+        <a:bodyPr spcFirstLastPara="0" vert="horz" wrap="square" lIns="114300" tIns="38100" rIns="114300" bIns="38100" numCol="1" spcCol="1270" anchor="ctr" anchorCtr="0">
+          <a:noAutofit/>
+        </a:bodyPr>
+        <a:lstStyle/>
+        <a:p>
+          <a:pPr lvl="0" algn="ctr" defTabSz="1333500">
+            <a:lnSpc>
+              <a:spcPct val="90000"/>
+            </a:lnSpc>
+            <a:spcBef>
+              <a:spcPct val="0"/>
+            </a:spcBef>
+            <a:spcAft>
+              <a:spcPct val="35000"/>
+            </a:spcAft>
+          </a:pPr>
+          <a:r>
+            <a:rPr lang="en-US" sz="3000" kern="1200" dirty="0" smtClean="0">
+              <a:solidFill>
+                <a:schemeClr val="tx1"/>
+              </a:solidFill>
+              <a:latin typeface="Old Standard TT"/>
+              <a:ea typeface="Old Standard TT"/>
+              <a:cs typeface="Old Standard TT"/>
+              <a:sym typeface="Old Standard TT"/>
+            </a:rPr>
+            <a:t>Lossless compression</a:t>
+          </a:r>
+          <a:endParaRPr lang="en-US" sz="3000" kern="1200" dirty="0">
+            <a:solidFill>
+              <a:schemeClr val="tx1"/>
+            </a:solidFill>
+          </a:endParaRPr>
+        </a:p>
+      </dsp:txBody>
+      <dsp:txXfrm>
+        <a:off x="102547" y="773070"/>
+        <a:ext cx="2282092" cy="1506555"/>
+      </dsp:txXfrm>
+    </dsp:sp>
+    <dsp:sp modelId="{BD5EF3EE-447F-4DB6-B3D8-266689FF22C6}">
+      <dsp:nvSpPr>
+        <dsp:cNvPr id="0" name=""/>
+        <dsp:cNvSpPr/>
+      </dsp:nvSpPr>
+      <dsp:spPr>
+        <a:xfrm rot="2400000">
+          <a:off x="2975495" y="704796"/>
+          <a:ext cx="2436728" cy="1583873"/>
+        </a:xfrm>
+        <a:prstGeom prst="round2SameRect">
+          <a:avLst/>
+        </a:prstGeom>
+        <a:solidFill>
+          <a:schemeClr val="accent1">
+            <a:hueOff val="0"/>
+            <a:satOff val="0"/>
+            <a:lumOff val="0"/>
+            <a:alphaOff val="0"/>
+          </a:schemeClr>
+        </a:solidFill>
+        <a:ln w="25400" cap="flat" cmpd="sng" algn="ctr">
+          <a:solidFill>
+            <a:schemeClr val="lt1">
+              <a:hueOff val="0"/>
+              <a:satOff val="0"/>
+              <a:lumOff val="0"/>
+              <a:alphaOff val="0"/>
+            </a:schemeClr>
+          </a:solidFill>
+          <a:prstDash val="solid"/>
+        </a:ln>
+        <a:effectLst/>
+      </dsp:spPr>
+      <dsp:style>
+        <a:lnRef idx="2">
+          <a:scrgbClr r="0" g="0" b="0"/>
+        </a:lnRef>
+        <a:fillRef idx="1">
+          <a:scrgbClr r="0" g="0" b="0"/>
+        </a:fillRef>
+        <a:effectRef idx="0">
+          <a:scrgbClr r="0" g="0" b="0"/>
+        </a:effectRef>
+        <a:fontRef idx="minor">
+          <a:schemeClr val="lt1"/>
+        </a:fontRef>
+      </dsp:style>
+      <dsp:txBody>
+        <a:bodyPr spcFirstLastPara="0" vert="horz" wrap="square" lIns="114300" tIns="38100" rIns="114300" bIns="38100" numCol="1" spcCol="1270" anchor="ctr" anchorCtr="0">
+          <a:noAutofit/>
+        </a:bodyPr>
+        <a:lstStyle/>
+        <a:p>
+          <a:pPr lvl="0" algn="ctr" defTabSz="1333500" rtl="0">
+            <a:lnSpc>
+              <a:spcPct val="90000"/>
+            </a:lnSpc>
+            <a:spcBef>
+              <a:spcPct val="0"/>
+            </a:spcBef>
+            <a:spcAft>
+              <a:spcPct val="35000"/>
+            </a:spcAft>
+          </a:pPr>
+          <a:r>
+            <a:rPr lang="en-US" sz="3000" kern="1200" dirty="0" err="1" smtClean="0">
+              <a:solidFill>
+                <a:schemeClr val="tx1"/>
+              </a:solidFill>
+              <a:latin typeface="Old Standard TT"/>
+              <a:ea typeface="Old Standard TT"/>
+              <a:cs typeface="Old Standard TT"/>
+              <a:sym typeface="Old Standard TT"/>
+            </a:rPr>
+            <a:t>Lossy</a:t>
+          </a:r>
+          <a:r>
+            <a:rPr lang="en-US" sz="3000" kern="1200" dirty="0" smtClean="0">
+              <a:solidFill>
+                <a:schemeClr val="tx1"/>
+              </a:solidFill>
+              <a:latin typeface="Old Standard TT"/>
+              <a:ea typeface="Old Standard TT"/>
+              <a:cs typeface="Old Standard TT"/>
+              <a:sym typeface="Old Standard TT"/>
+            </a:rPr>
+            <a:t> compression</a:t>
+          </a:r>
+          <a:endParaRPr lang="en-US" sz="3000" kern="1200" dirty="0">
+            <a:solidFill>
+              <a:schemeClr val="tx1"/>
+            </a:solidFill>
+          </a:endParaRPr>
+        </a:p>
+      </dsp:txBody>
+      <dsp:txXfrm>
+        <a:off x="3027963" y="773070"/>
+        <a:ext cx="2282092" cy="1506555"/>
+      </dsp:txXfrm>
+    </dsp:sp>
+  </dsp:spTree>
+</dsp:drawing>
+</file>
+
+<file path=ppt/diagrams/layout1.xml><?xml version="1.0" encoding="utf-8"?>
+<dgm:layoutDef xmlns:dgm="http://schemas.openxmlformats.org/drawingml/2006/diagram" xmlns:a="http://schemas.openxmlformats.org/drawingml/2006/main" uniqueId="urn:diagrams.loki3.com/TabbedArc+Icon">
+  <dgm:title val="Tabbed Arc"/>
+  <dgm:desc val="Use to show a set of related items arcing over a common area.  Best with small amounts of text."/>
+  <dgm:catLst>
+    <dgm:cat type="relationship" pri="20500"/>
+    <dgm:cat type="officeonline" pri="4000"/>
+  </dgm:catLst>
+  <dgm:sampData useDef="1">
+    <dgm:dataModel>
+      <dgm:ptLst/>
+      <dgm:bg/>
+      <dgm:whole/>
+    </dgm:dataModel>
+  </dgm:sampData>
+  <dgm:styleData useDef="1">
+    <dgm:dataModel>
+      <dgm:ptLst/>
+      <dgm:bg/>
+      <dgm:whole/>
+    </dgm:dataModel>
+  </dgm:styleData>
+  <dgm:clrData useDef="1">
+    <dgm:dataModel>
+      <dgm:ptLst/>
+      <dgm:bg/>
+      <dgm:whole/>
+    </dgm:dataModel>
+  </dgm:clrData>
+  <dgm:layoutNode name="Name0">
+    <dgm:varLst>
+      <dgm:dir/>
+      <dgm:resizeHandles val="exact"/>
+    </dgm:varLst>
+    <dgm:choose name="Name1">
+      <dgm:if name="Name2" axis="ch" ptType="node" func="cnt" op="equ" val="1">
+        <dgm:alg type="cycle"/>
+      </dgm:if>
+      <dgm:else name="Name3">
+        <dgm:choose name="Name4">
+          <dgm:if name="Name5" axis="ch" ptType="node" func="cnt" op="lte" val="3">
+            <dgm:choose name="Name6">
+              <dgm:if name="Name7" func="var" arg="dir" op="equ" val="norm">
+                <dgm:alg type="cycle">
+                  <dgm:param type="stAng" val="-40"/>
+                  <dgm:param type="spanAng" val="80"/>
+                  <dgm:param type="rotPath" val="alongPath"/>
+                </dgm:alg>
+              </dgm:if>
+              <dgm:else name="Name8">
+                <dgm:alg type="cycle">
+                  <dgm:param type="stAng" val="40"/>
+                  <dgm:param type="spanAng" val="-80"/>
+                  <dgm:param type="rotPath" val="alongPath"/>
+                </dgm:alg>
+              </dgm:else>
+            </dgm:choose>
+          </dgm:if>
+          <dgm:else name="Name9">
+            <dgm:choose name="Name10">
+              <dgm:if name="Name11" func="var" arg="dir" op="equ" val="norm">
+                <dgm:alg type="cycle">
+                  <dgm:param type="stAng" val="-60"/>
+                  <dgm:param type="spanAng" val="120"/>
+                  <dgm:param type="rotPath" val="alongPath"/>
+                </dgm:alg>
+              </dgm:if>
+              <dgm:else name="Name12">
+                <dgm:alg type="cycle">
+                  <dgm:param type="stAng" val="60"/>
+                  <dgm:param type="spanAng" val="-120"/>
+                  <dgm:param type="rotPath" val="alongPath"/>
+                </dgm:alg>
+              </dgm:else>
+            </dgm:choose>
+          </dgm:else>
+        </dgm:choose>
+      </dgm:else>
+    </dgm:choose>
+    <dgm:shape xmlns:r="http://schemas.openxmlformats.org/officeDocument/2006/relationships" r:blip="">
+      <dgm:adjLst/>
+    </dgm:shape>
+    <dgm:presOf/>
+    <dgm:choose name="Name13">
+      <dgm:if name="Name14" axis="ch" ptType="node" func="cnt" op="equ" val="2">
+        <dgm:constrLst>
+          <dgm:constr type="w" for="ch" ptType="node" refType="w"/>
+          <dgm:constr type="primFontSz" for="ch" ptType="node" op="equ" val="65"/>
+          <dgm:constr type="sibSp" refType="w" fact="0.22"/>
+        </dgm:constrLst>
+      </dgm:if>
+      <dgm:else name="Name15">
+        <dgm:constrLst>
+          <dgm:constr type="w" for="ch" ptType="node" refType="w"/>
+          <dgm:constr type="primFontSz" for="ch" ptType="node" op="equ" val="65"/>
+          <dgm:constr type="sibSp" refType="w" fact="0.14"/>
+        </dgm:constrLst>
+      </dgm:else>
+    </dgm:choose>
+    <dgm:ruleLst/>
+    <dgm:forEach name="Name16" axis="ch" ptType="node">
+      <dgm:choose name="Name17">
+        <dgm:if name="Name18" axis="par ch" ptType="doc node" func="cnt" op="equ" val="1">
+          <dgm:layoutNode name="one">
+            <dgm:varLst>
+              <dgm:bulletEnabled val="1"/>
+            </dgm:varLst>
+            <dgm:alg type="tx"/>
+            <dgm:shape xmlns:r="http://schemas.openxmlformats.org/officeDocument/2006/relationships" type="round2SameRect" r:blip="">
+              <dgm:adjLst/>
+            </dgm:shape>
+            <dgm:presOf axis="desOrSelf" ptType="node"/>
+            <dgm:constrLst>
+              <dgm:constr type="h" refType="w" fact="0.65"/>
+              <dgm:constr type="tMarg" refType="primFontSz" fact="0.1"/>
+              <dgm:constr type="bMarg" refType="primFontSz" fact="0.1"/>
+              <dgm:constr type="lMarg" refType="primFontSz" fact="0.3"/>
+              <dgm:constr type="rMarg" refType="primFontSz" fact="0.3"/>
+            </dgm:constrLst>
+            <dgm:ruleLst>
+              <dgm:rule type="primFontSz" val="5" fact="NaN" max="NaN"/>
+            </dgm:ruleLst>
+          </dgm:layoutNode>
+        </dgm:if>
+        <dgm:else name="Name19">
+          <dgm:layoutNode name="twoplus">
+            <dgm:varLst>
+              <dgm:bulletEnabled val="1"/>
+            </dgm:varLst>
+            <dgm:alg type="tx">
+              <dgm:param type="autoTxRot" val="grav"/>
+            </dgm:alg>
+            <dgm:shape xmlns:r="http://schemas.openxmlformats.org/officeDocument/2006/relationships" type="round2SameRect" r:blip="">
+              <dgm:adjLst/>
+            </dgm:shape>
+            <dgm:presOf axis="desOrSelf" ptType="node"/>
+            <dgm:constrLst>
+              <dgm:constr type="h" refType="w" fact="0.65"/>
+              <dgm:constr type="tMarg" refType="primFontSz" fact="0.1"/>
+              <dgm:constr type="bMarg" refType="primFontSz" fact="0.1"/>
+              <dgm:constr type="lMarg" refType="primFontSz" fact="0.3"/>
+              <dgm:constr type="rMarg" refType="primFontSz" fact="0.3"/>
+            </dgm:constrLst>
+            <dgm:ruleLst>
+              <dgm:rule type="primFontSz" val="5" fact="NaN" max="NaN"/>
+            </dgm:ruleLst>
+          </dgm:layoutNode>
+        </dgm:else>
+      </dgm:choose>
+    </dgm:forEach>
+  </dgm:layoutNode>
+</dgm:layoutDef>
+</file>
+
+<file path=ppt/diagrams/quickStyle1.xml><?xml version="1.0" encoding="utf-8"?>
+<dgm:styleDef xmlns:dgm="http://schemas.openxmlformats.org/drawingml/2006/diagram" xmlns:a="http://schemas.openxmlformats.org/drawingml/2006/main" uniqueId="urn:microsoft.com/office/officeart/2005/8/quickstyle/simple1">
+  <dgm:title val=""/>
+  <dgm:desc val=""/>
+  <dgm:catLst>
+    <dgm:cat type="simple" pri="10100"/>
+  </dgm:catLst>
+  <dgm:scene3d>
+    <a:camera prst="orthographicFront"/>
+    <a:lightRig rig="threePt" dir="t"/>
+  </dgm:scene3d>
+  <dgm:styleLbl name="node0">
+    <dgm:scene3d>
+      <a:camera prst="orthographicFront"/>
+      <a:lightRig rig="threePt" dir="t"/>
+    </dgm:scene3d>
+    <dgm:sp3d/>
+    <dgm:txPr/>
+    <dgm:style>
+      <a:lnRef idx="2">
+        <a:scrgbClr r="0" g="0" b="0"/>
+      </a:lnRef>
+      <a:fillRef idx="1">
+        <a:scrgbClr r="0" g="0" b="0"/>
+      </a:fillRef>
+      <a:effectRef idx="0">
+        <a:scrgbClr r="0" g="0" b="0"/>
+      </a:effectRef>
+      <a:fontRef idx="minor">
+        <a:schemeClr val="lt1"/>
+      </a:fontRef>
+    </dgm:style>
+  </dgm:styleLbl>
+  <dgm:styleLbl name="lnNode1">
+    <dgm:scene3d>
+      <a:camera prst="orthographicFront"/>
+      <a:lightRig rig="threePt" dir="t"/>
+    </dgm:scene3d>
+    <dgm:sp3d/>
+    <dgm:txPr/>
+    <dgm:style>
+      <a:lnRef idx="2">
+        <a:scrgbClr r="0" g="0" b="0"/>
+      </a:lnRef>
+      <a:fillRef idx="1">
+        <a:scrgbClr r="0" g="0" b="0"/>
+      </a:fillRef>
+      <a:effectRef idx="0">
+        <a:scrgbClr r="0" g="0" b="0"/>
+      </a:effectRef>
+      <a:fontRef idx="minor">
+        <a:schemeClr val="lt1"/>
+      </a:fontRef>
+    </dgm:style>
+  </dgm:styleLbl>
+  <dgm:styleLbl name="vennNode1">
+    <dgm:scene3d>
+      <a:camera prst="orthographicFront"/>
+      <a:lightRig rig="threePt" dir="t"/>
+    </dgm:scene3d>
+    <dgm:sp3d/>
+    <dgm:txPr/>
+    <dgm:style>
+      <a:lnRef idx="2">
+        <a:scrgbClr r="0" g="0" b="0"/>
+      </a:lnRef>
+      <a:fillRef idx="1">
+        <a:scrgbClr r="0" g="0" b="0"/>
+      </a:fillRef>
+      <a:effectRef idx="0">
+        <a:scrgbClr r="0" g="0" b="0"/>
+      </a:effectRef>
+      <a:fontRef idx="minor">
+        <a:schemeClr val="tx1"/>
+      </a:fontRef>
+    </dgm:style>
+  </dgm:styleLbl>
+  <dgm:styleLbl name="alignNode1">
+    <dgm:scene3d>
+      <a:camera prst="orthographicFront"/>
+      <a:lightRig rig="threePt" dir="t"/>
+    </dgm:scene3d>
+    <dgm:sp3d/>
+    <dgm:txPr/>
+    <dgm:style>
+      <a:lnRef idx="2">
+        <a:scrgbClr r="0" g="0" b="0"/>
+      </a:lnRef>
+      <a:fillRef idx="1">
+        <a:scrgbClr r="0" g="0" b="0"/>
+      </a:fillRef>
+      <a:effectRef idx="0">
+        <a:scrgbClr r="0" g="0" b="0"/>
+      </a:effectRef>
+      <a:fontRef idx="minor">
+        <a:schemeClr val="lt1"/>
+      </a:fontRef>
+    </dgm:style>
+  </dgm:styleLbl>
+  <dgm:styleLbl name="node1">
+    <dgm:scene3d>
+      <a:camera prst="orthographicFront"/>
+      <a:lightRig rig="threePt" dir="t"/>
+    </dgm:scene3d>
+    <dgm:sp3d/>
+    <dgm:txPr/>
+    <dgm:style>
+      <a:lnRef idx="2">
+        <a:scrgbClr r="0" g="0" b="0"/>
+      </a:lnRef>
+      <a:fillRef idx="1">
+        <a:scrgbClr r="0" g="0" b="0"/>
+      </a:fillRef>
+      <a:effectRef idx="0">
+        <a:scrgbClr r="0" g="0" b="0"/>
+      </a:effectRef>
+      <a:fontRef idx="minor">
+        <a:schemeClr val="lt1"/>
+      </a:fontRef>
+    </dgm:style>
+  </dgm:styleLbl>
+  <dgm:styleLbl name="node2">
+    <dgm:scene3d>
+      <a:camera prst="orthographicFront"/>
+      <a:lightRig rig="threePt" dir="t"/>
+    </dgm:scene3d>
+    <dgm:sp3d/>
+    <dgm:txPr/>
+    <dgm:style>
+      <a:lnRef idx="2">
+        <a:scrgbClr r="0" g="0" b="0"/>
+      </a:lnRef>
+      <a:fillRef idx="1">
+        <a:scrgbClr r="0" g="0" b="0"/>
+      </a:fillRef>
+      <a:effectRef idx="0">
+        <a:scrgbClr r="0" g="0" b="0"/>
+      </a:effectRef>
+      <a:fontRef idx="minor">
+        <a:schemeClr val="lt1"/>
+      </a:fontRef>
+    </dgm:style>
+  </dgm:styleLbl>
+  <dgm:styleLbl name="node3">
+    <dgm:scene3d>
+      <a:camera prst="orthographicFront"/>
+      <a:lightRig rig="threePt" dir="t"/>
+    </dgm:scene3d>
+    <dgm:sp3d/>
+    <dgm:txPr/>
+    <dgm:style>
+      <a:lnRef idx="2">
+        <a:scrgbClr r="0" g="0" b="0"/>
+      </a:lnRef>
+      <a:fillRef idx="1">
+        <a:scrgbClr r="0" g="0" b="0"/>
+      </a:fillRef>
+      <a:effectRef idx="0">
+        <a:scrgbClr r="0" g="0" b="0"/>
+      </a:effectRef>
+      <a:fontRef idx="minor">
+        <a:schemeClr val="lt1"/>
+      </a:fontRef>
+    </dgm:style>
+  </dgm:styleLbl>
+  <dgm:styleLbl name="node4">
+    <dgm:scene3d>
+      <a:camera prst="orthographicFront"/>
+      <a:lightRig rig="threePt" dir="t"/>
+    </dgm:scene3d>
+    <dgm:sp3d/>
+    <dgm:txPr/>
+    <dgm:style>
+      <a:lnRef idx="2">
+        <a:scrgbClr r="0" g="0" b="0"/>
+      </a:lnRef>
+      <a:fillRef idx="1">
+        <a:scrgbClr r="0" g="0" b="0"/>
+      </a:fillRef>
+      <a:effectRef idx="0">
+        <a:scrgbClr r="0" g="0" b="0"/>
+      </a:effectRef>
+      <a:fontRef idx="minor">
+        <a:schemeClr val="lt1"/>
+      </a:fontRef>
+    </dgm:style>
+  </dgm:styleLbl>
+  <dgm:styleLbl name="fgImgPlace1">
+    <dgm:scene3d>
+      <a:camera prst="orthographicFront"/>
+      <a:lightRig rig="threePt" dir="t"/>
+    </dgm:scene3d>
+    <dgm:sp3d/>
+    <dgm:txPr/>
+    <dgm:style>
+      <a:lnRef idx="2">
+        <a:scrgbClr r="0" g="0" b="0"/>
+      </a:lnRef>
+      <a:fillRef idx="1">
+        <a:scrgbClr r="0" g="0" b="0"/>
+      </a:fillRef>
+      <a:effectRef idx="0">
+        <a:scrgbClr r="0" g="0" b="0"/>
+      </a:effectRef>
+      <a:fontRef idx="minor"/>
+    </dgm:style>
+  </dgm:styleLbl>
+  <dgm:styleLbl name="alignImgPlace1">
+    <dgm:scene3d>
+      <a:camera prst="orthographicFront"/>
+      <a:lightRig rig="threePt" dir="t"/>
+    </dgm:scene3d>
+    <dgm:sp3d/>
+    <dgm:txPr/>
+    <dgm:style>
+      <a:lnRef idx="2">
+        <a:scrgbClr r="0" g="0" b="0"/>
+      </a:lnRef>
+      <a:fillRef idx="1">
+        <a:scrgbClr r="0" g="0" b="0"/>
+      </a:fillRef>
+      <a:effectRef idx="0">
+        <a:scrgbClr r="0" g="0" b="0"/>
+      </a:effectRef>
+      <a:fontRef idx="minor"/>
+    </dgm:style>
+  </dgm:styleLbl>
+  <dgm:styleLbl name="bgImgPlace1">
+    <dgm:scene3d>
+      <a:camera prst="orthographicFront"/>
+      <a:lightRig rig="threePt" dir="t"/>
+    </dgm:scene3d>
+    <dgm:sp3d/>
+    <dgm:txPr/>
+    <dgm:style>
+      <a:lnRef idx="2">
+        <a:scrgbClr r="0" g="0" b="0"/>
+      </a:lnRef>
+      <a:fillRef idx="1">
+        <a:scrgbClr r="0" g="0" b="0"/>
+      </a:fillRef>
+      <a:effectRef idx="0">
+        <a:scrgbClr r="0" g="0" b="0"/>
+      </a:effectRef>
+      <a:fontRef idx="minor"/>
+    </dgm:style>
+  </dgm:styleLbl>
+  <dgm:styleLbl name="sibTrans2D1">
+    <dgm:scene3d>
+      <a:camera prst="orthographicFront"/>
+      <a:lightRig rig="threePt" dir="t"/>
+    </dgm:scene3d>
+    <dgm:sp3d/>
+    <dgm:txPr/>
+    <dgm:style>
+      <a:lnRef idx="0">
+        <a:scrgbClr r="0" g="0" b="0"/>
+      </a:lnRef>
+      <a:fillRef idx="1">
+        <a:scrgbClr r="0" g="0" b="0"/>
+      </a:fillRef>
+      <a:effectRef idx="0">
+        <a:scrgbClr r="0" g="0" b="0"/>
+      </a:effectRef>
+      <a:fontRef idx="minor">
+        <a:schemeClr val="lt1"/>
+      </a:fontRef>
+    </dgm:style>
+  </dgm:styleLbl>
+  <dgm:styleLbl name="fgSibTrans2D1">
+    <dgm:scene3d>
+      <a:camera prst="orthographicFront"/>
+      <a:lightRig rig="threePt" dir="t"/>
+    </dgm:scene3d>
+    <dgm:sp3d/>
+    <dgm:txPr/>
+    <dgm:style>
+      <a:lnRef idx="0">
+        <a:scrgbClr r="0" g="0" b="0"/>
+      </a:lnRef>
+      <a:fillRef idx="1">
+        <a:scrgbClr r="0" g="0" b="0"/>
+      </a:fillRef>
+      <a:effectRef idx="0">
+        <a:scrgbClr r="0" g="0" b="0"/>
+      </a:effectRef>
+      <a:fontRef idx="minor">
+        <a:schemeClr val="lt1"/>
+      </a:fontRef>
+    </dgm:style>
+  </dgm:styleLbl>
+  <dgm:styleLbl name="bgSibTrans2D1">
+    <dgm:scene3d>
+      <a:camera prst="orthographicFront"/>
+      <a:lightRig rig="threePt" dir="t"/>
+    </dgm:scene3d>
+    <dgm:sp3d/>
+    <dgm:txPr/>
+    <dgm:style>
+      <a:lnRef idx="0">
+        <a:scrgbClr r="0" g="0" b="0"/>
+      </a:lnRef>
+      <a:fillRef idx="1">
+        <a:scrgbClr r="0" g="0" b="0"/>
+      </a:fillRef>
+      <a:effectRef idx="0">
+        <a:scrgbClr r="0" g="0" b="0"/>
+      </a:effectRef>
+      <a:fontRef idx="minor">
+        <a:schemeClr val="lt1"/>
+      </a:fontRef>
+    </dgm:style>
+  </dgm:styleLbl>
+  <dgm:styleLbl name="sibTrans1D1">
+    <dgm:scene3d>
+      <a:camera prst="orthographicFront"/>
+      <a:lightRig rig="threePt" dir="t"/>
+    </dgm:scene3d>
+    <dgm:sp3d/>
+    <dgm:txPr/>
+    <dgm:style>
+      <a:lnRef idx="1">
+        <a:scrgbClr r="0" g="0" b="0"/>
+      </a:lnRef>
+      <a:fillRef idx="0">
+        <a:scrgbClr r="0" g="0" b="0"/>
+      </a:fillRef>
+      <a:effectRef idx="0">
+        <a:scrgbClr r="0" g="0" b="0"/>
+      </a:effectRef>
+      <a:fontRef idx="minor"/>
+    </dgm:style>
+  </dgm:styleLbl>
+  <dgm:styleLbl name="callout">
+    <dgm:scene3d>
+      <a:camera prst="orthographicFront"/>
+      <a:lightRig rig="threePt" dir="t"/>
+    </dgm:scene3d>
+    <dgm:sp3d/>
+    <dgm:txPr/>
+    <dgm:style>
+      <a:lnRef idx="2">
+        <a:scrgbClr r="0" g="0" b="0"/>
+      </a:lnRef>
+      <a:fillRef idx="1">
+        <a:scrgbClr r="0" g="0" b="0"/>
+      </a:fillRef>
+      <a:effectRef idx="0">
+        <a:scrgbClr r="0" g="0" b="0"/>
+      </a:effectRef>
+      <a:fontRef idx="minor"/>
+    </dgm:style>
+  </dgm:styleLbl>
+  <dgm:styleLbl name="asst0">
+    <dgm:scene3d>
+      <a:camera prst="orthographicFront"/>
+      <a:lightRig rig="threePt" dir="t"/>
+    </dgm:scene3d>
+    <dgm:sp3d/>
+    <dgm:txPr/>
+    <dgm:style>
+      <a:lnRef idx="2">
+        <a:scrgbClr r="0" g="0" b="0"/>
+      </a:lnRef>
+      <a:fillRef idx="1">
+        <a:scrgbClr r="0" g="0" b="0"/>
+      </a:fillRef>
+      <a:effectRef idx="0">
+        <a:scrgbClr r="0" g="0" b="0"/>
+      </a:effectRef>
+      <a:fontRef idx="minor">
+        <a:schemeClr val="lt1"/>
+      </a:fontRef>
+    </dgm:style>
+  </dgm:styleLbl>
+  <dgm:styleLbl name="asst1">
+    <dgm:scene3d>
+      <a:camera prst="orthographicFront"/>
+      <a:lightRig rig="threePt" dir="t"/>
+    </dgm:scene3d>
+    <dgm:sp3d/>
+    <dgm:txPr/>
+    <dgm:style>
+      <a:lnRef idx="2">
+        <a:scrgbClr r="0" g="0" b="0"/>
+      </a:lnRef>
+      <a:fillRef idx="1">
+        <a:scrgbClr r="0" g="0" b="0"/>
+      </a:fillRef>
+      <a:effectRef idx="0">
+        <a:scrgbClr r="0" g="0" b="0"/>
+      </a:effectRef>
+      <a:fontRef idx="minor">
+        <a:schemeClr val="lt1"/>
+      </a:fontRef>
+    </dgm:style>
+  </dgm:styleLbl>
+  <dgm:styleLbl name="asst2">
+    <dgm:scene3d>
+      <a:camera prst="orthographicFront"/>
+      <a:lightRig rig="threePt" dir="t"/>
+    </dgm:scene3d>
+    <dgm:sp3d/>
+    <dgm:txPr/>
+    <dgm:style>
+      <a:lnRef idx="2">
+        <a:scrgbClr r="0" g="0" b="0"/>
+      </a:lnRef>
+      <a:fillRef idx="1">
+        <a:scrgbClr r="0" g="0" b="0"/>
+      </a:fillRef>
+      <a:effectRef idx="0">
+        <a:scrgbClr r="0" g="0" b="0"/>
+      </a:effectRef>
+      <a:fontRef idx="minor">
+        <a:schemeClr val="lt1"/>
+      </a:fontRef>
+    </dgm:style>
+  </dgm:styleLbl>
+  <dgm:styleLbl name="asst3">
+    <dgm:scene3d>
+      <a:camera prst="orthographicFront"/>
+      <a:lightRig rig="threePt" dir="t"/>
+    </dgm:scene3d>
+    <dgm:sp3d/>
+    <dgm:txPr/>
+    <dgm:style>
+      <a:lnRef idx="2">
+        <a:scrgbClr r="0" g="0" b="0"/>
+      </a:lnRef>
+      <a:fillRef idx="1">
+        <a:scrgbClr r="0" g="0" b="0"/>
+      </a:fillRef>
+      <a:effectRef idx="0">
+        <a:scrgbClr r="0" g="0" b="0"/>
+      </a:effectRef>
+      <a:fontRef idx="minor">
+        <a:schemeClr val="lt1"/>
+      </a:fontRef>
+    </dgm:style>
+  </dgm:styleLbl>
+  <dgm:styleLbl name="asst4">
+    <dgm:scene3d>
+      <a:camera prst="orthographicFront"/>
+      <a:lightRig rig="threePt" dir="t"/>
+    </dgm:scene3d>
+    <dgm:sp3d/>
+    <dgm:txPr/>
+    <dgm:style>
+      <a:lnRef idx="2">
+        <a:scrgbClr r="0" g="0" b="0"/>
+      </a:lnRef>
+      <a:fillRef idx="1">
+        <a:scrgbClr r="0" g="0" b="0"/>
+      </a:fillRef>
+      <a:effectRef idx="0">
+        <a:scrgbClr r="0" g="0" b="0"/>
+      </a:effectRef>
+      <a:fontRef idx="minor">
+        <a:schemeClr val="lt1"/>
+      </a:fontRef>
+    </dgm:style>
+  </dgm:styleLbl>
+  <dgm:styleLbl name="parChTrans2D1">
+    <dgm:scene3d>
+      <a:camera prst="orthographicFront"/>
+      <a:lightRig rig="threePt" dir="t"/>
+    </dgm:scene3d>
+    <dgm:sp3d/>
+    <dgm:txPr/>
+    <dgm:style>
+      <a:lnRef idx="2">
+        <a:scrgbClr r="0" g="0" b="0"/>
+      </a:lnRef>
+      <a:fillRef idx="1">
+        <a:scrgbClr r="0" g="0" b="0"/>
+      </a:fillRef>
+      <a:effectRef idx="0">
+        <a:scrgbClr r="0" g="0" b="0"/>
+      </a:effectRef>
+      <a:fontRef idx="minor">
+        <a:schemeClr val="lt1"/>
+      </a:fontRef>
+    </dgm:style>
+  </dgm:styleLbl>
+  <dgm:styleLbl name="parChTrans2D2">
+    <dgm:scene3d>
+      <a:camera prst="orthographicFront"/>
+      <a:lightRig rig="threePt" dir="t"/>
+    </dgm:scene3d>
+    <dgm:sp3d/>
+    <dgm:txPr/>
+    <dgm:style>
+      <a:lnRef idx="2">
+        <a:scrgbClr r="0" g="0" b="0"/>
+      </a:lnRef>
+      <a:fillRef idx="1">
+        <a:scrgbClr r="0" g="0" b="0"/>
+      </a:fillRef>
+      <a:effectRef idx="0">
+        <a:scrgbClr r="0" g="0" b="0"/>
+      </a:effectRef>
+      <a:fontRef idx="minor">
+        <a:schemeClr val="lt1"/>
+      </a:fontRef>
+    </dgm:style>
+  </dgm:styleLbl>
+  <dgm:styleLbl name="parChTrans2D3">
+    <dgm:scene3d>
+      <a:camera prst="orthographicFront"/>
+      <a:lightRig rig="threePt" dir="t"/>
+    </dgm:scene3d>
+    <dgm:sp3d/>
+    <dgm:txPr/>
+    <dgm:style>
+      <a:lnRef idx="2">
+        <a:scrgbClr r="0" g="0" b="0"/>
+      </a:lnRef>
+      <a:fillRef idx="1">
+        <a:scrgbClr r="0" g="0" b="0"/>
+      </a:fillRef>
+      <a:effectRef idx="0">
+        <a:scrgbClr r="0" g="0" b="0"/>
+      </a:effectRef>
+      <a:fontRef idx="minor">
+        <a:schemeClr val="lt1"/>
+      </a:fontRef>
+    </dgm:style>
+  </dgm:styleLbl>
+  <dgm:styleLbl name="parChTrans2D4">
+    <dgm:scene3d>
+      <a:camera prst="orthographicFront"/>
+      <a:lightRig rig="threePt" dir="t"/>
+    </dgm:scene3d>
+    <dgm:sp3d/>
+    <dgm:txPr/>
+    <dgm:style>
+      <a:lnRef idx="2">
+        <a:scrgbClr r="0" g="0" b="0"/>
+      </a:lnRef>
+      <a:fillRef idx="1">
+        <a:scrgbClr r="0" g="0" b="0"/>
+      </a:fillRef>
+      <a:effectRef idx="0">
+        <a:scrgbClr r="0" g="0" b="0"/>
+      </a:effectRef>
+      <a:fontRef idx="minor">
+        <a:schemeClr val="lt1"/>
+      </a:fontRef>
+    </dgm:style>
+  </dgm:styleLbl>
+  <dgm:styleLbl name="parChTrans1D1">
+    <dgm:scene3d>
+      <a:camera prst="orthographicFront"/>
+      <a:lightRig rig="threePt" dir="t"/>
+    </dgm:scene3d>
+    <dgm:sp3d/>
+    <dgm:txPr/>
+    <dgm:style>
+      <a:lnRef idx="2">
+        <a:scrgbClr r="0" g="0" b="0"/>
+      </a:lnRef>
+      <a:fillRef idx="0">
+        <a:scrgbClr r="0" g="0" b="0"/>
+      </a:fillRef>
+      <a:effectRef idx="0">
+        <a:scrgbClr r="0" g="0" b="0"/>
+      </a:effectRef>
+      <a:fontRef idx="minor"/>
+    </dgm:style>
+  </dgm:styleLbl>
+  <dgm:styleLbl name="parChTrans1D2">
+    <dgm:scene3d>
+      <a:camera prst="orthographicFront"/>
+      <a:lightRig rig="threePt" dir="t"/>
+    </dgm:scene3d>
+    <dgm:sp3d/>
+    <dgm:txPr/>
+    <dgm:style>
+      <a:lnRef idx="2">
+        <a:scrgbClr r="0" g="0" b="0"/>
+      </a:lnRef>
+      <a:fillRef idx="0">
+        <a:scrgbClr r="0" g="0" b="0"/>
+      </a:fillRef>
+      <a:effectRef idx="0">
+        <a:scrgbClr r="0" g="0" b="0"/>
+      </a:effectRef>
+      <a:fontRef idx="minor"/>
+    </dgm:style>
+  </dgm:styleLbl>
+  <dgm:styleLbl name="parChTrans1D3">
+    <dgm:scene3d>
+      <a:camera prst="orthographicFront"/>
+      <a:lightRig rig="threePt" dir="t"/>
+    </dgm:scene3d>
+    <dgm:sp3d/>
+    <dgm:txPr/>
+    <dgm:style>
+      <a:lnRef idx="2">
+        <a:scrgbClr r="0" g="0" b="0"/>
+      </a:lnRef>
+      <a:fillRef idx="0">
+        <a:scrgbClr r="0" g="0" b="0"/>
+      </a:fillRef>
+      <a:effectRef idx="0">
+        <a:scrgbClr r="0" g="0" b="0"/>
+      </a:effectRef>
+      <a:fontRef idx="minor"/>
+    </dgm:style>
+  </dgm:styleLbl>
+  <dgm:styleLbl name="parChTrans1D4">
+    <dgm:scene3d>
+      <a:camera prst="orthographicFront"/>
+      <a:lightRig rig="threePt" dir="t"/>
+    </dgm:scene3d>
+    <dgm:sp3d/>
+    <dgm:txPr/>
+    <dgm:style>
+      <a:lnRef idx="2">
+        <a:scrgbClr r="0" g="0" b="0"/>
+      </a:lnRef>
+      <a:fillRef idx="0">
+        <a:scrgbClr r="0" g="0" b="0"/>
+      </a:fillRef>
+      <a:effectRef idx="0">
+        <a:scrgbClr r="0" g="0" b="0"/>
+      </a:effectRef>
+      <a:fontRef idx="minor"/>
+    </dgm:style>
+  </dgm:styleLbl>
+  <dgm:styleLbl name="fgAcc1">
+    <dgm:scene3d>
+      <a:camera prst="orthographicFront"/>
+      <a:lightRig rig="threePt" dir="t"/>
+    </dgm:scene3d>
+    <dgm:sp3d/>
+    <dgm:txPr/>
+    <dgm:style>
+      <a:lnRef idx="2">
+        <a:scrgbClr r="0" g="0" b="0"/>
+      </a:lnRef>
+      <a:fillRef idx="1">
+        <a:scrgbClr r="0" g="0" b="0"/>
+      </a:fillRef>
+      <a:effectRef idx="0">
+        <a:scrgbClr r="0" g="0" b="0"/>
+      </a:effectRef>
+      <a:fontRef idx="minor"/>
+    </dgm:style>
+  </dgm:styleLbl>
+  <dgm:styleLbl name="conFgAcc1">
+    <dgm:scene3d>
+      <a:camera prst="orthographicFront"/>
+      <a:lightRig rig="threePt" dir="t"/>
+    </dgm:scene3d>
+    <dgm:sp3d/>
+    <dgm:txPr/>
+    <dgm:style>
+      <a:lnRef idx="2">
+        <a:scrgbClr r="0" g="0" b="0"/>
+      </a:lnRef>
+      <a:fillRef idx="1">
+        <a:scrgbClr r="0" g="0" b="0"/>
+      </a:fillRef>
+      <a:effectRef idx="0">
+        <a:scrgbClr r="0" g="0" b="0"/>
+      </a:effectRef>
+      <a:fontRef idx="minor"/>
+    </dgm:style>
+  </dgm:styleLbl>
+  <dgm:styleLbl name="alignAcc1">
+    <dgm:scene3d>
+      <a:camera prst="orthographicFront"/>
+      <a:lightRig rig="threePt" dir="t"/>
+    </dgm:scene3d>
+    <dgm:sp3d/>
+    <dgm:txPr/>
+    <dgm:style>
+      <a:lnRef idx="2">
+        <a:scrgbClr r="0" g="0" b="0"/>
+      </a:lnRef>
+      <a:fillRef idx="1">
+        <a:scrgbClr r="0" g="0" b="0"/>
+      </a:fillRef>
+      <a:effectRef idx="0">
+        <a:scrgbClr r="0" g="0" b="0"/>
+      </a:effectRef>
+      <a:fontRef idx="minor"/>
+    </dgm:style>
+  </dgm:styleLbl>
+  <dgm:styleLbl name="trAlignAcc1">
+    <dgm:scene3d>
+      <a:camera prst="orthographicFront"/>
+      <a:lightRig rig="threePt" dir="t"/>
+    </dgm:scene3d>
+    <dgm:sp3d/>
+    <dgm:txPr/>
+    <dgm:style>
+      <a:lnRef idx="1">
+        <a:scrgbClr r="0" g="0" b="0"/>
+      </a:lnRef>
+      <a:fillRef idx="1">
+        <a:scrgbClr r="0" g="0" b="0"/>
+      </a:fillRef>
+      <a:effectRef idx="0">
+        <a:scrgbClr r="0" g="0" b="0"/>
+      </a:effectRef>
+      <a:fontRef idx="minor"/>
+    </dgm:style>
+  </dgm:styleLbl>
+  <dgm:styleLbl name="bgAcc1">
+    <dgm:scene3d>
+      <a:camera prst="orthographicFront"/>
+      <a:lightRig rig="threePt" dir="t"/>
+    </dgm:scene3d>
+    <dgm:sp3d/>
+    <dgm:txPr/>
+    <dgm:style>
+      <a:lnRef idx="2">
+        <a:scrgbClr r="0" g="0" b="0"/>
+      </a:lnRef>
+      <a:fillRef idx="1">
+        <a:scrgbClr r="0" g="0" b="0"/>
+      </a:fillRef>
+      <a:effectRef idx="0">
+        <a:scrgbClr r="0" g="0" b="0"/>
+      </a:effectRef>
+      <a:fontRef idx="minor"/>
+    </dgm:style>
+  </dgm:styleLbl>
+  <dgm:styleLbl name="solidFgAcc1">
+    <dgm:scene3d>
+      <a:camera prst="orthographicFront"/>
+      <a:lightRig rig="threePt" dir="t"/>
+    </dgm:scene3d>
+    <dgm:sp3d/>
+    <dgm:txPr/>
+    <dgm:style>
+      <a:lnRef idx="2">
+        <a:scrgbClr r="0" g="0" b="0"/>
+      </a:lnRef>
+      <a:fillRef idx="1">
+        <a:scrgbClr r="0" g="0" b="0"/>
+      </a:fillRef>
+      <a:effectRef idx="0">
+        <a:scrgbClr r="0" g="0" b="0"/>
+      </a:effectRef>
+      <a:fontRef idx="minor"/>
+    </dgm:style>
+  </dgm:styleLbl>
+  <dgm:styleLbl name="solidAlignAcc1">
+    <dgm:scene3d>
+      <a:camera prst="orthographicFront"/>
+      <a:lightRig rig="threePt" dir="t"/>
+    </dgm:scene3d>
+    <dgm:sp3d/>
+    <dgm:txPr/>
+    <dgm:style>
+      <a:lnRef idx="2">
+        <a:scrgbClr r="0" g="0" b="0"/>
+      </a:lnRef>
+      <a:fillRef idx="1">
+        <a:scrgbClr r="0" g="0" b="0"/>
+      </a:fillRef>
+      <a:effectRef idx="0">
+        <a:scrgbClr r="0" g="0" b="0"/>
+      </a:effectRef>
+      <a:fontRef idx="minor"/>
+    </dgm:style>
+  </dgm:styleLbl>
+  <dgm:styleLbl name="solidBgAcc1">
+    <dgm:scene3d>
+      <a:camera prst="orthographicFront"/>
+      <a:lightRig rig="threePt" dir="t"/>
+    </dgm:scene3d>
+    <dgm:sp3d/>
+    <dgm:txPr/>
+    <dgm:style>
+      <a:lnRef idx="2">
+        <a:scrgbClr r="0" g="0" b="0"/>
+      </a:lnRef>
+      <a:fillRef idx="1">
+        <a:scrgbClr r="0" g="0" b="0"/>
+      </a:fillRef>
+      <a:effectRef idx="0">
+        <a:scrgbClr r="0" g="0" b="0"/>
+      </a:effectRef>
+      <a:fontRef idx="minor"/>
+    </dgm:style>
+  </dgm:styleLbl>
+  <dgm:styleLbl name="fgAccFollowNode1">
+    <dgm:scene3d>
+      <a:camera prst="orthographicFront"/>
+      <a:lightRig rig="threePt" dir="t"/>
+    </dgm:scene3d>
+    <dgm:sp3d/>
+    <dgm:txPr/>
+    <dgm:style>
+      <a:lnRef idx="2">
+        <a:scrgbClr r="0" g="0" b="0"/>
+      </a:lnRef>
+      <a:fillRef idx="1">
+        <a:scrgbClr r="0" g="0" b="0"/>
+      </a:fillRef>
+      <a:effectRef idx="0">
+        <a:scrgbClr r="0" g="0" b="0"/>
+      </a:effectRef>
+      <a:fontRef idx="minor"/>
+    </dgm:style>
+  </dgm:styleLbl>
+  <dgm:styleLbl name="alignAccFollowNode1">
+    <dgm:scene3d>
+      <a:camera prst="orthographicFront"/>
+      <a:lightRig rig="threePt" dir="t"/>
+    </dgm:scene3d>
+    <dgm:sp3d/>
+    <dgm:txPr/>
+    <dgm:style>
+      <a:lnRef idx="2">
+        <a:scrgbClr r="0" g="0" b="0"/>
+      </a:lnRef>
+      <a:fillRef idx="1">
+        <a:scrgbClr r="0" g="0" b="0"/>
+      </a:fillRef>
+      <a:effectRef idx="0">
+        <a:scrgbClr r="0" g="0" b="0"/>
+      </a:effectRef>
+      <a:fontRef idx="minor"/>
+    </dgm:style>
+  </dgm:styleLbl>
+  <dgm:styleLbl name="bgAccFollowNode1">
+    <dgm:scene3d>
+      <a:camera prst="orthographicFront"/>
+      <a:lightRig rig="threePt" dir="t"/>
+    </dgm:scene3d>
+    <dgm:sp3d/>
+    <dgm:txPr/>
+    <dgm:style>
+      <a:lnRef idx="2">
+        <a:scrgbClr r="0" g="0" b="0"/>
+      </a:lnRef>
+      <a:fillRef idx="1">
+        <a:scrgbClr r="0" g="0" b="0"/>
+      </a:fillRef>
+      <a:effectRef idx="0">
+        <a:scrgbClr r="0" g="0" b="0"/>
+      </a:effectRef>
+      <a:fontRef idx="minor"/>
+    </dgm:style>
+  </dgm:styleLbl>
+  <dgm:styleLbl name="fgAcc0">
+    <dgm:scene3d>
+      <a:camera prst="orthographicFront"/>
+      <a:lightRig rig="threePt" dir="t"/>
+    </dgm:scene3d>
+    <dgm:sp3d/>
+    <dgm:txPr/>
+    <dgm:style>
+      <a:lnRef idx="2">
+        <a:scrgbClr r="0" g="0" b="0"/>
+      </a:lnRef>
+      <a:fillRef idx="1">
+        <a:scrgbClr r="0" g="0" b="0"/>
+      </a:fillRef>
+      <a:effectRef idx="0">
+        <a:scrgbClr r="0" g="0" b="0"/>
+      </a:effectRef>
+      <a:fontRef idx="minor"/>
+    </dgm:style>
+  </dgm:styleLbl>
+  <dgm:styleLbl name="fgAcc2">
+    <dgm:scene3d>
+      <a:camera prst="orthographicFront"/>
+      <a:lightRig rig="threePt" dir="t"/>
+    </dgm:scene3d>
+    <dgm:sp3d/>
+    <dgm:txPr/>
+    <dgm:style>
+      <a:lnRef idx="2">
+        <a:scrgbClr r="0" g="0" b="0"/>
+      </a:lnRef>
+      <a:fillRef idx="1">
+        <a:scrgbClr r="0" g="0" b="0"/>
+      </a:fillRef>
+      <a:effectRef idx="0">
+        <a:scrgbClr r="0" g="0" b="0"/>
+      </a:effectRef>
+      <a:fontRef idx="minor"/>
+    </dgm:style>
+  </dgm:styleLbl>
+  <dgm:styleLbl name="fgAcc3">
+    <dgm:scene3d>
+      <a:camera prst="orthographicFront"/>
+      <a:lightRig rig="threePt" dir="t"/>
+    </dgm:scene3d>
+    <dgm:sp3d/>
+    <dgm:txPr/>
+    <dgm:style>
+      <a:lnRef idx="2">
+        <a:scrgbClr r="0" g="0" b="0"/>
+      </a:lnRef>
+      <a:fillRef idx="1">
+        <a:scrgbClr r="0" g="0" b="0"/>
+      </a:fillRef>
+      <a:effectRef idx="0">
+        <a:scrgbClr r="0" g="0" b="0"/>
+      </a:effectRef>
+      <a:fontRef idx="minor"/>
+    </dgm:style>
+  </dgm:styleLbl>
+  <dgm:styleLbl name="fgAcc4">
+    <dgm:scene3d>
+      <a:camera prst="orthographicFront"/>
+      <a:lightRig rig="threePt" dir="t"/>
+    </dgm:scene3d>
+    <dgm:sp3d/>
+    <dgm:txPr/>
+    <dgm:style>
+      <a:lnRef idx="2">
+        <a:scrgbClr r="0" g="0" b="0"/>
+      </a:lnRef>
+      <a:fillRef idx="1">
+        <a:scrgbClr r="0" g="0" b="0"/>
+      </a:fillRef>
+      <a:effectRef idx="0">
+        <a:scrgbClr r="0" g="0" b="0"/>
+      </a:effectRef>
+      <a:fontRef idx="minor"/>
+    </dgm:style>
+  </dgm:styleLbl>
+  <dgm:styleLbl name="bgShp">
+    <dgm:scene3d>
+      <a:camera prst="orthographicFront"/>
+      <a:lightRig rig="threePt" dir="t"/>
+    </dgm:scene3d>
+    <dgm:sp3d/>
+    <dgm:txPr/>
+    <dgm:style>
+      <a:lnRef idx="0">
+        <a:scrgbClr r="0" g="0" b="0"/>
+      </a:lnRef>
+      <a:fillRef idx="1">
+        <a:scrgbClr r="0" g="0" b="0"/>
+      </a:fillRef>
+      <a:effectRef idx="0">
+        <a:scrgbClr r="0" g="0" b="0"/>
+      </a:effectRef>
+      <a:fontRef idx="minor"/>
+    </dgm:style>
+  </dgm:styleLbl>
+  <dgm:styleLbl name="dkBgShp">
+    <dgm:scene3d>
+      <a:camera prst="orthographicFront"/>
+      <a:lightRig rig="threePt" dir="t"/>
+    </dgm:scene3d>
+    <dgm:sp3d/>
+    <dgm:txPr/>
+    <dgm:style>
+      <a:lnRef idx="0">
+        <a:scrgbClr r="0" g="0" b="0"/>
+      </a:lnRef>
+      <a:fillRef idx="1">
+        <a:scrgbClr r="0" g="0" b="0"/>
+      </a:fillRef>
+      <a:effectRef idx="0">
+        <a:scrgbClr r="0" g="0" b="0"/>
+      </a:effectRef>
+      <a:fontRef idx="minor"/>
+    </dgm:style>
+  </dgm:styleLbl>
+  <dgm:styleLbl name="trBgShp">
+    <dgm:scene3d>
+      <a:camera prst="orthographicFront"/>
+      <a:lightRig rig="threePt" dir="t"/>
+    </dgm:scene3d>
+    <dgm:sp3d/>
+    <dgm:txPr/>
+    <dgm:style>
+      <a:lnRef idx="0">
+        <a:scrgbClr r="0" g="0" b="0"/>
+      </a:lnRef>
+      <a:fillRef idx="1">
+        <a:scrgbClr r="0" g="0" b="0"/>
+      </a:fillRef>
+      <a:effectRef idx="0">
+        <a:scrgbClr r="0" g="0" b="0"/>
+      </a:effectRef>
+      <a:fontRef idx="minor"/>
+    </dgm:style>
+  </dgm:styleLbl>
+  <dgm:styleLbl name="fgShp">
+    <dgm:scene3d>
+      <a:camera prst="orthographicFront"/>
+      <a:lightRig rig="threePt" dir="t"/>
+    </dgm:scene3d>
+    <dgm:sp3d/>
+    <dgm:txPr/>
+    <dgm:style>
+      <a:lnRef idx="2">
+        <a:scrgbClr r="0" g="0" b="0"/>
+      </a:lnRef>
+      <a:fillRef idx="1">
+        <a:scrgbClr r="0" g="0" b="0"/>
+      </a:fillRef>
+      <a:effectRef idx="0">
+        <a:scrgbClr r="0" g="0" b="0"/>
+      </a:effectRef>
+      <a:fontRef idx="minor"/>
+    </dgm:style>
+  </dgm:styleLbl>
+  <dgm:styleLbl name="revTx">
+    <dgm:scene3d>
+      <a:camera prst="orthographicFront"/>
+      <a:lightRig rig="threePt" dir="t"/>
+    </dgm:scene3d>
+    <dgm:sp3d/>
+    <dgm:txPr/>
+    <dgm:style>
+      <a:lnRef idx="0">
+        <a:scrgbClr r="0" g="0" b="0"/>
+      </a:lnRef>
+      <a:fillRef idx="0">
+        <a:scrgbClr r="0" g="0" b="0"/>
+      </a:fillRef>
+      <a:effectRef idx="0">
+        <a:scrgbClr r="0" g="0" b="0"/>
+      </a:effectRef>
+      <a:fontRef idx="minor"/>
+    </dgm:style>
+  </dgm:styleLbl>
+</dgm:styleDef>
 </file>
 
 <file path=ppt/notesMasters/notesMaster1.xml><?xml version="1.0" encoding="utf-8"?>
@@ -982,1096 +3290,6 @@
 </p:notes>
 </file>
 
-<file path=ppt/notesSlides/notesSlide10.xml><?xml version="1.0" encoding="utf-8"?>
-<p:notes xmlns:a="http://schemas.openxmlformats.org/drawingml/2006/main" xmlns:r="http://schemas.openxmlformats.org/officeDocument/2006/relationships" xmlns:p="http://schemas.openxmlformats.org/presentationml/2006/main" showMasterSp="0" showMasterPhAnim="0">
-  <p:cSld>
-    <p:spTree>
-      <p:nvGrpSpPr>
-        <p:cNvPr id="1" name="Shape 97"/>
-        <p:cNvGrpSpPr/>
-        <p:nvPr/>
-      </p:nvGrpSpPr>
-      <p:grpSpPr>
-        <a:xfrm>
-          <a:off x="0" y="0"/>
-          <a:ext cx="0" cy="0"/>
-          <a:chOff x="0" y="0"/>
-          <a:chExt cx="0" cy="0"/>
-        </a:xfrm>
-      </p:grpSpPr>
-      <p:sp>
-        <p:nvSpPr>
-          <p:cNvPr id="98" name="Google Shape;98;gc6f90357f_0_35:notes"/>
-          <p:cNvSpPr>
-            <a:spLocks noGrp="1" noRot="1" noChangeAspect="1"/>
-          </p:cNvSpPr>
-          <p:nvPr>
-            <p:ph type="sldImg" idx="2"/>
-          </p:nvPr>
-        </p:nvSpPr>
-        <p:spPr>
-          <a:xfrm>
-            <a:off x="381000" y="685800"/>
-            <a:ext cx="6096000" cy="3429000"/>
-          </a:xfrm>
-          <a:custGeom>
-            <a:avLst/>
-            <a:gdLst/>
-            <a:ahLst/>
-            <a:cxnLst/>
-            <a:rect l="l" t="t" r="r" b="b"/>
-            <a:pathLst>
-              <a:path w="120000" h="120000" extrusionOk="0">
-                <a:moveTo>
-                  <a:pt x="0" y="0"/>
-                </a:moveTo>
-                <a:lnTo>
-                  <a:pt x="120000" y="0"/>
-                </a:lnTo>
-                <a:lnTo>
-                  <a:pt x="120000" y="120000"/>
-                </a:lnTo>
-                <a:lnTo>
-                  <a:pt x="0" y="120000"/>
-                </a:lnTo>
-                <a:close/>
-              </a:path>
-            </a:pathLst>
-          </a:custGeom>
-        </p:spPr>
-      </p:sp>
-      <p:sp>
-        <p:nvSpPr>
-          <p:cNvPr id="99" name="Google Shape;99;gc6f90357f_0_35:notes"/>
-          <p:cNvSpPr txBox="1">
-            <a:spLocks noGrp="1"/>
-          </p:cNvSpPr>
-          <p:nvPr>
-            <p:ph type="body" idx="1"/>
-          </p:nvPr>
-        </p:nvSpPr>
-        <p:spPr>
-          <a:xfrm>
-            <a:off x="685800" y="4343400"/>
-            <a:ext cx="5486400" cy="4114800"/>
-          </a:xfrm>
-          <a:prstGeom prst="rect">
-            <a:avLst/>
-          </a:prstGeom>
-        </p:spPr>
-        <p:txBody>
-          <a:bodyPr spcFirstLastPara="1" wrap="square" lIns="91425" tIns="91425" rIns="91425" bIns="91425" anchor="t" anchorCtr="0">
-            <a:noAutofit/>
-          </a:bodyPr>
-          <a:lstStyle/>
-          <a:p>
-            <a:pPr marL="0" lvl="0" indent="0" algn="l" rtl="0">
-              <a:spcBef>
-                <a:spcPts val="0"/>
-              </a:spcBef>
-              <a:spcAft>
-                <a:spcPts val="0"/>
-              </a:spcAft>
-              <a:buNone/>
-            </a:pPr>
-            <a:endParaRPr/>
-          </a:p>
-        </p:txBody>
-      </p:sp>
-    </p:spTree>
-    <p:extLst>
-      <p:ext uri="{BB962C8B-B14F-4D97-AF65-F5344CB8AC3E}">
-        <p14:creationId xmlns:p14="http://schemas.microsoft.com/office/powerpoint/2010/main" val="2487299588"/>
-      </p:ext>
-    </p:extLst>
-  </p:cSld>
-  <p:clrMapOvr>
-    <a:masterClrMapping/>
-  </p:clrMapOvr>
-</p:notes>
-</file>
-
-<file path=ppt/notesSlides/notesSlide11.xml><?xml version="1.0" encoding="utf-8"?>
-<p:notes xmlns:a="http://schemas.openxmlformats.org/drawingml/2006/main" xmlns:r="http://schemas.openxmlformats.org/officeDocument/2006/relationships" xmlns:p="http://schemas.openxmlformats.org/presentationml/2006/main" showMasterSp="0" showMasterPhAnim="0">
-  <p:cSld>
-    <p:spTree>
-      <p:nvGrpSpPr>
-        <p:cNvPr id="1" name="Shape 97"/>
-        <p:cNvGrpSpPr/>
-        <p:nvPr/>
-      </p:nvGrpSpPr>
-      <p:grpSpPr>
-        <a:xfrm>
-          <a:off x="0" y="0"/>
-          <a:ext cx="0" cy="0"/>
-          <a:chOff x="0" y="0"/>
-          <a:chExt cx="0" cy="0"/>
-        </a:xfrm>
-      </p:grpSpPr>
-      <p:sp>
-        <p:nvSpPr>
-          <p:cNvPr id="98" name="Google Shape;98;gc6f90357f_0_35:notes"/>
-          <p:cNvSpPr>
-            <a:spLocks noGrp="1" noRot="1" noChangeAspect="1"/>
-          </p:cNvSpPr>
-          <p:nvPr>
-            <p:ph type="sldImg" idx="2"/>
-          </p:nvPr>
-        </p:nvSpPr>
-        <p:spPr>
-          <a:xfrm>
-            <a:off x="381000" y="685800"/>
-            <a:ext cx="6096000" cy="3429000"/>
-          </a:xfrm>
-          <a:custGeom>
-            <a:avLst/>
-            <a:gdLst/>
-            <a:ahLst/>
-            <a:cxnLst/>
-            <a:rect l="l" t="t" r="r" b="b"/>
-            <a:pathLst>
-              <a:path w="120000" h="120000" extrusionOk="0">
-                <a:moveTo>
-                  <a:pt x="0" y="0"/>
-                </a:moveTo>
-                <a:lnTo>
-                  <a:pt x="120000" y="0"/>
-                </a:lnTo>
-                <a:lnTo>
-                  <a:pt x="120000" y="120000"/>
-                </a:lnTo>
-                <a:lnTo>
-                  <a:pt x="0" y="120000"/>
-                </a:lnTo>
-                <a:close/>
-              </a:path>
-            </a:pathLst>
-          </a:custGeom>
-        </p:spPr>
-      </p:sp>
-      <p:sp>
-        <p:nvSpPr>
-          <p:cNvPr id="99" name="Google Shape;99;gc6f90357f_0_35:notes"/>
-          <p:cNvSpPr txBox="1">
-            <a:spLocks noGrp="1"/>
-          </p:cNvSpPr>
-          <p:nvPr>
-            <p:ph type="body" idx="1"/>
-          </p:nvPr>
-        </p:nvSpPr>
-        <p:spPr>
-          <a:xfrm>
-            <a:off x="685800" y="4343400"/>
-            <a:ext cx="5486400" cy="4114800"/>
-          </a:xfrm>
-          <a:prstGeom prst="rect">
-            <a:avLst/>
-          </a:prstGeom>
-        </p:spPr>
-        <p:txBody>
-          <a:bodyPr spcFirstLastPara="1" wrap="square" lIns="91425" tIns="91425" rIns="91425" bIns="91425" anchor="t" anchorCtr="0">
-            <a:noAutofit/>
-          </a:bodyPr>
-          <a:lstStyle/>
-          <a:p>
-            <a:pPr marL="0" lvl="0" indent="0" algn="l" rtl="0">
-              <a:spcBef>
-                <a:spcPts val="0"/>
-              </a:spcBef>
-              <a:spcAft>
-                <a:spcPts val="0"/>
-              </a:spcAft>
-              <a:buNone/>
-            </a:pPr>
-            <a:endParaRPr/>
-          </a:p>
-        </p:txBody>
-      </p:sp>
-    </p:spTree>
-    <p:extLst>
-      <p:ext uri="{BB962C8B-B14F-4D97-AF65-F5344CB8AC3E}">
-        <p14:creationId xmlns:p14="http://schemas.microsoft.com/office/powerpoint/2010/main" val="1656460188"/>
-      </p:ext>
-    </p:extLst>
-  </p:cSld>
-  <p:clrMapOvr>
-    <a:masterClrMapping/>
-  </p:clrMapOvr>
-</p:notes>
-</file>
-
-<file path=ppt/notesSlides/notesSlide12.xml><?xml version="1.0" encoding="utf-8"?>
-<p:notes xmlns:a="http://schemas.openxmlformats.org/drawingml/2006/main" xmlns:r="http://schemas.openxmlformats.org/officeDocument/2006/relationships" xmlns:p="http://schemas.openxmlformats.org/presentationml/2006/main" showMasterSp="0" showMasterPhAnim="0">
-  <p:cSld>
-    <p:spTree>
-      <p:nvGrpSpPr>
-        <p:cNvPr id="1" name="Shape 97"/>
-        <p:cNvGrpSpPr/>
-        <p:nvPr/>
-      </p:nvGrpSpPr>
-      <p:grpSpPr>
-        <a:xfrm>
-          <a:off x="0" y="0"/>
-          <a:ext cx="0" cy="0"/>
-          <a:chOff x="0" y="0"/>
-          <a:chExt cx="0" cy="0"/>
-        </a:xfrm>
-      </p:grpSpPr>
-      <p:sp>
-        <p:nvSpPr>
-          <p:cNvPr id="98" name="Google Shape;98;gc6f90357f_0_35:notes"/>
-          <p:cNvSpPr>
-            <a:spLocks noGrp="1" noRot="1" noChangeAspect="1"/>
-          </p:cNvSpPr>
-          <p:nvPr>
-            <p:ph type="sldImg" idx="2"/>
-          </p:nvPr>
-        </p:nvSpPr>
-        <p:spPr>
-          <a:xfrm>
-            <a:off x="381000" y="685800"/>
-            <a:ext cx="6096000" cy="3429000"/>
-          </a:xfrm>
-          <a:custGeom>
-            <a:avLst/>
-            <a:gdLst/>
-            <a:ahLst/>
-            <a:cxnLst/>
-            <a:rect l="l" t="t" r="r" b="b"/>
-            <a:pathLst>
-              <a:path w="120000" h="120000" extrusionOk="0">
-                <a:moveTo>
-                  <a:pt x="0" y="0"/>
-                </a:moveTo>
-                <a:lnTo>
-                  <a:pt x="120000" y="0"/>
-                </a:lnTo>
-                <a:lnTo>
-                  <a:pt x="120000" y="120000"/>
-                </a:lnTo>
-                <a:lnTo>
-                  <a:pt x="0" y="120000"/>
-                </a:lnTo>
-                <a:close/>
-              </a:path>
-            </a:pathLst>
-          </a:custGeom>
-        </p:spPr>
-      </p:sp>
-      <p:sp>
-        <p:nvSpPr>
-          <p:cNvPr id="99" name="Google Shape;99;gc6f90357f_0_35:notes"/>
-          <p:cNvSpPr txBox="1">
-            <a:spLocks noGrp="1"/>
-          </p:cNvSpPr>
-          <p:nvPr>
-            <p:ph type="body" idx="1"/>
-          </p:nvPr>
-        </p:nvSpPr>
-        <p:spPr>
-          <a:xfrm>
-            <a:off x="685800" y="4343400"/>
-            <a:ext cx="5486400" cy="4114800"/>
-          </a:xfrm>
-          <a:prstGeom prst="rect">
-            <a:avLst/>
-          </a:prstGeom>
-        </p:spPr>
-        <p:txBody>
-          <a:bodyPr spcFirstLastPara="1" wrap="square" lIns="91425" tIns="91425" rIns="91425" bIns="91425" anchor="t" anchorCtr="0">
-            <a:noAutofit/>
-          </a:bodyPr>
-          <a:lstStyle/>
-          <a:p>
-            <a:pPr marL="0" lvl="0" indent="0" algn="l" rtl="0">
-              <a:spcBef>
-                <a:spcPts val="0"/>
-              </a:spcBef>
-              <a:spcAft>
-                <a:spcPts val="0"/>
-              </a:spcAft>
-              <a:buNone/>
-            </a:pPr>
-            <a:endParaRPr/>
-          </a:p>
-        </p:txBody>
-      </p:sp>
-    </p:spTree>
-    <p:extLst>
-      <p:ext uri="{BB962C8B-B14F-4D97-AF65-F5344CB8AC3E}">
-        <p14:creationId xmlns:p14="http://schemas.microsoft.com/office/powerpoint/2010/main" val="3002486572"/>
-      </p:ext>
-    </p:extLst>
-  </p:cSld>
-  <p:clrMapOvr>
-    <a:masterClrMapping/>
-  </p:clrMapOvr>
-</p:notes>
-</file>
-
-<file path=ppt/notesSlides/notesSlide13.xml><?xml version="1.0" encoding="utf-8"?>
-<p:notes xmlns:a="http://schemas.openxmlformats.org/drawingml/2006/main" xmlns:r="http://schemas.openxmlformats.org/officeDocument/2006/relationships" xmlns:p="http://schemas.openxmlformats.org/presentationml/2006/main" showMasterSp="0" showMasterPhAnim="0">
-  <p:cSld>
-    <p:spTree>
-      <p:nvGrpSpPr>
-        <p:cNvPr id="1" name="Shape 97"/>
-        <p:cNvGrpSpPr/>
-        <p:nvPr/>
-      </p:nvGrpSpPr>
-      <p:grpSpPr>
-        <a:xfrm>
-          <a:off x="0" y="0"/>
-          <a:ext cx="0" cy="0"/>
-          <a:chOff x="0" y="0"/>
-          <a:chExt cx="0" cy="0"/>
-        </a:xfrm>
-      </p:grpSpPr>
-      <p:sp>
-        <p:nvSpPr>
-          <p:cNvPr id="98" name="Google Shape;98;gc6f90357f_0_35:notes"/>
-          <p:cNvSpPr>
-            <a:spLocks noGrp="1" noRot="1" noChangeAspect="1"/>
-          </p:cNvSpPr>
-          <p:nvPr>
-            <p:ph type="sldImg" idx="2"/>
-          </p:nvPr>
-        </p:nvSpPr>
-        <p:spPr>
-          <a:xfrm>
-            <a:off x="381000" y="685800"/>
-            <a:ext cx="6096000" cy="3429000"/>
-          </a:xfrm>
-          <a:custGeom>
-            <a:avLst/>
-            <a:gdLst/>
-            <a:ahLst/>
-            <a:cxnLst/>
-            <a:rect l="l" t="t" r="r" b="b"/>
-            <a:pathLst>
-              <a:path w="120000" h="120000" extrusionOk="0">
-                <a:moveTo>
-                  <a:pt x="0" y="0"/>
-                </a:moveTo>
-                <a:lnTo>
-                  <a:pt x="120000" y="0"/>
-                </a:lnTo>
-                <a:lnTo>
-                  <a:pt x="120000" y="120000"/>
-                </a:lnTo>
-                <a:lnTo>
-                  <a:pt x="0" y="120000"/>
-                </a:lnTo>
-                <a:close/>
-              </a:path>
-            </a:pathLst>
-          </a:custGeom>
-        </p:spPr>
-      </p:sp>
-      <p:sp>
-        <p:nvSpPr>
-          <p:cNvPr id="99" name="Google Shape;99;gc6f90357f_0_35:notes"/>
-          <p:cNvSpPr txBox="1">
-            <a:spLocks noGrp="1"/>
-          </p:cNvSpPr>
-          <p:nvPr>
-            <p:ph type="body" idx="1"/>
-          </p:nvPr>
-        </p:nvSpPr>
-        <p:spPr>
-          <a:xfrm>
-            <a:off x="685800" y="4343400"/>
-            <a:ext cx="5486400" cy="4114800"/>
-          </a:xfrm>
-          <a:prstGeom prst="rect">
-            <a:avLst/>
-          </a:prstGeom>
-        </p:spPr>
-        <p:txBody>
-          <a:bodyPr spcFirstLastPara="1" wrap="square" lIns="91425" tIns="91425" rIns="91425" bIns="91425" anchor="t" anchorCtr="0">
-            <a:noAutofit/>
-          </a:bodyPr>
-          <a:lstStyle/>
-          <a:p>
-            <a:pPr marL="0" lvl="0" indent="0" algn="l" rtl="0">
-              <a:spcBef>
-                <a:spcPts val="0"/>
-              </a:spcBef>
-              <a:spcAft>
-                <a:spcPts val="0"/>
-              </a:spcAft>
-              <a:buNone/>
-            </a:pPr>
-            <a:endParaRPr/>
-          </a:p>
-        </p:txBody>
-      </p:sp>
-    </p:spTree>
-    <p:extLst>
-      <p:ext uri="{BB962C8B-B14F-4D97-AF65-F5344CB8AC3E}">
-        <p14:creationId xmlns:p14="http://schemas.microsoft.com/office/powerpoint/2010/main" val="3709364980"/>
-      </p:ext>
-    </p:extLst>
-  </p:cSld>
-  <p:clrMapOvr>
-    <a:masterClrMapping/>
-  </p:clrMapOvr>
-</p:notes>
-</file>
-
-<file path=ppt/notesSlides/notesSlide14.xml><?xml version="1.0" encoding="utf-8"?>
-<p:notes xmlns:a="http://schemas.openxmlformats.org/drawingml/2006/main" xmlns:r="http://schemas.openxmlformats.org/officeDocument/2006/relationships" xmlns:p="http://schemas.openxmlformats.org/presentationml/2006/main" showMasterSp="0" showMasterPhAnim="0">
-  <p:cSld>
-    <p:spTree>
-      <p:nvGrpSpPr>
-        <p:cNvPr id="1" name="Shape 97"/>
-        <p:cNvGrpSpPr/>
-        <p:nvPr/>
-      </p:nvGrpSpPr>
-      <p:grpSpPr>
-        <a:xfrm>
-          <a:off x="0" y="0"/>
-          <a:ext cx="0" cy="0"/>
-          <a:chOff x="0" y="0"/>
-          <a:chExt cx="0" cy="0"/>
-        </a:xfrm>
-      </p:grpSpPr>
-      <p:sp>
-        <p:nvSpPr>
-          <p:cNvPr id="98" name="Google Shape;98;gc6f90357f_0_35:notes"/>
-          <p:cNvSpPr>
-            <a:spLocks noGrp="1" noRot="1" noChangeAspect="1"/>
-          </p:cNvSpPr>
-          <p:nvPr>
-            <p:ph type="sldImg" idx="2"/>
-          </p:nvPr>
-        </p:nvSpPr>
-        <p:spPr>
-          <a:xfrm>
-            <a:off x="381000" y="685800"/>
-            <a:ext cx="6096000" cy="3429000"/>
-          </a:xfrm>
-          <a:custGeom>
-            <a:avLst/>
-            <a:gdLst/>
-            <a:ahLst/>
-            <a:cxnLst/>
-            <a:rect l="l" t="t" r="r" b="b"/>
-            <a:pathLst>
-              <a:path w="120000" h="120000" extrusionOk="0">
-                <a:moveTo>
-                  <a:pt x="0" y="0"/>
-                </a:moveTo>
-                <a:lnTo>
-                  <a:pt x="120000" y="0"/>
-                </a:lnTo>
-                <a:lnTo>
-                  <a:pt x="120000" y="120000"/>
-                </a:lnTo>
-                <a:lnTo>
-                  <a:pt x="0" y="120000"/>
-                </a:lnTo>
-                <a:close/>
-              </a:path>
-            </a:pathLst>
-          </a:custGeom>
-        </p:spPr>
-      </p:sp>
-      <p:sp>
-        <p:nvSpPr>
-          <p:cNvPr id="99" name="Google Shape;99;gc6f90357f_0_35:notes"/>
-          <p:cNvSpPr txBox="1">
-            <a:spLocks noGrp="1"/>
-          </p:cNvSpPr>
-          <p:nvPr>
-            <p:ph type="body" idx="1"/>
-          </p:nvPr>
-        </p:nvSpPr>
-        <p:spPr>
-          <a:xfrm>
-            <a:off x="685800" y="4343400"/>
-            <a:ext cx="5486400" cy="4114800"/>
-          </a:xfrm>
-          <a:prstGeom prst="rect">
-            <a:avLst/>
-          </a:prstGeom>
-        </p:spPr>
-        <p:txBody>
-          <a:bodyPr spcFirstLastPara="1" wrap="square" lIns="91425" tIns="91425" rIns="91425" bIns="91425" anchor="t" anchorCtr="0">
-            <a:noAutofit/>
-          </a:bodyPr>
-          <a:lstStyle/>
-          <a:p>
-            <a:pPr marL="0" lvl="0" indent="0" algn="l" rtl="0">
-              <a:spcBef>
-                <a:spcPts val="0"/>
-              </a:spcBef>
-              <a:spcAft>
-                <a:spcPts val="0"/>
-              </a:spcAft>
-              <a:buNone/>
-            </a:pPr>
-            <a:endParaRPr/>
-          </a:p>
-        </p:txBody>
-      </p:sp>
-    </p:spTree>
-    <p:extLst>
-      <p:ext uri="{BB962C8B-B14F-4D97-AF65-F5344CB8AC3E}">
-        <p14:creationId xmlns:p14="http://schemas.microsoft.com/office/powerpoint/2010/main" val="39315049"/>
-      </p:ext>
-    </p:extLst>
-  </p:cSld>
-  <p:clrMapOvr>
-    <a:masterClrMapping/>
-  </p:clrMapOvr>
-</p:notes>
-</file>
-
-<file path=ppt/notesSlides/notesSlide15.xml><?xml version="1.0" encoding="utf-8"?>
-<p:notes xmlns:a="http://schemas.openxmlformats.org/drawingml/2006/main" xmlns:r="http://schemas.openxmlformats.org/officeDocument/2006/relationships" xmlns:p="http://schemas.openxmlformats.org/presentationml/2006/main" showMasterSp="0" showMasterPhAnim="0">
-  <p:cSld>
-    <p:spTree>
-      <p:nvGrpSpPr>
-        <p:cNvPr id="1" name="Shape 97"/>
-        <p:cNvGrpSpPr/>
-        <p:nvPr/>
-      </p:nvGrpSpPr>
-      <p:grpSpPr>
-        <a:xfrm>
-          <a:off x="0" y="0"/>
-          <a:ext cx="0" cy="0"/>
-          <a:chOff x="0" y="0"/>
-          <a:chExt cx="0" cy="0"/>
-        </a:xfrm>
-      </p:grpSpPr>
-      <p:sp>
-        <p:nvSpPr>
-          <p:cNvPr id="98" name="Google Shape;98;gc6f90357f_0_35:notes"/>
-          <p:cNvSpPr>
-            <a:spLocks noGrp="1" noRot="1" noChangeAspect="1"/>
-          </p:cNvSpPr>
-          <p:nvPr>
-            <p:ph type="sldImg" idx="2"/>
-          </p:nvPr>
-        </p:nvSpPr>
-        <p:spPr>
-          <a:xfrm>
-            <a:off x="381000" y="685800"/>
-            <a:ext cx="6096000" cy="3429000"/>
-          </a:xfrm>
-          <a:custGeom>
-            <a:avLst/>
-            <a:gdLst/>
-            <a:ahLst/>
-            <a:cxnLst/>
-            <a:rect l="l" t="t" r="r" b="b"/>
-            <a:pathLst>
-              <a:path w="120000" h="120000" extrusionOk="0">
-                <a:moveTo>
-                  <a:pt x="0" y="0"/>
-                </a:moveTo>
-                <a:lnTo>
-                  <a:pt x="120000" y="0"/>
-                </a:lnTo>
-                <a:lnTo>
-                  <a:pt x="120000" y="120000"/>
-                </a:lnTo>
-                <a:lnTo>
-                  <a:pt x="0" y="120000"/>
-                </a:lnTo>
-                <a:close/>
-              </a:path>
-            </a:pathLst>
-          </a:custGeom>
-        </p:spPr>
-      </p:sp>
-      <p:sp>
-        <p:nvSpPr>
-          <p:cNvPr id="99" name="Google Shape;99;gc6f90357f_0_35:notes"/>
-          <p:cNvSpPr txBox="1">
-            <a:spLocks noGrp="1"/>
-          </p:cNvSpPr>
-          <p:nvPr>
-            <p:ph type="body" idx="1"/>
-          </p:nvPr>
-        </p:nvSpPr>
-        <p:spPr>
-          <a:xfrm>
-            <a:off x="685800" y="4343400"/>
-            <a:ext cx="5486400" cy="4114800"/>
-          </a:xfrm>
-          <a:prstGeom prst="rect">
-            <a:avLst/>
-          </a:prstGeom>
-        </p:spPr>
-        <p:txBody>
-          <a:bodyPr spcFirstLastPara="1" wrap="square" lIns="91425" tIns="91425" rIns="91425" bIns="91425" anchor="t" anchorCtr="0">
-            <a:noAutofit/>
-          </a:bodyPr>
-          <a:lstStyle/>
-          <a:p>
-            <a:pPr marL="0" lvl="0" indent="0" algn="l" rtl="0">
-              <a:spcBef>
-                <a:spcPts val="0"/>
-              </a:spcBef>
-              <a:spcAft>
-                <a:spcPts val="0"/>
-              </a:spcAft>
-              <a:buNone/>
-            </a:pPr>
-            <a:endParaRPr/>
-          </a:p>
-        </p:txBody>
-      </p:sp>
-    </p:spTree>
-    <p:extLst>
-      <p:ext uri="{BB962C8B-B14F-4D97-AF65-F5344CB8AC3E}">
-        <p14:creationId xmlns:p14="http://schemas.microsoft.com/office/powerpoint/2010/main" val="149893075"/>
-      </p:ext>
-    </p:extLst>
-  </p:cSld>
-  <p:clrMapOvr>
-    <a:masterClrMapping/>
-  </p:clrMapOvr>
-</p:notes>
-</file>
-
-<file path=ppt/notesSlides/notesSlide16.xml><?xml version="1.0" encoding="utf-8"?>
-<p:notes xmlns:a="http://schemas.openxmlformats.org/drawingml/2006/main" xmlns:r="http://schemas.openxmlformats.org/officeDocument/2006/relationships" xmlns:p="http://schemas.openxmlformats.org/presentationml/2006/main" showMasterSp="0" showMasterPhAnim="0">
-  <p:cSld>
-    <p:spTree>
-      <p:nvGrpSpPr>
-        <p:cNvPr id="1" name="Shape 97"/>
-        <p:cNvGrpSpPr/>
-        <p:nvPr/>
-      </p:nvGrpSpPr>
-      <p:grpSpPr>
-        <a:xfrm>
-          <a:off x="0" y="0"/>
-          <a:ext cx="0" cy="0"/>
-          <a:chOff x="0" y="0"/>
-          <a:chExt cx="0" cy="0"/>
-        </a:xfrm>
-      </p:grpSpPr>
-      <p:sp>
-        <p:nvSpPr>
-          <p:cNvPr id="98" name="Google Shape;98;gc6f90357f_0_35:notes"/>
-          <p:cNvSpPr>
-            <a:spLocks noGrp="1" noRot="1" noChangeAspect="1"/>
-          </p:cNvSpPr>
-          <p:nvPr>
-            <p:ph type="sldImg" idx="2"/>
-          </p:nvPr>
-        </p:nvSpPr>
-        <p:spPr>
-          <a:xfrm>
-            <a:off x="381000" y="685800"/>
-            <a:ext cx="6096000" cy="3429000"/>
-          </a:xfrm>
-          <a:custGeom>
-            <a:avLst/>
-            <a:gdLst/>
-            <a:ahLst/>
-            <a:cxnLst/>
-            <a:rect l="l" t="t" r="r" b="b"/>
-            <a:pathLst>
-              <a:path w="120000" h="120000" extrusionOk="0">
-                <a:moveTo>
-                  <a:pt x="0" y="0"/>
-                </a:moveTo>
-                <a:lnTo>
-                  <a:pt x="120000" y="0"/>
-                </a:lnTo>
-                <a:lnTo>
-                  <a:pt x="120000" y="120000"/>
-                </a:lnTo>
-                <a:lnTo>
-                  <a:pt x="0" y="120000"/>
-                </a:lnTo>
-                <a:close/>
-              </a:path>
-            </a:pathLst>
-          </a:custGeom>
-        </p:spPr>
-      </p:sp>
-      <p:sp>
-        <p:nvSpPr>
-          <p:cNvPr id="99" name="Google Shape;99;gc6f90357f_0_35:notes"/>
-          <p:cNvSpPr txBox="1">
-            <a:spLocks noGrp="1"/>
-          </p:cNvSpPr>
-          <p:nvPr>
-            <p:ph type="body" idx="1"/>
-          </p:nvPr>
-        </p:nvSpPr>
-        <p:spPr>
-          <a:xfrm>
-            <a:off x="685800" y="4343400"/>
-            <a:ext cx="5486400" cy="4114800"/>
-          </a:xfrm>
-          <a:prstGeom prst="rect">
-            <a:avLst/>
-          </a:prstGeom>
-        </p:spPr>
-        <p:txBody>
-          <a:bodyPr spcFirstLastPara="1" wrap="square" lIns="91425" tIns="91425" rIns="91425" bIns="91425" anchor="t" anchorCtr="0">
-            <a:noAutofit/>
-          </a:bodyPr>
-          <a:lstStyle/>
-          <a:p>
-            <a:pPr marL="0" lvl="0" indent="0" algn="l" rtl="0">
-              <a:spcBef>
-                <a:spcPts val="0"/>
-              </a:spcBef>
-              <a:spcAft>
-                <a:spcPts val="0"/>
-              </a:spcAft>
-              <a:buNone/>
-            </a:pPr>
-            <a:endParaRPr/>
-          </a:p>
-        </p:txBody>
-      </p:sp>
-    </p:spTree>
-    <p:extLst>
-      <p:ext uri="{BB962C8B-B14F-4D97-AF65-F5344CB8AC3E}">
-        <p14:creationId xmlns:p14="http://schemas.microsoft.com/office/powerpoint/2010/main" val="2401733569"/>
-      </p:ext>
-    </p:extLst>
-  </p:cSld>
-  <p:clrMapOvr>
-    <a:masterClrMapping/>
-  </p:clrMapOvr>
-</p:notes>
-</file>
-
-<file path=ppt/notesSlides/notesSlide17.xml><?xml version="1.0" encoding="utf-8"?>
-<p:notes xmlns:a="http://schemas.openxmlformats.org/drawingml/2006/main" xmlns:r="http://schemas.openxmlformats.org/officeDocument/2006/relationships" xmlns:p="http://schemas.openxmlformats.org/presentationml/2006/main" showMasterSp="0" showMasterPhAnim="0">
-  <p:cSld>
-    <p:spTree>
-      <p:nvGrpSpPr>
-        <p:cNvPr id="1" name="Shape 97"/>
-        <p:cNvGrpSpPr/>
-        <p:nvPr/>
-      </p:nvGrpSpPr>
-      <p:grpSpPr>
-        <a:xfrm>
-          <a:off x="0" y="0"/>
-          <a:ext cx="0" cy="0"/>
-          <a:chOff x="0" y="0"/>
-          <a:chExt cx="0" cy="0"/>
-        </a:xfrm>
-      </p:grpSpPr>
-      <p:sp>
-        <p:nvSpPr>
-          <p:cNvPr id="98" name="Google Shape;98;gc6f90357f_0_35:notes"/>
-          <p:cNvSpPr>
-            <a:spLocks noGrp="1" noRot="1" noChangeAspect="1"/>
-          </p:cNvSpPr>
-          <p:nvPr>
-            <p:ph type="sldImg" idx="2"/>
-          </p:nvPr>
-        </p:nvSpPr>
-        <p:spPr>
-          <a:xfrm>
-            <a:off x="381000" y="685800"/>
-            <a:ext cx="6096000" cy="3429000"/>
-          </a:xfrm>
-          <a:custGeom>
-            <a:avLst/>
-            <a:gdLst/>
-            <a:ahLst/>
-            <a:cxnLst/>
-            <a:rect l="l" t="t" r="r" b="b"/>
-            <a:pathLst>
-              <a:path w="120000" h="120000" extrusionOk="0">
-                <a:moveTo>
-                  <a:pt x="0" y="0"/>
-                </a:moveTo>
-                <a:lnTo>
-                  <a:pt x="120000" y="0"/>
-                </a:lnTo>
-                <a:lnTo>
-                  <a:pt x="120000" y="120000"/>
-                </a:lnTo>
-                <a:lnTo>
-                  <a:pt x="0" y="120000"/>
-                </a:lnTo>
-                <a:close/>
-              </a:path>
-            </a:pathLst>
-          </a:custGeom>
-        </p:spPr>
-      </p:sp>
-      <p:sp>
-        <p:nvSpPr>
-          <p:cNvPr id="99" name="Google Shape;99;gc6f90357f_0_35:notes"/>
-          <p:cNvSpPr txBox="1">
-            <a:spLocks noGrp="1"/>
-          </p:cNvSpPr>
-          <p:nvPr>
-            <p:ph type="body" idx="1"/>
-          </p:nvPr>
-        </p:nvSpPr>
-        <p:spPr>
-          <a:xfrm>
-            <a:off x="685800" y="4343400"/>
-            <a:ext cx="5486400" cy="4114800"/>
-          </a:xfrm>
-          <a:prstGeom prst="rect">
-            <a:avLst/>
-          </a:prstGeom>
-        </p:spPr>
-        <p:txBody>
-          <a:bodyPr spcFirstLastPara="1" wrap="square" lIns="91425" tIns="91425" rIns="91425" bIns="91425" anchor="t" anchorCtr="0">
-            <a:noAutofit/>
-          </a:bodyPr>
-          <a:lstStyle/>
-          <a:p>
-            <a:pPr marL="0" lvl="0" indent="0" algn="l" rtl="0">
-              <a:spcBef>
-                <a:spcPts val="0"/>
-              </a:spcBef>
-              <a:spcAft>
-                <a:spcPts val="0"/>
-              </a:spcAft>
-              <a:buNone/>
-            </a:pPr>
-            <a:endParaRPr/>
-          </a:p>
-        </p:txBody>
-      </p:sp>
-    </p:spTree>
-    <p:extLst>
-      <p:ext uri="{BB962C8B-B14F-4D97-AF65-F5344CB8AC3E}">
-        <p14:creationId xmlns:p14="http://schemas.microsoft.com/office/powerpoint/2010/main" val="4158696624"/>
-      </p:ext>
-    </p:extLst>
-  </p:cSld>
-  <p:clrMapOvr>
-    <a:masterClrMapping/>
-  </p:clrMapOvr>
-</p:notes>
-</file>
-
-<file path=ppt/notesSlides/notesSlide18.xml><?xml version="1.0" encoding="utf-8"?>
-<p:notes xmlns:a="http://schemas.openxmlformats.org/drawingml/2006/main" xmlns:r="http://schemas.openxmlformats.org/officeDocument/2006/relationships" xmlns:p="http://schemas.openxmlformats.org/presentationml/2006/main" showMasterSp="0" showMasterPhAnim="0">
-  <p:cSld>
-    <p:spTree>
-      <p:nvGrpSpPr>
-        <p:cNvPr id="1" name="Shape 97"/>
-        <p:cNvGrpSpPr/>
-        <p:nvPr/>
-      </p:nvGrpSpPr>
-      <p:grpSpPr>
-        <a:xfrm>
-          <a:off x="0" y="0"/>
-          <a:ext cx="0" cy="0"/>
-          <a:chOff x="0" y="0"/>
-          <a:chExt cx="0" cy="0"/>
-        </a:xfrm>
-      </p:grpSpPr>
-      <p:sp>
-        <p:nvSpPr>
-          <p:cNvPr id="98" name="Google Shape;98;gc6f90357f_0_35:notes"/>
-          <p:cNvSpPr>
-            <a:spLocks noGrp="1" noRot="1" noChangeAspect="1"/>
-          </p:cNvSpPr>
-          <p:nvPr>
-            <p:ph type="sldImg" idx="2"/>
-          </p:nvPr>
-        </p:nvSpPr>
-        <p:spPr>
-          <a:xfrm>
-            <a:off x="381000" y="685800"/>
-            <a:ext cx="6096000" cy="3429000"/>
-          </a:xfrm>
-          <a:custGeom>
-            <a:avLst/>
-            <a:gdLst/>
-            <a:ahLst/>
-            <a:cxnLst/>
-            <a:rect l="l" t="t" r="r" b="b"/>
-            <a:pathLst>
-              <a:path w="120000" h="120000" extrusionOk="0">
-                <a:moveTo>
-                  <a:pt x="0" y="0"/>
-                </a:moveTo>
-                <a:lnTo>
-                  <a:pt x="120000" y="0"/>
-                </a:lnTo>
-                <a:lnTo>
-                  <a:pt x="120000" y="120000"/>
-                </a:lnTo>
-                <a:lnTo>
-                  <a:pt x="0" y="120000"/>
-                </a:lnTo>
-                <a:close/>
-              </a:path>
-            </a:pathLst>
-          </a:custGeom>
-        </p:spPr>
-      </p:sp>
-      <p:sp>
-        <p:nvSpPr>
-          <p:cNvPr id="99" name="Google Shape;99;gc6f90357f_0_35:notes"/>
-          <p:cNvSpPr txBox="1">
-            <a:spLocks noGrp="1"/>
-          </p:cNvSpPr>
-          <p:nvPr>
-            <p:ph type="body" idx="1"/>
-          </p:nvPr>
-        </p:nvSpPr>
-        <p:spPr>
-          <a:xfrm>
-            <a:off x="685800" y="4343400"/>
-            <a:ext cx="5486400" cy="4114800"/>
-          </a:xfrm>
-          <a:prstGeom prst="rect">
-            <a:avLst/>
-          </a:prstGeom>
-        </p:spPr>
-        <p:txBody>
-          <a:bodyPr spcFirstLastPara="1" wrap="square" lIns="91425" tIns="91425" rIns="91425" bIns="91425" anchor="t" anchorCtr="0">
-            <a:noAutofit/>
-          </a:bodyPr>
-          <a:lstStyle/>
-          <a:p>
-            <a:pPr marL="0" lvl="0" indent="0" algn="l" rtl="0">
-              <a:spcBef>
-                <a:spcPts val="0"/>
-              </a:spcBef>
-              <a:spcAft>
-                <a:spcPts val="0"/>
-              </a:spcAft>
-              <a:buNone/>
-            </a:pPr>
-            <a:endParaRPr/>
-          </a:p>
-        </p:txBody>
-      </p:sp>
-    </p:spTree>
-    <p:extLst>
-      <p:ext uri="{BB962C8B-B14F-4D97-AF65-F5344CB8AC3E}">
-        <p14:creationId xmlns:p14="http://schemas.microsoft.com/office/powerpoint/2010/main" val="522902261"/>
-      </p:ext>
-    </p:extLst>
-  </p:cSld>
-  <p:clrMapOvr>
-    <a:masterClrMapping/>
-  </p:clrMapOvr>
-</p:notes>
-</file>
-
-<file path=ppt/notesSlides/notesSlide19.xml><?xml version="1.0" encoding="utf-8"?>
-<p:notes xmlns:a="http://schemas.openxmlformats.org/drawingml/2006/main" xmlns:r="http://schemas.openxmlformats.org/officeDocument/2006/relationships" xmlns:p="http://schemas.openxmlformats.org/presentationml/2006/main" showMasterSp="0" showMasterPhAnim="0">
-  <p:cSld>
-    <p:spTree>
-      <p:nvGrpSpPr>
-        <p:cNvPr id="1" name="Shape 97"/>
-        <p:cNvGrpSpPr/>
-        <p:nvPr/>
-      </p:nvGrpSpPr>
-      <p:grpSpPr>
-        <a:xfrm>
-          <a:off x="0" y="0"/>
-          <a:ext cx="0" cy="0"/>
-          <a:chOff x="0" y="0"/>
-          <a:chExt cx="0" cy="0"/>
-        </a:xfrm>
-      </p:grpSpPr>
-      <p:sp>
-        <p:nvSpPr>
-          <p:cNvPr id="98" name="Google Shape;98;gc6f90357f_0_35:notes"/>
-          <p:cNvSpPr>
-            <a:spLocks noGrp="1" noRot="1" noChangeAspect="1"/>
-          </p:cNvSpPr>
-          <p:nvPr>
-            <p:ph type="sldImg" idx="2"/>
-          </p:nvPr>
-        </p:nvSpPr>
-        <p:spPr>
-          <a:xfrm>
-            <a:off x="381000" y="685800"/>
-            <a:ext cx="6096000" cy="3429000"/>
-          </a:xfrm>
-          <a:custGeom>
-            <a:avLst/>
-            <a:gdLst/>
-            <a:ahLst/>
-            <a:cxnLst/>
-            <a:rect l="l" t="t" r="r" b="b"/>
-            <a:pathLst>
-              <a:path w="120000" h="120000" extrusionOk="0">
-                <a:moveTo>
-                  <a:pt x="0" y="0"/>
-                </a:moveTo>
-                <a:lnTo>
-                  <a:pt x="120000" y="0"/>
-                </a:lnTo>
-                <a:lnTo>
-                  <a:pt x="120000" y="120000"/>
-                </a:lnTo>
-                <a:lnTo>
-                  <a:pt x="0" y="120000"/>
-                </a:lnTo>
-                <a:close/>
-              </a:path>
-            </a:pathLst>
-          </a:custGeom>
-        </p:spPr>
-      </p:sp>
-      <p:sp>
-        <p:nvSpPr>
-          <p:cNvPr id="99" name="Google Shape;99;gc6f90357f_0_35:notes"/>
-          <p:cNvSpPr txBox="1">
-            <a:spLocks noGrp="1"/>
-          </p:cNvSpPr>
-          <p:nvPr>
-            <p:ph type="body" idx="1"/>
-          </p:nvPr>
-        </p:nvSpPr>
-        <p:spPr>
-          <a:xfrm>
-            <a:off x="685800" y="4343400"/>
-            <a:ext cx="5486400" cy="4114800"/>
-          </a:xfrm>
-          <a:prstGeom prst="rect">
-            <a:avLst/>
-          </a:prstGeom>
-        </p:spPr>
-        <p:txBody>
-          <a:bodyPr spcFirstLastPara="1" wrap="square" lIns="91425" tIns="91425" rIns="91425" bIns="91425" anchor="t" anchorCtr="0">
-            <a:noAutofit/>
-          </a:bodyPr>
-          <a:lstStyle/>
-          <a:p>
-            <a:pPr marL="0" lvl="0" indent="0" algn="l" rtl="0">
-              <a:spcBef>
-                <a:spcPts val="0"/>
-              </a:spcBef>
-              <a:spcAft>
-                <a:spcPts val="0"/>
-              </a:spcAft>
-              <a:buNone/>
-            </a:pPr>
-            <a:endParaRPr/>
-          </a:p>
-        </p:txBody>
-      </p:sp>
-    </p:spTree>
-    <p:extLst>
-      <p:ext uri="{BB962C8B-B14F-4D97-AF65-F5344CB8AC3E}">
-        <p14:creationId xmlns:p14="http://schemas.microsoft.com/office/powerpoint/2010/main" val="2293503692"/>
-      </p:ext>
-    </p:extLst>
-  </p:cSld>
-  <p:clrMapOvr>
-    <a:masterClrMapping/>
-  </p:clrMapOvr>
-</p:notes>
-</file>
-
 <file path=ppt/notesSlides/notesSlide2.xml><?xml version="1.0" encoding="utf-8"?>
 <p:notes xmlns:a="http://schemas.openxmlformats.org/drawingml/2006/main" xmlns:r="http://schemas.openxmlformats.org/officeDocument/2006/relationships" xmlns:p="http://schemas.openxmlformats.org/presentationml/2006/main" showMasterSp="0" showMasterPhAnim="0">
   <p:cSld>
@@ -2180,873 +3398,6 @@
                 <a:spcPts val="0"/>
               </a:spcAft>
               <a:buSzPts val="1400"/>
-              <a:buNone/>
-            </a:pPr>
-            <a:endParaRPr/>
-          </a:p>
-        </p:txBody>
-      </p:sp>
-    </p:spTree>
-  </p:cSld>
-  <p:clrMapOvr>
-    <a:masterClrMapping/>
-  </p:clrMapOvr>
-</p:notes>
-</file>
-
-<file path=ppt/notesSlides/notesSlide20.xml><?xml version="1.0" encoding="utf-8"?>
-<p:notes xmlns:a="http://schemas.openxmlformats.org/drawingml/2006/main" xmlns:r="http://schemas.openxmlformats.org/officeDocument/2006/relationships" xmlns:p="http://schemas.openxmlformats.org/presentationml/2006/main" showMasterSp="0" showMasterPhAnim="0">
-  <p:cSld>
-    <p:spTree>
-      <p:nvGrpSpPr>
-        <p:cNvPr id="1" name="Shape 97"/>
-        <p:cNvGrpSpPr/>
-        <p:nvPr/>
-      </p:nvGrpSpPr>
-      <p:grpSpPr>
-        <a:xfrm>
-          <a:off x="0" y="0"/>
-          <a:ext cx="0" cy="0"/>
-          <a:chOff x="0" y="0"/>
-          <a:chExt cx="0" cy="0"/>
-        </a:xfrm>
-      </p:grpSpPr>
-      <p:sp>
-        <p:nvSpPr>
-          <p:cNvPr id="98" name="Google Shape;98;gc6f90357f_0_35:notes"/>
-          <p:cNvSpPr>
-            <a:spLocks noGrp="1" noRot="1" noChangeAspect="1"/>
-          </p:cNvSpPr>
-          <p:nvPr>
-            <p:ph type="sldImg" idx="2"/>
-          </p:nvPr>
-        </p:nvSpPr>
-        <p:spPr>
-          <a:xfrm>
-            <a:off x="381000" y="685800"/>
-            <a:ext cx="6096000" cy="3429000"/>
-          </a:xfrm>
-          <a:custGeom>
-            <a:avLst/>
-            <a:gdLst/>
-            <a:ahLst/>
-            <a:cxnLst/>
-            <a:rect l="l" t="t" r="r" b="b"/>
-            <a:pathLst>
-              <a:path w="120000" h="120000" extrusionOk="0">
-                <a:moveTo>
-                  <a:pt x="0" y="0"/>
-                </a:moveTo>
-                <a:lnTo>
-                  <a:pt x="120000" y="0"/>
-                </a:lnTo>
-                <a:lnTo>
-                  <a:pt x="120000" y="120000"/>
-                </a:lnTo>
-                <a:lnTo>
-                  <a:pt x="0" y="120000"/>
-                </a:lnTo>
-                <a:close/>
-              </a:path>
-            </a:pathLst>
-          </a:custGeom>
-        </p:spPr>
-      </p:sp>
-      <p:sp>
-        <p:nvSpPr>
-          <p:cNvPr id="99" name="Google Shape;99;gc6f90357f_0_35:notes"/>
-          <p:cNvSpPr txBox="1">
-            <a:spLocks noGrp="1"/>
-          </p:cNvSpPr>
-          <p:nvPr>
-            <p:ph type="body" idx="1"/>
-          </p:nvPr>
-        </p:nvSpPr>
-        <p:spPr>
-          <a:xfrm>
-            <a:off x="685800" y="4343400"/>
-            <a:ext cx="5486400" cy="4114800"/>
-          </a:xfrm>
-          <a:prstGeom prst="rect">
-            <a:avLst/>
-          </a:prstGeom>
-        </p:spPr>
-        <p:txBody>
-          <a:bodyPr spcFirstLastPara="1" wrap="square" lIns="91425" tIns="91425" rIns="91425" bIns="91425" anchor="t" anchorCtr="0">
-            <a:noAutofit/>
-          </a:bodyPr>
-          <a:lstStyle/>
-          <a:p>
-            <a:pPr marL="0" lvl="0" indent="0" algn="l" rtl="0">
-              <a:spcBef>
-                <a:spcPts val="0"/>
-              </a:spcBef>
-              <a:spcAft>
-                <a:spcPts val="0"/>
-              </a:spcAft>
-              <a:buNone/>
-            </a:pPr>
-            <a:endParaRPr/>
-          </a:p>
-        </p:txBody>
-      </p:sp>
-    </p:spTree>
-    <p:extLst>
-      <p:ext uri="{BB962C8B-B14F-4D97-AF65-F5344CB8AC3E}">
-        <p14:creationId xmlns:p14="http://schemas.microsoft.com/office/powerpoint/2010/main" val="708313423"/>
-      </p:ext>
-    </p:extLst>
-  </p:cSld>
-  <p:clrMapOvr>
-    <a:masterClrMapping/>
-  </p:clrMapOvr>
-</p:notes>
-</file>
-
-<file path=ppt/notesSlides/notesSlide21.xml><?xml version="1.0" encoding="utf-8"?>
-<p:notes xmlns:a="http://schemas.openxmlformats.org/drawingml/2006/main" xmlns:r="http://schemas.openxmlformats.org/officeDocument/2006/relationships" xmlns:p="http://schemas.openxmlformats.org/presentationml/2006/main" showMasterSp="0" showMasterPhAnim="0">
-  <p:cSld>
-    <p:spTree>
-      <p:nvGrpSpPr>
-        <p:cNvPr id="1" name="Shape 92"/>
-        <p:cNvGrpSpPr/>
-        <p:nvPr/>
-      </p:nvGrpSpPr>
-      <p:grpSpPr>
-        <a:xfrm>
-          <a:off x="0" y="0"/>
-          <a:ext cx="0" cy="0"/>
-          <a:chOff x="0" y="0"/>
-          <a:chExt cx="0" cy="0"/>
-        </a:xfrm>
-      </p:grpSpPr>
-      <p:sp>
-        <p:nvSpPr>
-          <p:cNvPr id="93" name="Google Shape;93;gc6f90357f_0_31:notes"/>
-          <p:cNvSpPr>
-            <a:spLocks noGrp="1" noRot="1" noChangeAspect="1"/>
-          </p:cNvSpPr>
-          <p:nvPr>
-            <p:ph type="sldImg" idx="2"/>
-          </p:nvPr>
-        </p:nvSpPr>
-        <p:spPr>
-          <a:xfrm>
-            <a:off x="381000" y="685800"/>
-            <a:ext cx="6096000" cy="3429000"/>
-          </a:xfrm>
-          <a:custGeom>
-            <a:avLst/>
-            <a:gdLst/>
-            <a:ahLst/>
-            <a:cxnLst/>
-            <a:rect l="l" t="t" r="r" b="b"/>
-            <a:pathLst>
-              <a:path w="120000" h="120000" extrusionOk="0">
-                <a:moveTo>
-                  <a:pt x="0" y="0"/>
-                </a:moveTo>
-                <a:lnTo>
-                  <a:pt x="120000" y="0"/>
-                </a:lnTo>
-                <a:lnTo>
-                  <a:pt x="120000" y="120000"/>
-                </a:lnTo>
-                <a:lnTo>
-                  <a:pt x="0" y="120000"/>
-                </a:lnTo>
-                <a:close/>
-              </a:path>
-            </a:pathLst>
-          </a:custGeom>
-        </p:spPr>
-      </p:sp>
-      <p:sp>
-        <p:nvSpPr>
-          <p:cNvPr id="94" name="Google Shape;94;gc6f90357f_0_31:notes"/>
-          <p:cNvSpPr txBox="1">
-            <a:spLocks noGrp="1"/>
-          </p:cNvSpPr>
-          <p:nvPr>
-            <p:ph type="body" idx="1"/>
-          </p:nvPr>
-        </p:nvSpPr>
-        <p:spPr>
-          <a:xfrm>
-            <a:off x="685800" y="4343400"/>
-            <a:ext cx="5486400" cy="4114800"/>
-          </a:xfrm>
-          <a:prstGeom prst="rect">
-            <a:avLst/>
-          </a:prstGeom>
-        </p:spPr>
-        <p:txBody>
-          <a:bodyPr spcFirstLastPara="1" wrap="square" lIns="91425" tIns="91425" rIns="91425" bIns="91425" anchor="t" anchorCtr="0">
-            <a:noAutofit/>
-          </a:bodyPr>
-          <a:lstStyle/>
-          <a:p>
-            <a:pPr marL="0" lvl="0" indent="0" algn="l" rtl="0">
-              <a:spcBef>
-                <a:spcPts val="0"/>
-              </a:spcBef>
-              <a:spcAft>
-                <a:spcPts val="0"/>
-              </a:spcAft>
-              <a:buNone/>
-            </a:pPr>
-            <a:endParaRPr/>
-          </a:p>
-        </p:txBody>
-      </p:sp>
-    </p:spTree>
-    <p:extLst>
-      <p:ext uri="{BB962C8B-B14F-4D97-AF65-F5344CB8AC3E}">
-        <p14:creationId xmlns:p14="http://schemas.microsoft.com/office/powerpoint/2010/main" val="1164846581"/>
-      </p:ext>
-    </p:extLst>
-  </p:cSld>
-  <p:clrMapOvr>
-    <a:masterClrMapping/>
-  </p:clrMapOvr>
-</p:notes>
-</file>
-
-<file path=ppt/notesSlides/notesSlide22.xml><?xml version="1.0" encoding="utf-8"?>
-<p:notes xmlns:a="http://schemas.openxmlformats.org/drawingml/2006/main" xmlns:r="http://schemas.openxmlformats.org/officeDocument/2006/relationships" xmlns:p="http://schemas.openxmlformats.org/presentationml/2006/main" showMasterSp="0" showMasterPhAnim="0">
-  <p:cSld>
-    <p:spTree>
-      <p:nvGrpSpPr>
-        <p:cNvPr id="1" name="Shape 97"/>
-        <p:cNvGrpSpPr/>
-        <p:nvPr/>
-      </p:nvGrpSpPr>
-      <p:grpSpPr>
-        <a:xfrm>
-          <a:off x="0" y="0"/>
-          <a:ext cx="0" cy="0"/>
-          <a:chOff x="0" y="0"/>
-          <a:chExt cx="0" cy="0"/>
-        </a:xfrm>
-      </p:grpSpPr>
-      <p:sp>
-        <p:nvSpPr>
-          <p:cNvPr id="98" name="Google Shape;98;gc6f90357f_0_35:notes"/>
-          <p:cNvSpPr>
-            <a:spLocks noGrp="1" noRot="1" noChangeAspect="1"/>
-          </p:cNvSpPr>
-          <p:nvPr>
-            <p:ph type="sldImg" idx="2"/>
-          </p:nvPr>
-        </p:nvSpPr>
-        <p:spPr>
-          <a:xfrm>
-            <a:off x="381000" y="685800"/>
-            <a:ext cx="6096000" cy="3429000"/>
-          </a:xfrm>
-          <a:custGeom>
-            <a:avLst/>
-            <a:gdLst/>
-            <a:ahLst/>
-            <a:cxnLst/>
-            <a:rect l="l" t="t" r="r" b="b"/>
-            <a:pathLst>
-              <a:path w="120000" h="120000" extrusionOk="0">
-                <a:moveTo>
-                  <a:pt x="0" y="0"/>
-                </a:moveTo>
-                <a:lnTo>
-                  <a:pt x="120000" y="0"/>
-                </a:lnTo>
-                <a:lnTo>
-                  <a:pt x="120000" y="120000"/>
-                </a:lnTo>
-                <a:lnTo>
-                  <a:pt x="0" y="120000"/>
-                </a:lnTo>
-                <a:close/>
-              </a:path>
-            </a:pathLst>
-          </a:custGeom>
-        </p:spPr>
-      </p:sp>
-      <p:sp>
-        <p:nvSpPr>
-          <p:cNvPr id="99" name="Google Shape;99;gc6f90357f_0_35:notes"/>
-          <p:cNvSpPr txBox="1">
-            <a:spLocks noGrp="1"/>
-          </p:cNvSpPr>
-          <p:nvPr>
-            <p:ph type="body" idx="1"/>
-          </p:nvPr>
-        </p:nvSpPr>
-        <p:spPr>
-          <a:xfrm>
-            <a:off x="685800" y="4343400"/>
-            <a:ext cx="5486400" cy="4114800"/>
-          </a:xfrm>
-          <a:prstGeom prst="rect">
-            <a:avLst/>
-          </a:prstGeom>
-        </p:spPr>
-        <p:txBody>
-          <a:bodyPr spcFirstLastPara="1" wrap="square" lIns="91425" tIns="91425" rIns="91425" bIns="91425" anchor="t" anchorCtr="0">
-            <a:noAutofit/>
-          </a:bodyPr>
-          <a:lstStyle/>
-          <a:p>
-            <a:pPr marL="0" lvl="0" indent="0" algn="l" rtl="0">
-              <a:spcBef>
-                <a:spcPts val="0"/>
-              </a:spcBef>
-              <a:spcAft>
-                <a:spcPts val="0"/>
-              </a:spcAft>
-              <a:buNone/>
-            </a:pPr>
-            <a:endParaRPr/>
-          </a:p>
-        </p:txBody>
-      </p:sp>
-    </p:spTree>
-    <p:extLst>
-      <p:ext uri="{BB962C8B-B14F-4D97-AF65-F5344CB8AC3E}">
-        <p14:creationId xmlns:p14="http://schemas.microsoft.com/office/powerpoint/2010/main" val="4179955928"/>
-      </p:ext>
-    </p:extLst>
-  </p:cSld>
-  <p:clrMapOvr>
-    <a:masterClrMapping/>
-  </p:clrMapOvr>
-</p:notes>
-</file>
-
-<file path=ppt/notesSlides/notesSlide23.xml><?xml version="1.0" encoding="utf-8"?>
-<p:notes xmlns:a="http://schemas.openxmlformats.org/drawingml/2006/main" xmlns:r="http://schemas.openxmlformats.org/officeDocument/2006/relationships" xmlns:p="http://schemas.openxmlformats.org/presentationml/2006/main" showMasterSp="0" showMasterPhAnim="0">
-  <p:cSld>
-    <p:spTree>
-      <p:nvGrpSpPr>
-        <p:cNvPr id="1" name="Shape 97"/>
-        <p:cNvGrpSpPr/>
-        <p:nvPr/>
-      </p:nvGrpSpPr>
-      <p:grpSpPr>
-        <a:xfrm>
-          <a:off x="0" y="0"/>
-          <a:ext cx="0" cy="0"/>
-          <a:chOff x="0" y="0"/>
-          <a:chExt cx="0" cy="0"/>
-        </a:xfrm>
-      </p:grpSpPr>
-      <p:sp>
-        <p:nvSpPr>
-          <p:cNvPr id="98" name="Google Shape;98;gc6f90357f_0_35:notes"/>
-          <p:cNvSpPr>
-            <a:spLocks noGrp="1" noRot="1" noChangeAspect="1"/>
-          </p:cNvSpPr>
-          <p:nvPr>
-            <p:ph type="sldImg" idx="2"/>
-          </p:nvPr>
-        </p:nvSpPr>
-        <p:spPr>
-          <a:xfrm>
-            <a:off x="381000" y="685800"/>
-            <a:ext cx="6096000" cy="3429000"/>
-          </a:xfrm>
-          <a:custGeom>
-            <a:avLst/>
-            <a:gdLst/>
-            <a:ahLst/>
-            <a:cxnLst/>
-            <a:rect l="l" t="t" r="r" b="b"/>
-            <a:pathLst>
-              <a:path w="120000" h="120000" extrusionOk="0">
-                <a:moveTo>
-                  <a:pt x="0" y="0"/>
-                </a:moveTo>
-                <a:lnTo>
-                  <a:pt x="120000" y="0"/>
-                </a:lnTo>
-                <a:lnTo>
-                  <a:pt x="120000" y="120000"/>
-                </a:lnTo>
-                <a:lnTo>
-                  <a:pt x="0" y="120000"/>
-                </a:lnTo>
-                <a:close/>
-              </a:path>
-            </a:pathLst>
-          </a:custGeom>
-        </p:spPr>
-      </p:sp>
-      <p:sp>
-        <p:nvSpPr>
-          <p:cNvPr id="99" name="Google Shape;99;gc6f90357f_0_35:notes"/>
-          <p:cNvSpPr txBox="1">
-            <a:spLocks noGrp="1"/>
-          </p:cNvSpPr>
-          <p:nvPr>
-            <p:ph type="body" idx="1"/>
-          </p:nvPr>
-        </p:nvSpPr>
-        <p:spPr>
-          <a:xfrm>
-            <a:off x="685800" y="4343400"/>
-            <a:ext cx="5486400" cy="4114800"/>
-          </a:xfrm>
-          <a:prstGeom prst="rect">
-            <a:avLst/>
-          </a:prstGeom>
-        </p:spPr>
-        <p:txBody>
-          <a:bodyPr spcFirstLastPara="1" wrap="square" lIns="91425" tIns="91425" rIns="91425" bIns="91425" anchor="t" anchorCtr="0">
-            <a:noAutofit/>
-          </a:bodyPr>
-          <a:lstStyle/>
-          <a:p>
-            <a:pPr marL="0" lvl="0" indent="0" algn="l" rtl="0">
-              <a:spcBef>
-                <a:spcPts val="0"/>
-              </a:spcBef>
-              <a:spcAft>
-                <a:spcPts val="0"/>
-              </a:spcAft>
-              <a:buNone/>
-            </a:pPr>
-            <a:endParaRPr/>
-          </a:p>
-        </p:txBody>
-      </p:sp>
-    </p:spTree>
-    <p:extLst>
-      <p:ext uri="{BB962C8B-B14F-4D97-AF65-F5344CB8AC3E}">
-        <p14:creationId xmlns:p14="http://schemas.microsoft.com/office/powerpoint/2010/main" val="3397129152"/>
-      </p:ext>
-    </p:extLst>
-  </p:cSld>
-  <p:clrMapOvr>
-    <a:masterClrMapping/>
-  </p:clrMapOvr>
-</p:notes>
-</file>
-
-<file path=ppt/notesSlides/notesSlide24.xml><?xml version="1.0" encoding="utf-8"?>
-<p:notes xmlns:a="http://schemas.openxmlformats.org/drawingml/2006/main" xmlns:r="http://schemas.openxmlformats.org/officeDocument/2006/relationships" xmlns:p="http://schemas.openxmlformats.org/presentationml/2006/main" showMasterSp="0" showMasterPhAnim="0">
-  <p:cSld>
-    <p:spTree>
-      <p:nvGrpSpPr>
-        <p:cNvPr id="1" name="Shape 97"/>
-        <p:cNvGrpSpPr/>
-        <p:nvPr/>
-      </p:nvGrpSpPr>
-      <p:grpSpPr>
-        <a:xfrm>
-          <a:off x="0" y="0"/>
-          <a:ext cx="0" cy="0"/>
-          <a:chOff x="0" y="0"/>
-          <a:chExt cx="0" cy="0"/>
-        </a:xfrm>
-      </p:grpSpPr>
-      <p:sp>
-        <p:nvSpPr>
-          <p:cNvPr id="98" name="Google Shape;98;gc6f90357f_0_35:notes"/>
-          <p:cNvSpPr>
-            <a:spLocks noGrp="1" noRot="1" noChangeAspect="1"/>
-          </p:cNvSpPr>
-          <p:nvPr>
-            <p:ph type="sldImg" idx="2"/>
-          </p:nvPr>
-        </p:nvSpPr>
-        <p:spPr>
-          <a:xfrm>
-            <a:off x="381000" y="685800"/>
-            <a:ext cx="6096000" cy="3429000"/>
-          </a:xfrm>
-          <a:custGeom>
-            <a:avLst/>
-            <a:gdLst/>
-            <a:ahLst/>
-            <a:cxnLst/>
-            <a:rect l="l" t="t" r="r" b="b"/>
-            <a:pathLst>
-              <a:path w="120000" h="120000" extrusionOk="0">
-                <a:moveTo>
-                  <a:pt x="0" y="0"/>
-                </a:moveTo>
-                <a:lnTo>
-                  <a:pt x="120000" y="0"/>
-                </a:lnTo>
-                <a:lnTo>
-                  <a:pt x="120000" y="120000"/>
-                </a:lnTo>
-                <a:lnTo>
-                  <a:pt x="0" y="120000"/>
-                </a:lnTo>
-                <a:close/>
-              </a:path>
-            </a:pathLst>
-          </a:custGeom>
-        </p:spPr>
-      </p:sp>
-      <p:sp>
-        <p:nvSpPr>
-          <p:cNvPr id="99" name="Google Shape;99;gc6f90357f_0_35:notes"/>
-          <p:cNvSpPr txBox="1">
-            <a:spLocks noGrp="1"/>
-          </p:cNvSpPr>
-          <p:nvPr>
-            <p:ph type="body" idx="1"/>
-          </p:nvPr>
-        </p:nvSpPr>
-        <p:spPr>
-          <a:xfrm>
-            <a:off x="685800" y="4343400"/>
-            <a:ext cx="5486400" cy="4114800"/>
-          </a:xfrm>
-          <a:prstGeom prst="rect">
-            <a:avLst/>
-          </a:prstGeom>
-        </p:spPr>
-        <p:txBody>
-          <a:bodyPr spcFirstLastPara="1" wrap="square" lIns="91425" tIns="91425" rIns="91425" bIns="91425" anchor="t" anchorCtr="0">
-            <a:noAutofit/>
-          </a:bodyPr>
-          <a:lstStyle/>
-          <a:p>
-            <a:pPr marL="0" lvl="0" indent="0" algn="l" rtl="0">
-              <a:spcBef>
-                <a:spcPts val="0"/>
-              </a:spcBef>
-              <a:spcAft>
-                <a:spcPts val="0"/>
-              </a:spcAft>
-              <a:buNone/>
-            </a:pPr>
-            <a:endParaRPr/>
-          </a:p>
-        </p:txBody>
-      </p:sp>
-    </p:spTree>
-    <p:extLst>
-      <p:ext uri="{BB962C8B-B14F-4D97-AF65-F5344CB8AC3E}">
-        <p14:creationId xmlns:p14="http://schemas.microsoft.com/office/powerpoint/2010/main" val="1647673761"/>
-      </p:ext>
-    </p:extLst>
-  </p:cSld>
-  <p:clrMapOvr>
-    <a:masterClrMapping/>
-  </p:clrMapOvr>
-</p:notes>
-</file>
-
-<file path=ppt/notesSlides/notesSlide25.xml><?xml version="1.0" encoding="utf-8"?>
-<p:notes xmlns:a="http://schemas.openxmlformats.org/drawingml/2006/main" xmlns:r="http://schemas.openxmlformats.org/officeDocument/2006/relationships" xmlns:p="http://schemas.openxmlformats.org/presentationml/2006/main" showMasterSp="0" showMasterPhAnim="0">
-  <p:cSld>
-    <p:spTree>
-      <p:nvGrpSpPr>
-        <p:cNvPr id="1" name="Shape 97"/>
-        <p:cNvGrpSpPr/>
-        <p:nvPr/>
-      </p:nvGrpSpPr>
-      <p:grpSpPr>
-        <a:xfrm>
-          <a:off x="0" y="0"/>
-          <a:ext cx="0" cy="0"/>
-          <a:chOff x="0" y="0"/>
-          <a:chExt cx="0" cy="0"/>
-        </a:xfrm>
-      </p:grpSpPr>
-      <p:sp>
-        <p:nvSpPr>
-          <p:cNvPr id="98" name="Google Shape;98;gc6f90357f_0_35:notes"/>
-          <p:cNvSpPr>
-            <a:spLocks noGrp="1" noRot="1" noChangeAspect="1"/>
-          </p:cNvSpPr>
-          <p:nvPr>
-            <p:ph type="sldImg" idx="2"/>
-          </p:nvPr>
-        </p:nvSpPr>
-        <p:spPr>
-          <a:xfrm>
-            <a:off x="381000" y="685800"/>
-            <a:ext cx="6096000" cy="3429000"/>
-          </a:xfrm>
-          <a:custGeom>
-            <a:avLst/>
-            <a:gdLst/>
-            <a:ahLst/>
-            <a:cxnLst/>
-            <a:rect l="l" t="t" r="r" b="b"/>
-            <a:pathLst>
-              <a:path w="120000" h="120000" extrusionOk="0">
-                <a:moveTo>
-                  <a:pt x="0" y="0"/>
-                </a:moveTo>
-                <a:lnTo>
-                  <a:pt x="120000" y="0"/>
-                </a:lnTo>
-                <a:lnTo>
-                  <a:pt x="120000" y="120000"/>
-                </a:lnTo>
-                <a:lnTo>
-                  <a:pt x="0" y="120000"/>
-                </a:lnTo>
-                <a:close/>
-              </a:path>
-            </a:pathLst>
-          </a:custGeom>
-        </p:spPr>
-      </p:sp>
-      <p:sp>
-        <p:nvSpPr>
-          <p:cNvPr id="99" name="Google Shape;99;gc6f90357f_0_35:notes"/>
-          <p:cNvSpPr txBox="1">
-            <a:spLocks noGrp="1"/>
-          </p:cNvSpPr>
-          <p:nvPr>
-            <p:ph type="body" idx="1"/>
-          </p:nvPr>
-        </p:nvSpPr>
-        <p:spPr>
-          <a:xfrm>
-            <a:off x="685800" y="4343400"/>
-            <a:ext cx="5486400" cy="4114800"/>
-          </a:xfrm>
-          <a:prstGeom prst="rect">
-            <a:avLst/>
-          </a:prstGeom>
-        </p:spPr>
-        <p:txBody>
-          <a:bodyPr spcFirstLastPara="1" wrap="square" lIns="91425" tIns="91425" rIns="91425" bIns="91425" anchor="t" anchorCtr="0">
-            <a:noAutofit/>
-          </a:bodyPr>
-          <a:lstStyle/>
-          <a:p>
-            <a:pPr marL="0" lvl="0" indent="0" algn="l" rtl="0">
-              <a:spcBef>
-                <a:spcPts val="0"/>
-              </a:spcBef>
-              <a:spcAft>
-                <a:spcPts val="0"/>
-              </a:spcAft>
-              <a:buNone/>
-            </a:pPr>
-            <a:endParaRPr/>
-          </a:p>
-        </p:txBody>
-      </p:sp>
-    </p:spTree>
-    <p:extLst>
-      <p:ext uri="{BB962C8B-B14F-4D97-AF65-F5344CB8AC3E}">
-        <p14:creationId xmlns:p14="http://schemas.microsoft.com/office/powerpoint/2010/main" val="3291418086"/>
-      </p:ext>
-    </p:extLst>
-  </p:cSld>
-  <p:clrMapOvr>
-    <a:masterClrMapping/>
-  </p:clrMapOvr>
-</p:notes>
-</file>
-
-<file path=ppt/notesSlides/notesSlide26.xml><?xml version="1.0" encoding="utf-8"?>
-<p:notes xmlns:a="http://schemas.openxmlformats.org/drawingml/2006/main" xmlns:r="http://schemas.openxmlformats.org/officeDocument/2006/relationships" xmlns:p="http://schemas.openxmlformats.org/presentationml/2006/main" showMasterSp="0" showMasterPhAnim="0">
-  <p:cSld>
-    <p:spTree>
-      <p:nvGrpSpPr>
-        <p:cNvPr id="1" name="Shape 97"/>
-        <p:cNvGrpSpPr/>
-        <p:nvPr/>
-      </p:nvGrpSpPr>
-      <p:grpSpPr>
-        <a:xfrm>
-          <a:off x="0" y="0"/>
-          <a:ext cx="0" cy="0"/>
-          <a:chOff x="0" y="0"/>
-          <a:chExt cx="0" cy="0"/>
-        </a:xfrm>
-      </p:grpSpPr>
-      <p:sp>
-        <p:nvSpPr>
-          <p:cNvPr id="98" name="Google Shape;98;gc6f90357f_0_35:notes"/>
-          <p:cNvSpPr>
-            <a:spLocks noGrp="1" noRot="1" noChangeAspect="1"/>
-          </p:cNvSpPr>
-          <p:nvPr>
-            <p:ph type="sldImg" idx="2"/>
-          </p:nvPr>
-        </p:nvSpPr>
-        <p:spPr>
-          <a:xfrm>
-            <a:off x="381000" y="685800"/>
-            <a:ext cx="6096000" cy="3429000"/>
-          </a:xfrm>
-          <a:custGeom>
-            <a:avLst/>
-            <a:gdLst/>
-            <a:ahLst/>
-            <a:cxnLst/>
-            <a:rect l="l" t="t" r="r" b="b"/>
-            <a:pathLst>
-              <a:path w="120000" h="120000" extrusionOk="0">
-                <a:moveTo>
-                  <a:pt x="0" y="0"/>
-                </a:moveTo>
-                <a:lnTo>
-                  <a:pt x="120000" y="0"/>
-                </a:lnTo>
-                <a:lnTo>
-                  <a:pt x="120000" y="120000"/>
-                </a:lnTo>
-                <a:lnTo>
-                  <a:pt x="0" y="120000"/>
-                </a:lnTo>
-                <a:close/>
-              </a:path>
-            </a:pathLst>
-          </a:custGeom>
-        </p:spPr>
-      </p:sp>
-      <p:sp>
-        <p:nvSpPr>
-          <p:cNvPr id="99" name="Google Shape;99;gc6f90357f_0_35:notes"/>
-          <p:cNvSpPr txBox="1">
-            <a:spLocks noGrp="1"/>
-          </p:cNvSpPr>
-          <p:nvPr>
-            <p:ph type="body" idx="1"/>
-          </p:nvPr>
-        </p:nvSpPr>
-        <p:spPr>
-          <a:xfrm>
-            <a:off x="685800" y="4343400"/>
-            <a:ext cx="5486400" cy="4114800"/>
-          </a:xfrm>
-          <a:prstGeom prst="rect">
-            <a:avLst/>
-          </a:prstGeom>
-        </p:spPr>
-        <p:txBody>
-          <a:bodyPr spcFirstLastPara="1" wrap="square" lIns="91425" tIns="91425" rIns="91425" bIns="91425" anchor="t" anchorCtr="0">
-            <a:noAutofit/>
-          </a:bodyPr>
-          <a:lstStyle/>
-          <a:p>
-            <a:pPr marL="0" lvl="0" indent="0" algn="l" rtl="0">
-              <a:spcBef>
-                <a:spcPts val="0"/>
-              </a:spcBef>
-              <a:spcAft>
-                <a:spcPts val="0"/>
-              </a:spcAft>
-              <a:buNone/>
-            </a:pPr>
-            <a:endParaRPr/>
-          </a:p>
-        </p:txBody>
-      </p:sp>
-    </p:spTree>
-    <p:extLst>
-      <p:ext uri="{BB962C8B-B14F-4D97-AF65-F5344CB8AC3E}">
-        <p14:creationId xmlns:p14="http://schemas.microsoft.com/office/powerpoint/2010/main" val="3021531028"/>
-      </p:ext>
-    </p:extLst>
-  </p:cSld>
-  <p:clrMapOvr>
-    <a:masterClrMapping/>
-  </p:clrMapOvr>
-</p:notes>
-</file>
-
-<file path=ppt/notesSlides/notesSlide27.xml><?xml version="1.0" encoding="utf-8"?>
-<p:notes xmlns:a="http://schemas.openxmlformats.org/drawingml/2006/main" xmlns:r="http://schemas.openxmlformats.org/officeDocument/2006/relationships" xmlns:p="http://schemas.openxmlformats.org/presentationml/2006/main" showMasterSp="0" showMasterPhAnim="0">
-  <p:cSld>
-    <p:spTree>
-      <p:nvGrpSpPr>
-        <p:cNvPr id="1" name="Shape 183"/>
-        <p:cNvGrpSpPr/>
-        <p:nvPr/>
-      </p:nvGrpSpPr>
-      <p:grpSpPr>
-        <a:xfrm>
-          <a:off x="0" y="0"/>
-          <a:ext cx="0" cy="0"/>
-          <a:chOff x="0" y="0"/>
-          <a:chExt cx="0" cy="0"/>
-        </a:xfrm>
-      </p:grpSpPr>
-      <p:sp>
-        <p:nvSpPr>
-          <p:cNvPr id="184" name="Google Shape;184;g4f2d37fca8_0_29:notes"/>
-          <p:cNvSpPr>
-            <a:spLocks noGrp="1" noRot="1" noChangeAspect="1"/>
-          </p:cNvSpPr>
-          <p:nvPr>
-            <p:ph type="sldImg" idx="2"/>
-          </p:nvPr>
-        </p:nvSpPr>
-        <p:spPr>
-          <a:xfrm>
-            <a:off x="381000" y="685800"/>
-            <a:ext cx="6096000" cy="3429000"/>
-          </a:xfrm>
-          <a:custGeom>
-            <a:avLst/>
-            <a:gdLst/>
-            <a:ahLst/>
-            <a:cxnLst/>
-            <a:rect l="l" t="t" r="r" b="b"/>
-            <a:pathLst>
-              <a:path w="120000" h="120000" extrusionOk="0">
-                <a:moveTo>
-                  <a:pt x="0" y="0"/>
-                </a:moveTo>
-                <a:lnTo>
-                  <a:pt x="120000" y="0"/>
-                </a:lnTo>
-                <a:lnTo>
-                  <a:pt x="120000" y="120000"/>
-                </a:lnTo>
-                <a:lnTo>
-                  <a:pt x="0" y="120000"/>
-                </a:lnTo>
-                <a:close/>
-              </a:path>
-            </a:pathLst>
-          </a:custGeom>
-        </p:spPr>
-      </p:sp>
-      <p:sp>
-        <p:nvSpPr>
-          <p:cNvPr id="185" name="Google Shape;185;g4f2d37fca8_0_29:notes"/>
-          <p:cNvSpPr txBox="1">
-            <a:spLocks noGrp="1"/>
-          </p:cNvSpPr>
-          <p:nvPr>
-            <p:ph type="body" idx="1"/>
-          </p:nvPr>
-        </p:nvSpPr>
-        <p:spPr>
-          <a:xfrm>
-            <a:off x="685800" y="4343400"/>
-            <a:ext cx="5486400" cy="4114800"/>
-          </a:xfrm>
-          <a:prstGeom prst="rect">
-            <a:avLst/>
-          </a:prstGeom>
-        </p:spPr>
-        <p:txBody>
-          <a:bodyPr spcFirstLastPara="1" wrap="square" lIns="91425" tIns="91425" rIns="91425" bIns="91425" anchor="t" anchorCtr="0">
-            <a:noAutofit/>
-          </a:bodyPr>
-          <a:lstStyle/>
-          <a:p>
-            <a:pPr marL="0" lvl="0" indent="0" algn="l" rtl="0">
-              <a:spcBef>
-                <a:spcPts val="0"/>
-              </a:spcBef>
-              <a:spcAft>
-                <a:spcPts val="0"/>
-              </a:spcAft>
               <a:buNone/>
             </a:pPr>
             <a:endParaRPr/>
@@ -3627,7 +3978,7 @@
   <p:cSld>
     <p:spTree>
       <p:nvGrpSpPr>
-        <p:cNvPr id="1" name="Shape 92"/>
+        <p:cNvPr id="1" name="Shape 87"/>
         <p:cNvGrpSpPr/>
         <p:nvPr/>
       </p:nvGrpSpPr>
@@ -3641,7 +3992,7 @@
       </p:grpSpPr>
       <p:sp>
         <p:nvSpPr>
-          <p:cNvPr id="93" name="Google Shape;93;gc6f90357f_0_31:notes"/>
+          <p:cNvPr id="88" name="Google Shape;88;gc6f90357f_0_27:notes"/>
           <p:cNvSpPr>
             <a:spLocks noGrp="1" noRot="1" noChangeAspect="1"/>
           </p:cNvSpPr>
@@ -3682,7 +4033,7 @@
       </p:sp>
       <p:sp>
         <p:nvSpPr>
-          <p:cNvPr id="94" name="Google Shape;94;gc6f90357f_0_31:notes"/>
+          <p:cNvPr id="89" name="Google Shape;89;gc6f90357f_0_27:notes"/>
           <p:cNvSpPr txBox="1">
             <a:spLocks noGrp="1"/>
           </p:cNvSpPr>
@@ -3721,7 +4072,7 @@
     </p:spTree>
     <p:extLst>
       <p:ext uri="{BB962C8B-B14F-4D97-AF65-F5344CB8AC3E}">
-        <p14:creationId xmlns:p14="http://schemas.microsoft.com/office/powerpoint/2010/main" val="3001950139"/>
+        <p14:creationId xmlns:p14="http://schemas.microsoft.com/office/powerpoint/2010/main" val="1421686633"/>
       </p:ext>
     </p:extLst>
   </p:cSld>
@@ -3736,7 +4087,7 @@
   <p:cSld>
     <p:spTree>
       <p:nvGrpSpPr>
-        <p:cNvPr id="1" name="Shape 97"/>
+        <p:cNvPr id="1" name="Shape 183"/>
         <p:cNvGrpSpPr/>
         <p:nvPr/>
       </p:nvGrpSpPr>
@@ -3750,7 +4101,7 @@
       </p:grpSpPr>
       <p:sp>
         <p:nvSpPr>
-          <p:cNvPr id="98" name="Google Shape;98;gc6f90357f_0_35:notes"/>
+          <p:cNvPr id="184" name="Google Shape;184;g4f2d37fca8_0_29:notes"/>
           <p:cNvSpPr>
             <a:spLocks noGrp="1" noRot="1" noChangeAspect="1"/>
           </p:cNvSpPr>
@@ -3791,7 +4142,7 @@
       </p:sp>
       <p:sp>
         <p:nvSpPr>
-          <p:cNvPr id="99" name="Google Shape;99;gc6f90357f_0_35:notes"/>
+          <p:cNvPr id="185" name="Google Shape;185;g4f2d37fca8_0_29:notes"/>
           <p:cNvSpPr txBox="1">
             <a:spLocks noGrp="1"/>
           </p:cNvSpPr>
@@ -3828,11 +4179,6 @@
         </p:txBody>
       </p:sp>
     </p:spTree>
-    <p:extLst>
-      <p:ext uri="{BB962C8B-B14F-4D97-AF65-F5344CB8AC3E}">
-        <p14:creationId xmlns:p14="http://schemas.microsoft.com/office/powerpoint/2010/main" val="3290562409"/>
-      </p:ext>
-    </p:extLst>
   </p:cSld>
   <p:clrMapOvr>
     <a:masterClrMapping/>
@@ -5303,11 +5649,11 @@
 </file>
 
 <file path=ppt/slideLayouts/slideLayout11.xml><?xml version="1.0" encoding="utf-8"?>
-<p:sldLayout xmlns:a="http://schemas.openxmlformats.org/drawingml/2006/main" xmlns:r="http://schemas.openxmlformats.org/officeDocument/2006/relationships" xmlns:p="http://schemas.openxmlformats.org/presentationml/2006/main" matchingName="Blank" type="blank">
-  <p:cSld name="BLANK">
+<p:sldLayout xmlns:a="http://schemas.openxmlformats.org/drawingml/2006/main" xmlns:r="http://schemas.openxmlformats.org/officeDocument/2006/relationships" xmlns:p="http://schemas.openxmlformats.org/presentationml/2006/main" type="blank">
+  <p:cSld name="Blank">
     <p:spTree>
       <p:nvGrpSpPr>
-        <p:cNvPr id="1" name="Shape 53"/>
+        <p:cNvPr id="1" name=""/>
         <p:cNvGrpSpPr/>
         <p:nvPr/>
       </p:nvGrpSpPr>
@@ -5321,286 +5667,75 @@
       </p:grpSpPr>
       <p:sp>
         <p:nvSpPr>
-          <p:cNvPr id="54" name="Google Shape;54;p12"/>
-          <p:cNvSpPr txBox="1">
+          <p:cNvPr id="2" name="Date Placeholder 1"/>
+          <p:cNvSpPr>
             <a:spLocks noGrp="1"/>
           </p:cNvSpPr>
           <p:nvPr>
-            <p:ph type="sldNum" idx="12"/>
+            <p:ph type="dt" sz="half" idx="10"/>
           </p:nvPr>
         </p:nvSpPr>
-        <p:spPr>
-          <a:xfrm>
-            <a:off x="8472458" y="4663217"/>
-            <a:ext cx="548700" cy="393600"/>
-          </a:xfrm>
-          <a:prstGeom prst="rect">
-            <a:avLst/>
-          </a:prstGeom>
-          <a:noFill/>
-          <a:ln>
-            <a:noFill/>
-          </a:ln>
-        </p:spPr>
+        <p:spPr/>
         <p:txBody>
-          <a:bodyPr spcFirstLastPara="1" wrap="square" lIns="91425" tIns="91425" rIns="91425" bIns="91425" anchor="ctr" anchorCtr="0">
-            <a:noAutofit/>
-          </a:bodyPr>
-          <a:lstStyle>
-            <a:lvl1pPr marL="0" marR="0" lvl="0" indent="0" algn="r">
-              <a:lnSpc>
-                <a:spcPct val="100000"/>
-              </a:lnSpc>
-              <a:spcBef>
-                <a:spcPts val="0"/>
-              </a:spcBef>
-              <a:spcAft>
-                <a:spcPts val="0"/>
-              </a:spcAft>
-              <a:buClr>
-                <a:srgbClr val="000000"/>
-              </a:buClr>
-              <a:buSzPts val="1000"/>
-              <a:buFont typeface="Arial"/>
-              <a:buNone/>
-              <a:defRPr sz="1000" b="0" i="0" u="none" strike="noStrike" cap="none">
-                <a:solidFill>
-                  <a:schemeClr val="dk1"/>
-                </a:solidFill>
-                <a:latin typeface="Old Standard TT"/>
-                <a:ea typeface="Old Standard TT"/>
-                <a:cs typeface="Old Standard TT"/>
-                <a:sym typeface="Old Standard TT"/>
-              </a:defRPr>
-            </a:lvl1pPr>
-            <a:lvl2pPr marL="0" marR="0" lvl="1" indent="0" algn="r">
-              <a:lnSpc>
-                <a:spcPct val="100000"/>
-              </a:lnSpc>
-              <a:spcBef>
-                <a:spcPts val="0"/>
-              </a:spcBef>
-              <a:spcAft>
-                <a:spcPts val="0"/>
-              </a:spcAft>
-              <a:buClr>
-                <a:srgbClr val="000000"/>
-              </a:buClr>
-              <a:buSzPts val="1000"/>
-              <a:buFont typeface="Arial"/>
-              <a:buNone/>
-              <a:defRPr sz="1000" b="0" i="0" u="none" strike="noStrike" cap="none">
-                <a:solidFill>
-                  <a:schemeClr val="dk1"/>
-                </a:solidFill>
-                <a:latin typeface="Old Standard TT"/>
-                <a:ea typeface="Old Standard TT"/>
-                <a:cs typeface="Old Standard TT"/>
-                <a:sym typeface="Old Standard TT"/>
-              </a:defRPr>
-            </a:lvl2pPr>
-            <a:lvl3pPr marL="0" marR="0" lvl="2" indent="0" algn="r">
-              <a:lnSpc>
-                <a:spcPct val="100000"/>
-              </a:lnSpc>
-              <a:spcBef>
-                <a:spcPts val="0"/>
-              </a:spcBef>
-              <a:spcAft>
-                <a:spcPts val="0"/>
-              </a:spcAft>
-              <a:buClr>
-                <a:srgbClr val="000000"/>
-              </a:buClr>
-              <a:buSzPts val="1000"/>
-              <a:buFont typeface="Arial"/>
-              <a:buNone/>
-              <a:defRPr sz="1000" b="0" i="0" u="none" strike="noStrike" cap="none">
-                <a:solidFill>
-                  <a:schemeClr val="dk1"/>
-                </a:solidFill>
-                <a:latin typeface="Old Standard TT"/>
-                <a:ea typeface="Old Standard TT"/>
-                <a:cs typeface="Old Standard TT"/>
-                <a:sym typeface="Old Standard TT"/>
-              </a:defRPr>
-            </a:lvl3pPr>
-            <a:lvl4pPr marL="0" marR="0" lvl="3" indent="0" algn="r">
-              <a:lnSpc>
-                <a:spcPct val="100000"/>
-              </a:lnSpc>
-              <a:spcBef>
-                <a:spcPts val="0"/>
-              </a:spcBef>
-              <a:spcAft>
-                <a:spcPts val="0"/>
-              </a:spcAft>
-              <a:buClr>
-                <a:srgbClr val="000000"/>
-              </a:buClr>
-              <a:buSzPts val="1000"/>
-              <a:buFont typeface="Arial"/>
-              <a:buNone/>
-              <a:defRPr sz="1000" b="0" i="0" u="none" strike="noStrike" cap="none">
-                <a:solidFill>
-                  <a:schemeClr val="dk1"/>
-                </a:solidFill>
-                <a:latin typeface="Old Standard TT"/>
-                <a:ea typeface="Old Standard TT"/>
-                <a:cs typeface="Old Standard TT"/>
-                <a:sym typeface="Old Standard TT"/>
-              </a:defRPr>
-            </a:lvl4pPr>
-            <a:lvl5pPr marL="0" marR="0" lvl="4" indent="0" algn="r">
-              <a:lnSpc>
-                <a:spcPct val="100000"/>
-              </a:lnSpc>
-              <a:spcBef>
-                <a:spcPts val="0"/>
-              </a:spcBef>
-              <a:spcAft>
-                <a:spcPts val="0"/>
-              </a:spcAft>
-              <a:buClr>
-                <a:srgbClr val="000000"/>
-              </a:buClr>
-              <a:buSzPts val="1000"/>
-              <a:buFont typeface="Arial"/>
-              <a:buNone/>
-              <a:defRPr sz="1000" b="0" i="0" u="none" strike="noStrike" cap="none">
-                <a:solidFill>
-                  <a:schemeClr val="dk1"/>
-                </a:solidFill>
-                <a:latin typeface="Old Standard TT"/>
-                <a:ea typeface="Old Standard TT"/>
-                <a:cs typeface="Old Standard TT"/>
-                <a:sym typeface="Old Standard TT"/>
-              </a:defRPr>
-            </a:lvl5pPr>
-            <a:lvl6pPr marL="0" marR="0" lvl="5" indent="0" algn="r">
-              <a:lnSpc>
-                <a:spcPct val="100000"/>
-              </a:lnSpc>
-              <a:spcBef>
-                <a:spcPts val="0"/>
-              </a:spcBef>
-              <a:spcAft>
-                <a:spcPts val="0"/>
-              </a:spcAft>
-              <a:buClr>
-                <a:srgbClr val="000000"/>
-              </a:buClr>
-              <a:buSzPts val="1000"/>
-              <a:buFont typeface="Arial"/>
-              <a:buNone/>
-              <a:defRPr sz="1000" b="0" i="0" u="none" strike="noStrike" cap="none">
-                <a:solidFill>
-                  <a:schemeClr val="dk1"/>
-                </a:solidFill>
-                <a:latin typeface="Old Standard TT"/>
-                <a:ea typeface="Old Standard TT"/>
-                <a:cs typeface="Old Standard TT"/>
-                <a:sym typeface="Old Standard TT"/>
-              </a:defRPr>
-            </a:lvl6pPr>
-            <a:lvl7pPr marL="0" marR="0" lvl="6" indent="0" algn="r">
-              <a:lnSpc>
-                <a:spcPct val="100000"/>
-              </a:lnSpc>
-              <a:spcBef>
-                <a:spcPts val="0"/>
-              </a:spcBef>
-              <a:spcAft>
-                <a:spcPts val="0"/>
-              </a:spcAft>
-              <a:buClr>
-                <a:srgbClr val="000000"/>
-              </a:buClr>
-              <a:buSzPts val="1000"/>
-              <a:buFont typeface="Arial"/>
-              <a:buNone/>
-              <a:defRPr sz="1000" b="0" i="0" u="none" strike="noStrike" cap="none">
-                <a:solidFill>
-                  <a:schemeClr val="dk1"/>
-                </a:solidFill>
-                <a:latin typeface="Old Standard TT"/>
-                <a:ea typeface="Old Standard TT"/>
-                <a:cs typeface="Old Standard TT"/>
-                <a:sym typeface="Old Standard TT"/>
-              </a:defRPr>
-            </a:lvl7pPr>
-            <a:lvl8pPr marL="0" marR="0" lvl="7" indent="0" algn="r">
-              <a:lnSpc>
-                <a:spcPct val="100000"/>
-              </a:lnSpc>
-              <a:spcBef>
-                <a:spcPts val="0"/>
-              </a:spcBef>
-              <a:spcAft>
-                <a:spcPts val="0"/>
-              </a:spcAft>
-              <a:buClr>
-                <a:srgbClr val="000000"/>
-              </a:buClr>
-              <a:buSzPts val="1000"/>
-              <a:buFont typeface="Arial"/>
-              <a:buNone/>
-              <a:defRPr sz="1000" b="0" i="0" u="none" strike="noStrike" cap="none">
-                <a:solidFill>
-                  <a:schemeClr val="dk1"/>
-                </a:solidFill>
-                <a:latin typeface="Old Standard TT"/>
-                <a:ea typeface="Old Standard TT"/>
-                <a:cs typeface="Old Standard TT"/>
-                <a:sym typeface="Old Standard TT"/>
-              </a:defRPr>
-            </a:lvl8pPr>
-            <a:lvl9pPr marL="0" marR="0" lvl="8" indent="0" algn="r">
-              <a:lnSpc>
-                <a:spcPct val="100000"/>
-              </a:lnSpc>
-              <a:spcBef>
-                <a:spcPts val="0"/>
-              </a:spcBef>
-              <a:spcAft>
-                <a:spcPts val="0"/>
-              </a:spcAft>
-              <a:buClr>
-                <a:srgbClr val="000000"/>
-              </a:buClr>
-              <a:buSzPts val="1000"/>
-              <a:buFont typeface="Arial"/>
-              <a:buNone/>
-              <a:defRPr sz="1000" b="0" i="0" u="none" strike="noStrike" cap="none">
-                <a:solidFill>
-                  <a:schemeClr val="dk1"/>
-                </a:solidFill>
-                <a:latin typeface="Old Standard TT"/>
-                <a:ea typeface="Old Standard TT"/>
-                <a:cs typeface="Old Standard TT"/>
-                <a:sym typeface="Old Standard TT"/>
-              </a:defRPr>
-            </a:lvl9pPr>
-          </a:lstStyle>
+          <a:bodyPr/>
+          <a:lstStyle/>
           <a:p>
-            <a:pPr marL="0" lvl="0" indent="0" algn="r" rtl="0">
-              <a:spcBef>
-                <a:spcPts val="0"/>
-              </a:spcBef>
-              <a:spcAft>
-                <a:spcPts val="0"/>
-              </a:spcAft>
-              <a:buNone/>
-            </a:pPr>
-            <a:fld id="{00000000-1234-1234-1234-123412341234}" type="slidenum">
-              <a:rPr lang="en-US"/>
+            <a:fld id="{C278504F-A551-4DE0-9316-4DCD1D8CC752}" type="datetimeFigureOut">
+              <a:rPr lang="en-US" dirty="0"/>
+              <a:t>4/5/2019</a:t>
+            </a:fld>
+            <a:endParaRPr lang="en-US" dirty="0"/>
+          </a:p>
+        </p:txBody>
+      </p:sp>
+      <p:sp>
+        <p:nvSpPr>
+          <p:cNvPr id="3" name="Footer Placeholder 2"/>
+          <p:cNvSpPr>
+            <a:spLocks noGrp="1"/>
+          </p:cNvSpPr>
+          <p:nvPr>
+            <p:ph type="ftr" sz="quarter" idx="11"/>
+          </p:nvPr>
+        </p:nvSpPr>
+        <p:spPr/>
+        <p:txBody>
+          <a:bodyPr/>
+          <a:lstStyle/>
+          <a:p>
+            <a:endParaRPr lang="en-US" dirty="0"/>
+          </a:p>
+        </p:txBody>
+      </p:sp>
+      <p:sp>
+        <p:nvSpPr>
+          <p:cNvPr id="4" name="Slide Number Placeholder 3"/>
+          <p:cNvSpPr>
+            <a:spLocks noGrp="1"/>
+          </p:cNvSpPr>
+          <p:nvPr>
+            <p:ph type="sldNum" sz="quarter" idx="12"/>
+          </p:nvPr>
+        </p:nvSpPr>
+        <p:spPr/>
+        <p:txBody>
+          <a:bodyPr/>
+          <a:lstStyle/>
+          <a:p>
+            <a:fld id="{8A7A6979-0714-4377-B894-6BE4C2D6E202}" type="slidenum">
+              <a:rPr lang="en-US" dirty="0"/>
               <a:t>‹#›</a:t>
             </a:fld>
-            <a:endParaRPr/>
+            <a:endParaRPr lang="en-US" dirty="0"/>
           </a:p>
         </p:txBody>
       </p:sp>
     </p:spTree>
+    <p:extLst>
+      <p:ext uri="{BB962C8B-B14F-4D97-AF65-F5344CB8AC3E}">
+        <p14:creationId xmlns:p14="http://schemas.microsoft.com/office/powerpoint/2010/main" val="2024337374"/>
+      </p:ext>
+    </p:extLst>
   </p:cSld>
   <p:clrMapOvr>
     <a:masterClrMapping/>
@@ -11440,7 +11575,7 @@
     <p:sldLayoutId id="2147483655" r:id="rId8"/>
     <p:sldLayoutId id="2147483656" r:id="rId9"/>
     <p:sldLayoutId id="2147483657" r:id="rId10"/>
-    <p:sldLayoutId id="2147483658" r:id="rId11"/>
+    <p:sldLayoutId id="2147483660" r:id="rId11"/>
   </p:sldLayoutIdLst>
   <p:hf sldNum="0" hdr="0" ftr="0" dt="0"/>
   <p:txStyles>
@@ -12196,11 +12331,7 @@
             </a:pPr>
             <a:r>
               <a:rPr lang="en-US" dirty="0" smtClean="0"/>
-              <a:t>Stock Market Prediction(Seminar</a:t>
-            </a:r>
-            <a:r>
-              <a:rPr lang="en-US" dirty="0" smtClean="0"/>
-              <a:t>)</a:t>
+              <a:t>Data Compression Algorithm</a:t>
             </a:r>
             <a:endParaRPr dirty="0"/>
           </a:p>
@@ -12219,7 +12350,7 @@
         <p:spPr>
           <a:xfrm>
             <a:off x="512700" y="3751726"/>
-            <a:ext cx="8118600" cy="888600"/>
+            <a:ext cx="3833269" cy="1179870"/>
           </a:xfrm>
           <a:prstGeom prst="rect">
             <a:avLst/>
@@ -12250,13 +12381,364 @@
             </a:pPr>
             <a:r>
               <a:rPr lang="en-US" dirty="0" smtClean="0"/>
-              <a:t>17BIT055 Mufadda</a:t>
+              <a:t>Presented by :</a:t>
+            </a:r>
+          </a:p>
+          <a:p>
+            <a:pPr marL="0" lvl="0" indent="0" algn="l" rtl="0">
+              <a:lnSpc>
+                <a:spcPct val="100000"/>
+              </a:lnSpc>
+              <a:spcBef>
+                <a:spcPts val="0"/>
+              </a:spcBef>
+              <a:spcAft>
+                <a:spcPts val="0"/>
+              </a:spcAft>
+              <a:buSzPts val="2400"/>
+              <a:buNone/>
+            </a:pPr>
+            <a:r>
+              <a:rPr lang="en-US" dirty="0" smtClean="0"/>
+              <a:t>17BIT055 </a:t>
             </a:r>
             <a:r>
               <a:rPr lang="en-US" dirty="0" smtClean="0"/>
-              <a:t>l Naya</a:t>
+              <a:t>Mufaddal </a:t>
+            </a:r>
+            <a:r>
+              <a:rPr lang="en-US" dirty="0" smtClean="0"/>
+              <a:t>Naya</a:t>
+            </a:r>
+          </a:p>
+          <a:p>
+            <a:pPr marL="0" lvl="0" indent="0" algn="l" rtl="0">
+              <a:lnSpc>
+                <a:spcPct val="100000"/>
+              </a:lnSpc>
+              <a:spcBef>
+                <a:spcPts val="0"/>
+              </a:spcBef>
+              <a:spcAft>
+                <a:spcPts val="0"/>
+              </a:spcAft>
+              <a:buSzPts val="2400"/>
+              <a:buNone/>
+            </a:pPr>
+            <a:r>
+              <a:rPr lang="en-US" dirty="0" smtClean="0"/>
+              <a:t>17BIT056 </a:t>
+            </a:r>
+            <a:r>
+              <a:rPr lang="en-US" dirty="0" err="1" smtClean="0"/>
+              <a:t>Musaab</a:t>
+            </a:r>
+            <a:r>
+              <a:rPr lang="en-US" dirty="0" smtClean="0"/>
+              <a:t> </a:t>
+            </a:r>
+            <a:r>
+              <a:rPr lang="en-US" dirty="0" err="1" smtClean="0"/>
+              <a:t>Shirgar</a:t>
             </a:r>
             <a:endParaRPr dirty="0"/>
+          </a:p>
+        </p:txBody>
+      </p:sp>
+      <p:sp>
+        <p:nvSpPr>
+          <p:cNvPr id="4" name="Google Shape;60;p13"/>
+          <p:cNvSpPr txBox="1">
+            <a:spLocks/>
+          </p:cNvSpPr>
+          <p:nvPr/>
+        </p:nvSpPr>
+        <p:spPr>
+          <a:xfrm>
+            <a:off x="4572000" y="3751726"/>
+            <a:ext cx="3833269" cy="1179870"/>
+          </a:xfrm>
+          <a:prstGeom prst="rect">
+            <a:avLst/>
+          </a:prstGeom>
+          <a:noFill/>
+          <a:ln>
+            <a:noFill/>
+          </a:ln>
+        </p:spPr>
+        <p:txBody>
+          <a:bodyPr spcFirstLastPara="1" wrap="square" lIns="91425" tIns="91425" rIns="91425" bIns="91425" anchor="t" anchorCtr="0">
+            <a:noAutofit/>
+          </a:bodyPr>
+          <a:lstStyle>
+            <a:defPPr marR="0" lvl="0" algn="l" rtl="0">
+              <a:lnSpc>
+                <a:spcPct val="100000"/>
+              </a:lnSpc>
+              <a:spcBef>
+                <a:spcPts val="0"/>
+              </a:spcBef>
+              <a:spcAft>
+                <a:spcPts val="0"/>
+              </a:spcAft>
+            </a:defPPr>
+            <a:lvl1pPr marL="457200" marR="0" lvl="0" indent="-342900" algn="l" rtl="0">
+              <a:lnSpc>
+                <a:spcPct val="100000"/>
+              </a:lnSpc>
+              <a:spcBef>
+                <a:spcPts val="0"/>
+              </a:spcBef>
+              <a:spcAft>
+                <a:spcPts val="0"/>
+              </a:spcAft>
+              <a:buClr>
+                <a:schemeClr val="accent2"/>
+              </a:buClr>
+              <a:buSzPts val="2400"/>
+              <a:buFont typeface="Old Standard TT"/>
+              <a:buNone/>
+              <a:defRPr sz="2400" b="0" i="0" u="none" strike="noStrike" cap="none">
+                <a:solidFill>
+                  <a:schemeClr val="accent2"/>
+                </a:solidFill>
+                <a:latin typeface="Old Standard TT"/>
+                <a:ea typeface="Old Standard TT"/>
+                <a:cs typeface="Old Standard TT"/>
+                <a:sym typeface="Old Standard TT"/>
+              </a:defRPr>
+            </a:lvl1pPr>
+            <a:lvl2pPr marL="914400" marR="0" lvl="1" indent="-317500" algn="l" rtl="0">
+              <a:lnSpc>
+                <a:spcPct val="100000"/>
+              </a:lnSpc>
+              <a:spcBef>
+                <a:spcPts val="0"/>
+              </a:spcBef>
+              <a:spcAft>
+                <a:spcPts val="0"/>
+              </a:spcAft>
+              <a:buClr>
+                <a:schemeClr val="accent2"/>
+              </a:buClr>
+              <a:buSzPts val="2400"/>
+              <a:buFont typeface="Old Standard TT"/>
+              <a:buNone/>
+              <a:defRPr sz="2400" b="0" i="0" u="none" strike="noStrike" cap="none">
+                <a:solidFill>
+                  <a:schemeClr val="accent2"/>
+                </a:solidFill>
+                <a:latin typeface="Old Standard TT"/>
+                <a:ea typeface="Old Standard TT"/>
+                <a:cs typeface="Old Standard TT"/>
+                <a:sym typeface="Old Standard TT"/>
+              </a:defRPr>
+            </a:lvl2pPr>
+            <a:lvl3pPr marL="1371600" marR="0" lvl="2" indent="-317500" algn="l" rtl="0">
+              <a:lnSpc>
+                <a:spcPct val="100000"/>
+              </a:lnSpc>
+              <a:spcBef>
+                <a:spcPts val="0"/>
+              </a:spcBef>
+              <a:spcAft>
+                <a:spcPts val="0"/>
+              </a:spcAft>
+              <a:buClr>
+                <a:schemeClr val="accent2"/>
+              </a:buClr>
+              <a:buSzPts val="2400"/>
+              <a:buFont typeface="Old Standard TT"/>
+              <a:buNone/>
+              <a:defRPr sz="2400" b="0" i="0" u="none" strike="noStrike" cap="none">
+                <a:solidFill>
+                  <a:schemeClr val="accent2"/>
+                </a:solidFill>
+                <a:latin typeface="Old Standard TT"/>
+                <a:ea typeface="Old Standard TT"/>
+                <a:cs typeface="Old Standard TT"/>
+                <a:sym typeface="Old Standard TT"/>
+              </a:defRPr>
+            </a:lvl3pPr>
+            <a:lvl4pPr marL="1828800" marR="0" lvl="3" indent="-317500" algn="l" rtl="0">
+              <a:lnSpc>
+                <a:spcPct val="100000"/>
+              </a:lnSpc>
+              <a:spcBef>
+                <a:spcPts val="0"/>
+              </a:spcBef>
+              <a:spcAft>
+                <a:spcPts val="0"/>
+              </a:spcAft>
+              <a:buClr>
+                <a:schemeClr val="accent2"/>
+              </a:buClr>
+              <a:buSzPts val="2400"/>
+              <a:buFont typeface="Old Standard TT"/>
+              <a:buNone/>
+              <a:defRPr sz="2400" b="0" i="0" u="none" strike="noStrike" cap="none">
+                <a:solidFill>
+                  <a:schemeClr val="accent2"/>
+                </a:solidFill>
+                <a:latin typeface="Old Standard TT"/>
+                <a:ea typeface="Old Standard TT"/>
+                <a:cs typeface="Old Standard TT"/>
+                <a:sym typeface="Old Standard TT"/>
+              </a:defRPr>
+            </a:lvl4pPr>
+            <a:lvl5pPr marL="2286000" marR="0" lvl="4" indent="-317500" algn="l" rtl="0">
+              <a:lnSpc>
+                <a:spcPct val="100000"/>
+              </a:lnSpc>
+              <a:spcBef>
+                <a:spcPts val="0"/>
+              </a:spcBef>
+              <a:spcAft>
+                <a:spcPts val="0"/>
+              </a:spcAft>
+              <a:buClr>
+                <a:schemeClr val="accent2"/>
+              </a:buClr>
+              <a:buSzPts val="2400"/>
+              <a:buFont typeface="Old Standard TT"/>
+              <a:buNone/>
+              <a:defRPr sz="2400" b="0" i="0" u="none" strike="noStrike" cap="none">
+                <a:solidFill>
+                  <a:schemeClr val="accent2"/>
+                </a:solidFill>
+                <a:latin typeface="Old Standard TT"/>
+                <a:ea typeface="Old Standard TT"/>
+                <a:cs typeface="Old Standard TT"/>
+                <a:sym typeface="Old Standard TT"/>
+              </a:defRPr>
+            </a:lvl5pPr>
+            <a:lvl6pPr marL="2743200" marR="0" lvl="5" indent="-317500" algn="l" rtl="0">
+              <a:lnSpc>
+                <a:spcPct val="100000"/>
+              </a:lnSpc>
+              <a:spcBef>
+                <a:spcPts val="0"/>
+              </a:spcBef>
+              <a:spcAft>
+                <a:spcPts val="0"/>
+              </a:spcAft>
+              <a:buClr>
+                <a:schemeClr val="accent2"/>
+              </a:buClr>
+              <a:buSzPts val="2400"/>
+              <a:buFont typeface="Old Standard TT"/>
+              <a:buNone/>
+              <a:defRPr sz="2400" b="0" i="0" u="none" strike="noStrike" cap="none">
+                <a:solidFill>
+                  <a:schemeClr val="accent2"/>
+                </a:solidFill>
+                <a:latin typeface="Old Standard TT"/>
+                <a:ea typeface="Old Standard TT"/>
+                <a:cs typeface="Old Standard TT"/>
+                <a:sym typeface="Old Standard TT"/>
+              </a:defRPr>
+            </a:lvl6pPr>
+            <a:lvl7pPr marL="3200400" marR="0" lvl="6" indent="-317500" algn="l" rtl="0">
+              <a:lnSpc>
+                <a:spcPct val="100000"/>
+              </a:lnSpc>
+              <a:spcBef>
+                <a:spcPts val="0"/>
+              </a:spcBef>
+              <a:spcAft>
+                <a:spcPts val="0"/>
+              </a:spcAft>
+              <a:buClr>
+                <a:schemeClr val="accent2"/>
+              </a:buClr>
+              <a:buSzPts val="2400"/>
+              <a:buFont typeface="Old Standard TT"/>
+              <a:buNone/>
+              <a:defRPr sz="2400" b="0" i="0" u="none" strike="noStrike" cap="none">
+                <a:solidFill>
+                  <a:schemeClr val="accent2"/>
+                </a:solidFill>
+                <a:latin typeface="Old Standard TT"/>
+                <a:ea typeface="Old Standard TT"/>
+                <a:cs typeface="Old Standard TT"/>
+                <a:sym typeface="Old Standard TT"/>
+              </a:defRPr>
+            </a:lvl7pPr>
+            <a:lvl8pPr marL="3657600" marR="0" lvl="7" indent="-317500" algn="l" rtl="0">
+              <a:lnSpc>
+                <a:spcPct val="100000"/>
+              </a:lnSpc>
+              <a:spcBef>
+                <a:spcPts val="0"/>
+              </a:spcBef>
+              <a:spcAft>
+                <a:spcPts val="0"/>
+              </a:spcAft>
+              <a:buClr>
+                <a:schemeClr val="accent2"/>
+              </a:buClr>
+              <a:buSzPts val="2400"/>
+              <a:buFont typeface="Old Standard TT"/>
+              <a:buNone/>
+              <a:defRPr sz="2400" b="0" i="0" u="none" strike="noStrike" cap="none">
+                <a:solidFill>
+                  <a:schemeClr val="accent2"/>
+                </a:solidFill>
+                <a:latin typeface="Old Standard TT"/>
+                <a:ea typeface="Old Standard TT"/>
+                <a:cs typeface="Old Standard TT"/>
+                <a:sym typeface="Old Standard TT"/>
+              </a:defRPr>
+            </a:lvl8pPr>
+            <a:lvl9pPr marL="4114800" marR="0" lvl="8" indent="-317500" algn="l" rtl="0">
+              <a:lnSpc>
+                <a:spcPct val="100000"/>
+              </a:lnSpc>
+              <a:spcBef>
+                <a:spcPts val="0"/>
+              </a:spcBef>
+              <a:spcAft>
+                <a:spcPts val="0"/>
+              </a:spcAft>
+              <a:buClr>
+                <a:schemeClr val="accent2"/>
+              </a:buClr>
+              <a:buSzPts val="2400"/>
+              <a:buFont typeface="Old Standard TT"/>
+              <a:buNone/>
+              <a:defRPr sz="2400" b="0" i="0" u="none" strike="noStrike" cap="none">
+                <a:solidFill>
+                  <a:schemeClr val="accent2"/>
+                </a:solidFill>
+                <a:latin typeface="Old Standard TT"/>
+                <a:ea typeface="Old Standard TT"/>
+                <a:cs typeface="Old Standard TT"/>
+                <a:sym typeface="Old Standard TT"/>
+              </a:defRPr>
+            </a:lvl9pPr>
+          </a:lstStyle>
+          <a:p>
+            <a:pPr marL="0" indent="0"/>
+            <a:r>
+              <a:rPr lang="en-US" dirty="0" smtClean="0"/>
+              <a:t>Guided by :</a:t>
+            </a:r>
+          </a:p>
+          <a:p>
+            <a:pPr marL="0" indent="0"/>
+            <a:r>
+              <a:rPr lang="en-US" dirty="0" smtClean="0"/>
+              <a:t>Prof. </a:t>
+            </a:r>
+            <a:r>
+              <a:rPr lang="en-US" dirty="0" err="1" smtClean="0"/>
+              <a:t>Usha</a:t>
+            </a:r>
+            <a:r>
+              <a:rPr lang="en-US" dirty="0" smtClean="0"/>
+              <a:t> Patel</a:t>
+            </a:r>
+            <a:endParaRPr lang="en-US" dirty="0"/>
           </a:p>
         </p:txBody>
       </p:sp>
@@ -12276,11 +12758,11 @@
 </file>
 
 <file path=ppt/slides/slide10.xml><?xml version="1.0" encoding="utf-8"?>
-<p:sld xmlns:a="http://schemas.openxmlformats.org/drawingml/2006/main" xmlns:r="http://schemas.openxmlformats.org/officeDocument/2006/relationships" xmlns:p="http://schemas.openxmlformats.org/presentationml/2006/main" show="0">
+<p:sld xmlns:a="http://schemas.openxmlformats.org/drawingml/2006/main" xmlns:r="http://schemas.openxmlformats.org/officeDocument/2006/relationships" xmlns:p="http://schemas.openxmlformats.org/presentationml/2006/main">
   <p:cSld>
     <p:spTree>
       <p:nvGrpSpPr>
-        <p:cNvPr id="1" name="Shape 100"/>
+        <p:cNvPr id="1" name=""/>
         <p:cNvGrpSpPr/>
         <p:nvPr/>
       </p:nvGrpSpPr>
@@ -12294,95 +12776,23 @@
       </p:grpSpPr>
       <p:sp>
         <p:nvSpPr>
-          <p:cNvPr id="103" name="Google Shape;103;p20"/>
-          <p:cNvSpPr txBox="1">
-            <a:spLocks noGrp="1"/>
-          </p:cNvSpPr>
-          <p:nvPr>
-            <p:ph type="title"/>
-          </p:nvPr>
-        </p:nvSpPr>
-        <p:spPr>
-          <a:xfrm>
-            <a:off x="311700" y="445025"/>
-            <a:ext cx="8520600" cy="613200"/>
-          </a:xfrm>
-          <a:prstGeom prst="rect">
-            <a:avLst/>
-          </a:prstGeom>
-        </p:spPr>
-        <p:txBody>
-          <a:bodyPr spcFirstLastPara="1" wrap="square" lIns="91425" tIns="91425" rIns="91425" bIns="91425" anchor="t" anchorCtr="0">
-            <a:noAutofit/>
-          </a:bodyPr>
-          <a:lstStyle/>
-          <a:p>
-            <a:pPr marL="0" lvl="0" indent="0" algn="l" rtl="0">
-              <a:spcBef>
-                <a:spcPts val="0"/>
-              </a:spcBef>
-              <a:spcAft>
-                <a:spcPts val="0"/>
-              </a:spcAft>
-              <a:buNone/>
-            </a:pPr>
-            <a:r>
-              <a:rPr lang="en-US" dirty="0" err="1" smtClean="0"/>
-              <a:t>readFile</a:t>
-            </a:r>
-            <a:r>
-              <a:rPr lang="en" dirty="0" smtClean="0"/>
-              <a:t>(String)</a:t>
-            </a:r>
-            <a:endParaRPr dirty="0"/>
-          </a:p>
-        </p:txBody>
-      </p:sp>
-      <p:pic>
-        <p:nvPicPr>
-          <p:cNvPr id="3" name="Picture 2"/>
-          <p:cNvPicPr>
-            <a:picLocks noChangeAspect="1"/>
-          </p:cNvPicPr>
-          <p:nvPr/>
-        </p:nvPicPr>
-        <p:blipFill rotWithShape="1">
-          <a:blip r:embed="rId3">
-            <a:extLst>
-              <a:ext uri="{28A0092B-C50C-407E-A947-70E740481C1C}">
-                <a14:useLocalDpi xmlns:a14="http://schemas.microsoft.com/office/drawing/2010/main" val="0"/>
-              </a:ext>
-            </a:extLst>
-          </a:blip>
-          <a:srcRect l="21685" t="38346" r="29775" b="26081"/>
-          <a:stretch/>
-        </p:blipFill>
-        <p:spPr>
-          <a:xfrm>
-            <a:off x="1182766" y="1581079"/>
-            <a:ext cx="6257667" cy="2578392"/>
-          </a:xfrm>
-          <a:prstGeom prst="rect">
-            <a:avLst/>
-          </a:prstGeom>
-        </p:spPr>
-      </p:pic>
-      <p:sp>
-        <p:nvSpPr>
-          <p:cNvPr id="9" name="Left Arrow 8">
-            <a:hlinkClick r:id="rId4" action="ppaction://hlinksldjump"/>
-          </p:cNvPr>
+          <p:cNvPr id="2" name="Rectangle 1"/>
           <p:cNvSpPr/>
           <p:nvPr/>
         </p:nvSpPr>
         <p:spPr>
           <a:xfrm>
-            <a:off x="311700" y="4568875"/>
-            <a:ext cx="664345" cy="434640"/>
+            <a:off x="0" y="0"/>
+            <a:ext cx="9144000" cy="5143500"/>
           </a:xfrm>
-          <a:prstGeom prst="leftArrow">
+          <a:prstGeom prst="rect">
             <a:avLst/>
           </a:prstGeom>
+          <a:solidFill>
+            <a:srgbClr val="00B0F0">
+              <a:alpha val="36000"/>
+            </a:srgbClr>
+          </a:solidFill>
         </p:spPr>
         <p:style>
           <a:lnRef idx="2">
@@ -12401,322 +12811,50 @@
           </a:fontRef>
         </p:style>
         <p:txBody>
-          <a:bodyPr rtlCol="0" anchor="ctr"/>
-          <a:lstStyle/>
-          <a:p>
-            <a:pPr algn="ctr"/>
-            <a:r>
-              <a:rPr lang="en-US" sz="1200" dirty="0" smtClean="0">
-                <a:solidFill>
-                  <a:schemeClr val="tx1"/>
-                </a:solidFill>
-              </a:rPr>
-              <a:t>Back</a:t>
-            </a:r>
-            <a:endParaRPr lang="en-US" sz="1200" dirty="0">
-              <a:solidFill>
-                <a:schemeClr val="tx1"/>
-              </a:solidFill>
-            </a:endParaRPr>
-          </a:p>
-        </p:txBody>
-      </p:sp>
-    </p:spTree>
-    <p:extLst>
-      <p:ext uri="{BB962C8B-B14F-4D97-AF65-F5344CB8AC3E}">
-        <p14:creationId xmlns:p14="http://schemas.microsoft.com/office/powerpoint/2010/main" val="2195249965"/>
-      </p:ext>
-    </p:extLst>
-  </p:cSld>
-  <p:clrMapOvr>
-    <a:masterClrMapping/>
-  </p:clrMapOvr>
-  <mc:AlternateContent xmlns:mc="http://schemas.openxmlformats.org/markup-compatibility/2006" xmlns:p14="http://schemas.microsoft.com/office/powerpoint/2010/main">
-    <mc:Choice Requires="p14">
-      <p:transition spd="slow" p14:dur="2000"/>
-    </mc:Choice>
-    <mc:Fallback xmlns="">
-      <p:transition spd="slow"/>
-    </mc:Fallback>
-  </mc:AlternateContent>
-  <p:timing>
-    <p:tnLst>
-      <p:par>
-        <p:cTn id="1" dur="indefinite" restart="never" nodeType="tmRoot"/>
-      </p:par>
-    </p:tnLst>
-  </p:timing>
-</p:sld>
-</file>
-
-<file path=ppt/slides/slide11.xml><?xml version="1.0" encoding="utf-8"?>
-<p:sld xmlns:a="http://schemas.openxmlformats.org/drawingml/2006/main" xmlns:r="http://schemas.openxmlformats.org/officeDocument/2006/relationships" xmlns:p="http://schemas.openxmlformats.org/presentationml/2006/main">
-  <p:cSld>
-    <p:spTree>
-      <p:nvGrpSpPr>
-        <p:cNvPr id="1" name="Shape 100"/>
-        <p:cNvGrpSpPr/>
-        <p:nvPr/>
-      </p:nvGrpSpPr>
-      <p:grpSpPr>
-        <a:xfrm>
-          <a:off x="0" y="0"/>
-          <a:ext cx="0" cy="0"/>
-          <a:chOff x="0" y="0"/>
-          <a:chExt cx="0" cy="0"/>
-        </a:xfrm>
-      </p:grpSpPr>
-      <p:sp>
-        <p:nvSpPr>
-          <p:cNvPr id="102" name="Google Shape;102;p20"/>
-          <p:cNvSpPr txBox="1">
-            <a:spLocks noGrp="1"/>
-          </p:cNvSpPr>
-          <p:nvPr>
-            <p:ph type="body" idx="2"/>
-          </p:nvPr>
-        </p:nvSpPr>
-        <p:spPr>
-          <a:xfrm>
-            <a:off x="4832400" y="1171675"/>
-            <a:ext cx="3999900" cy="3397200"/>
-          </a:xfrm>
-          <a:prstGeom prst="rect">
-            <a:avLst/>
-          </a:prstGeom>
-        </p:spPr>
-        <p:txBody>
-          <a:bodyPr spcFirstLastPara="1" wrap="square" lIns="91425" tIns="91425" rIns="91425" bIns="91425" anchor="t" anchorCtr="0">
+          <a:bodyPr rot="0" spcFirstLastPara="0" vertOverflow="overflow" horzOverflow="overflow" vert="horz" wrap="square" lIns="68580" tIns="34290" rIns="68580" bIns="34290" numCol="1" spcCol="0" rtlCol="0" fromWordArt="0" anchor="ctr" anchorCtr="0" forceAA="0" compatLnSpc="1">
+            <a:prstTxWarp prst="textNoShape">
+              <a:avLst/>
+            </a:prstTxWarp>
             <a:noAutofit/>
           </a:bodyPr>
           <a:lstStyle/>
           <a:p>
-            <a:pPr marL="0" lvl="0" indent="0" algn="l" rtl="0">
-              <a:spcBef>
-                <a:spcPts val="0"/>
-              </a:spcBef>
-              <a:spcAft>
-                <a:spcPts val="0"/>
-              </a:spcAft>
-              <a:buNone/>
-            </a:pPr>
-            <a:r>
-              <a:rPr lang="en-US" sz="1600" dirty="0" smtClean="0">
-                <a:hlinkClick r:id="rId3" action="ppaction://hlinksldjump"/>
-              </a:rPr>
-              <a:t>Huffman(String)</a:t>
-            </a:r>
-            <a:endParaRPr lang="en-US" sz="1600" dirty="0" smtClean="0"/>
-          </a:p>
-          <a:p>
-            <a:pPr marL="0" lvl="0" indent="0" algn="l" rtl="0">
-              <a:spcBef>
-                <a:spcPts val="0"/>
-              </a:spcBef>
-              <a:spcAft>
-                <a:spcPts val="0"/>
-              </a:spcAft>
-              <a:buNone/>
-            </a:pPr>
-            <a:r>
-              <a:rPr lang="en-US" sz="1600" dirty="0">
-                <a:hlinkClick r:id="rId4" action="ppaction://hlinksldjump"/>
-              </a:rPr>
-              <a:t>e</a:t>
-            </a:r>
-            <a:r>
-              <a:rPr lang="en-US" sz="1600" dirty="0" smtClean="0">
-                <a:hlinkClick r:id="rId4" action="ppaction://hlinksldjump"/>
-              </a:rPr>
-              <a:t>ncode()</a:t>
-            </a:r>
-            <a:endParaRPr lang="en-US" sz="1600" dirty="0" smtClean="0"/>
-          </a:p>
-          <a:p>
-            <a:pPr marL="0" lvl="0" indent="0" algn="l" rtl="0">
-              <a:spcBef>
-                <a:spcPts val="0"/>
-              </a:spcBef>
-              <a:spcAft>
-                <a:spcPts val="0"/>
-              </a:spcAft>
-              <a:buNone/>
-            </a:pPr>
-            <a:r>
-              <a:rPr lang="en-US" sz="1600" dirty="0" smtClean="0">
-                <a:hlinkClick r:id="rId4" action="ppaction://hlinksldjump"/>
-              </a:rPr>
-              <a:t>decode</a:t>
-            </a:r>
-            <a:r>
-              <a:rPr lang="en-US" sz="1600" dirty="0" smtClean="0"/>
-              <a:t>()</a:t>
-            </a:r>
-          </a:p>
-          <a:p>
-            <a:pPr marL="0" lvl="0" indent="0" algn="l" rtl="0">
-              <a:spcBef>
-                <a:spcPts val="0"/>
-              </a:spcBef>
-              <a:spcAft>
-                <a:spcPts val="0"/>
-              </a:spcAft>
-              <a:buNone/>
-            </a:pPr>
-            <a:r>
-              <a:rPr lang="en-US" sz="1600" dirty="0" smtClean="0">
-                <a:hlinkClick r:id="rId5" action="ppaction://hlinksldjump"/>
-              </a:rPr>
-              <a:t>writeBinary(String, String)</a:t>
-            </a:r>
-            <a:endParaRPr lang="en-US" sz="1600" dirty="0" smtClean="0"/>
-          </a:p>
-          <a:p>
-            <a:pPr marL="0" lvl="0" indent="0" algn="l" rtl="0">
-              <a:spcBef>
-                <a:spcPts val="0"/>
-              </a:spcBef>
-              <a:spcAft>
-                <a:spcPts val="0"/>
-              </a:spcAft>
-              <a:buNone/>
-            </a:pPr>
-            <a:r>
-              <a:rPr lang="en-US" sz="1600" dirty="0" smtClean="0">
-                <a:hlinkClick r:id="rId6" action="ppaction://hlinksldjump"/>
-              </a:rPr>
-              <a:t>writeCodeTable(Huffman, </a:t>
-            </a:r>
-            <a:r>
-              <a:rPr lang="en-US" sz="1600" dirty="0" smtClean="0">
-                <a:hlinkClick r:id="rId6" action="ppaction://hlinksldjump"/>
-              </a:rPr>
-              <a:t>String)</a:t>
-            </a:r>
-            <a:endParaRPr sz="1600" dirty="0"/>
+            <a:pPr algn="ctr"/>
+            <a:endParaRPr lang="en-US" sz="1050"/>
           </a:p>
         </p:txBody>
       </p:sp>
       <p:sp>
         <p:nvSpPr>
-          <p:cNvPr id="103" name="Google Shape;103;p20"/>
-          <p:cNvSpPr txBox="1">
-            <a:spLocks noGrp="1"/>
-          </p:cNvSpPr>
-          <p:nvPr>
-            <p:ph type="title"/>
-          </p:nvPr>
+          <p:cNvPr id="3" name="TextBox 2"/>
+          <p:cNvSpPr txBox="1"/>
+          <p:nvPr/>
         </p:nvSpPr>
         <p:spPr>
           <a:xfrm>
-            <a:off x="311700" y="445025"/>
-            <a:ext cx="8520600" cy="613200"/>
+            <a:off x="460612" y="2896738"/>
+            <a:ext cx="6223379" cy="1419619"/>
           </a:xfrm>
           <a:prstGeom prst="rect">
             <a:avLst/>
           </a:prstGeom>
+          <a:noFill/>
         </p:spPr>
         <p:txBody>
-          <a:bodyPr spcFirstLastPara="1" wrap="square" lIns="91425" tIns="91425" rIns="91425" bIns="91425" anchor="t" anchorCtr="0">
-            <a:noAutofit/>
+          <a:bodyPr wrap="square" rtlCol="0">
+            <a:spAutoFit/>
           </a:bodyPr>
           <a:lstStyle/>
           <a:p>
-            <a:pPr marL="0" lvl="0" indent="0" algn="l" rtl="0">
-              <a:spcBef>
-                <a:spcPts val="0"/>
-              </a:spcBef>
-              <a:spcAft>
-                <a:spcPts val="0"/>
-              </a:spcAft>
-              <a:buNone/>
-            </a:pPr>
             <a:r>
-              <a:rPr lang="en-US" dirty="0" err="1" smtClean="0"/>
-              <a:t>testHuffman</a:t>
-            </a:r>
-            <a:r>
-              <a:rPr lang="en" dirty="0" smtClean="0"/>
-              <a:t>(String)</a:t>
-            </a:r>
-            <a:endParaRPr dirty="0"/>
-          </a:p>
-        </p:txBody>
-      </p:sp>
-      <p:pic>
-        <p:nvPicPr>
-          <p:cNvPr id="3" name="Picture 2"/>
-          <p:cNvPicPr>
-            <a:picLocks noChangeAspect="1"/>
-          </p:cNvPicPr>
-          <p:nvPr/>
-        </p:nvPicPr>
-        <p:blipFill rotWithShape="1">
-          <a:blip r:embed="rId7">
-            <a:extLst>
-              <a:ext uri="{28A0092B-C50C-407E-A947-70E740481C1C}">
-                <a14:useLocalDpi xmlns:a14="http://schemas.microsoft.com/office/drawing/2010/main" val="0"/>
-              </a:ext>
-            </a:extLst>
-          </a:blip>
-          <a:srcRect l="21573" t="19760" r="31460" b="16887"/>
-          <a:stretch/>
-        </p:blipFill>
-        <p:spPr>
-          <a:xfrm>
-            <a:off x="277402" y="1171675"/>
-            <a:ext cx="4294598" cy="3256907"/>
-          </a:xfrm>
-          <a:prstGeom prst="rect">
-            <a:avLst/>
-          </a:prstGeom>
-        </p:spPr>
-      </p:pic>
-      <p:sp>
-        <p:nvSpPr>
-          <p:cNvPr id="8" name="Left Arrow 7">
-            <a:hlinkClick r:id="rId8" action="ppaction://hlinksldjump"/>
-          </p:cNvPr>
-          <p:cNvSpPr/>
-          <p:nvPr/>
-        </p:nvSpPr>
-        <p:spPr>
-          <a:xfrm flipH="1">
-            <a:off x="7958997" y="4568875"/>
-            <a:ext cx="661021" cy="434640"/>
-          </a:xfrm>
-          <a:prstGeom prst="leftArrow">
-            <a:avLst/>
-          </a:prstGeom>
-        </p:spPr>
-        <p:style>
-          <a:lnRef idx="2">
-            <a:schemeClr val="accent1">
-              <a:shade val="50000"/>
-            </a:schemeClr>
-          </a:lnRef>
-          <a:fillRef idx="1">
-            <a:schemeClr val="accent1"/>
-          </a:fillRef>
-          <a:effectRef idx="0">
-            <a:schemeClr val="accent1"/>
-          </a:effectRef>
-          <a:fontRef idx="minor">
-            <a:schemeClr val="lt1"/>
-          </a:fontRef>
-        </p:style>
-        <p:txBody>
-          <a:bodyPr rtlCol="0" anchor="ctr"/>
-          <a:lstStyle/>
-          <a:p>
-            <a:pPr algn="ctr"/>
-            <a:r>
-              <a:rPr lang="en-US" sz="1200" dirty="0" smtClean="0">
+              <a:rPr lang="en-US" sz="8625" b="1" dirty="0">
                 <a:solidFill>
                   <a:schemeClr val="tx1"/>
                 </a:solidFill>
+                <a:latin typeface="Vivaldi" panose="03020602050506090804" pitchFamily="66" charset="0"/>
+                <a:ea typeface="Verdana" panose="020B0604030504040204" pitchFamily="34" charset="0"/>
               </a:rPr>
-              <a:t>Next</a:t>
+              <a:t>Thank You</a:t>
             </a:r>
           </a:p>
         </p:txBody>
@@ -12724,1435 +12862,13 @@
     </p:spTree>
     <p:extLst>
       <p:ext uri="{BB962C8B-B14F-4D97-AF65-F5344CB8AC3E}">
-        <p14:creationId xmlns:p14="http://schemas.microsoft.com/office/powerpoint/2010/main" val="1342531579"/>
+        <p14:creationId xmlns:p14="http://schemas.microsoft.com/office/powerpoint/2010/main" val="3821218335"/>
       </p:ext>
     </p:extLst>
   </p:cSld>
   <p:clrMapOvr>
     <a:masterClrMapping/>
   </p:clrMapOvr>
-  <p:timing>
-    <p:tnLst>
-      <p:par>
-        <p:cTn id="1" dur="indefinite" restart="never" nodeType="tmRoot"/>
-      </p:par>
-    </p:tnLst>
-  </p:timing>
-</p:sld>
-</file>
-
-<file path=ppt/slides/slide12.xml><?xml version="1.0" encoding="utf-8"?>
-<p:sld xmlns:a="http://schemas.openxmlformats.org/drawingml/2006/main" xmlns:r="http://schemas.openxmlformats.org/officeDocument/2006/relationships" xmlns:p="http://schemas.openxmlformats.org/presentationml/2006/main">
-  <p:cSld>
-    <p:spTree>
-      <p:nvGrpSpPr>
-        <p:cNvPr id="1" name="Shape 100"/>
-        <p:cNvGrpSpPr/>
-        <p:nvPr/>
-      </p:nvGrpSpPr>
-      <p:grpSpPr>
-        <a:xfrm>
-          <a:off x="0" y="0"/>
-          <a:ext cx="0" cy="0"/>
-          <a:chOff x="0" y="0"/>
-          <a:chExt cx="0" cy="0"/>
-        </a:xfrm>
-      </p:grpSpPr>
-      <p:sp>
-        <p:nvSpPr>
-          <p:cNvPr id="103" name="Google Shape;103;p20"/>
-          <p:cNvSpPr txBox="1">
-            <a:spLocks noGrp="1"/>
-          </p:cNvSpPr>
-          <p:nvPr>
-            <p:ph type="title"/>
-          </p:nvPr>
-        </p:nvSpPr>
-        <p:spPr>
-          <a:xfrm>
-            <a:off x="311700" y="445025"/>
-            <a:ext cx="8520600" cy="613200"/>
-          </a:xfrm>
-          <a:prstGeom prst="rect">
-            <a:avLst/>
-          </a:prstGeom>
-        </p:spPr>
-        <p:txBody>
-          <a:bodyPr spcFirstLastPara="1" wrap="square" lIns="91425" tIns="91425" rIns="91425" bIns="91425" anchor="t" anchorCtr="0">
-            <a:noAutofit/>
-          </a:bodyPr>
-          <a:lstStyle/>
-          <a:p>
-            <a:pPr marL="0" lvl="0" indent="0" algn="l" rtl="0">
-              <a:spcBef>
-                <a:spcPts val="0"/>
-              </a:spcBef>
-              <a:spcAft>
-                <a:spcPts val="0"/>
-              </a:spcAft>
-              <a:buNone/>
-            </a:pPr>
-            <a:r>
-              <a:rPr lang="en-US" dirty="0" err="1" smtClean="0"/>
-              <a:t>testHuffman</a:t>
-            </a:r>
-            <a:r>
-              <a:rPr lang="en" dirty="0" smtClean="0"/>
-              <a:t>(String)</a:t>
-            </a:r>
-            <a:endParaRPr dirty="0"/>
-          </a:p>
-        </p:txBody>
-      </p:sp>
-      <p:pic>
-        <p:nvPicPr>
-          <p:cNvPr id="2" name="Picture 1"/>
-          <p:cNvPicPr>
-            <a:picLocks noChangeAspect="1"/>
-          </p:cNvPicPr>
-          <p:nvPr/>
-        </p:nvPicPr>
-        <p:blipFill rotWithShape="1">
-          <a:blip r:embed="rId3">
-            <a:extLst>
-              <a:ext uri="{28A0092B-C50C-407E-A947-70E740481C1C}">
-                <a14:useLocalDpi xmlns:a14="http://schemas.microsoft.com/office/drawing/2010/main" val="0"/>
-              </a:ext>
-            </a:extLst>
-          </a:blip>
-          <a:srcRect l="21460" t="59530" r="30787" b="16688"/>
-          <a:stretch/>
-        </p:blipFill>
-        <p:spPr>
-          <a:xfrm>
-            <a:off x="1416365" y="2085654"/>
-            <a:ext cx="6311270" cy="1767156"/>
-          </a:xfrm>
-          <a:prstGeom prst="rect">
-            <a:avLst/>
-          </a:prstGeom>
-        </p:spPr>
-      </p:pic>
-    </p:spTree>
-    <p:extLst>
-      <p:ext uri="{BB962C8B-B14F-4D97-AF65-F5344CB8AC3E}">
-        <p14:creationId xmlns:p14="http://schemas.microsoft.com/office/powerpoint/2010/main" val="3621953613"/>
-      </p:ext>
-    </p:extLst>
-  </p:cSld>
-  <p:clrMapOvr>
-    <a:masterClrMapping/>
-  </p:clrMapOvr>
-  <p:timing>
-    <p:tnLst>
-      <p:par>
-        <p:cTn id="1" dur="indefinite" restart="never" nodeType="tmRoot"/>
-      </p:par>
-    </p:tnLst>
-  </p:timing>
-</p:sld>
-</file>
-
-<file path=ppt/slides/slide13.xml><?xml version="1.0" encoding="utf-8"?>
-<p:sld xmlns:a="http://schemas.openxmlformats.org/drawingml/2006/main" xmlns:r="http://schemas.openxmlformats.org/officeDocument/2006/relationships" xmlns:p="http://schemas.openxmlformats.org/presentationml/2006/main" show="0">
-  <p:cSld>
-    <p:spTree>
-      <p:nvGrpSpPr>
-        <p:cNvPr id="1" name="Shape 100"/>
-        <p:cNvGrpSpPr/>
-        <p:nvPr/>
-      </p:nvGrpSpPr>
-      <p:grpSpPr>
-        <a:xfrm>
-          <a:off x="0" y="0"/>
-          <a:ext cx="0" cy="0"/>
-          <a:chOff x="0" y="0"/>
-          <a:chExt cx="0" cy="0"/>
-        </a:xfrm>
-      </p:grpSpPr>
-      <p:sp>
-        <p:nvSpPr>
-          <p:cNvPr id="103" name="Google Shape;103;p20"/>
-          <p:cNvSpPr txBox="1">
-            <a:spLocks noGrp="1"/>
-          </p:cNvSpPr>
-          <p:nvPr>
-            <p:ph type="title"/>
-          </p:nvPr>
-        </p:nvSpPr>
-        <p:spPr>
-          <a:xfrm>
-            <a:off x="311700" y="445025"/>
-            <a:ext cx="8520600" cy="613200"/>
-          </a:xfrm>
-          <a:prstGeom prst="rect">
-            <a:avLst/>
-          </a:prstGeom>
-        </p:spPr>
-        <p:txBody>
-          <a:bodyPr spcFirstLastPara="1" wrap="square" lIns="91425" tIns="91425" rIns="91425" bIns="91425" anchor="t" anchorCtr="0">
-            <a:noAutofit/>
-          </a:bodyPr>
-          <a:lstStyle/>
-          <a:p>
-            <a:pPr marL="0" lvl="0" indent="0" algn="l" rtl="0">
-              <a:spcBef>
-                <a:spcPts val="0"/>
-              </a:spcBef>
-              <a:spcAft>
-                <a:spcPts val="0"/>
-              </a:spcAft>
-              <a:buNone/>
-            </a:pPr>
-            <a:r>
-              <a:rPr lang="en-US" dirty="0" smtClean="0"/>
-              <a:t>Huffman</a:t>
-            </a:r>
-            <a:r>
-              <a:rPr lang="en" dirty="0"/>
-              <a:t> </a:t>
-            </a:r>
-            <a:r>
-              <a:rPr lang="en" dirty="0" smtClean="0"/>
-              <a:t>Initialization </a:t>
-            </a:r>
-            <a:endParaRPr dirty="0"/>
-          </a:p>
-        </p:txBody>
-      </p:sp>
-      <p:pic>
-        <p:nvPicPr>
-          <p:cNvPr id="2" name="Picture 1"/>
-          <p:cNvPicPr>
-            <a:picLocks noChangeAspect="1"/>
-          </p:cNvPicPr>
-          <p:nvPr/>
-        </p:nvPicPr>
-        <p:blipFill rotWithShape="1">
-          <a:blip r:embed="rId3">
-            <a:extLst>
-              <a:ext uri="{28A0092B-C50C-407E-A947-70E740481C1C}">
-                <a14:useLocalDpi xmlns:a14="http://schemas.microsoft.com/office/drawing/2010/main" val="0"/>
-              </a:ext>
-            </a:extLst>
-          </a:blip>
-          <a:srcRect l="21573" t="29954" r="41348" b="26480"/>
-          <a:stretch/>
-        </p:blipFill>
-        <p:spPr>
-          <a:xfrm>
-            <a:off x="2558265" y="1551819"/>
-            <a:ext cx="4027470" cy="2660572"/>
-          </a:xfrm>
-          <a:prstGeom prst="rect">
-            <a:avLst/>
-          </a:prstGeom>
-        </p:spPr>
-      </p:pic>
-      <p:sp>
-        <p:nvSpPr>
-          <p:cNvPr id="8" name="Left Arrow 7">
-            <a:hlinkClick r:id="rId4" action="ppaction://hlinksldjump"/>
-          </p:cNvPr>
-          <p:cNvSpPr/>
-          <p:nvPr/>
-        </p:nvSpPr>
-        <p:spPr>
-          <a:xfrm flipH="1">
-            <a:off x="7958997" y="4568875"/>
-            <a:ext cx="661021" cy="434640"/>
-          </a:xfrm>
-          <a:prstGeom prst="leftArrow">
-            <a:avLst/>
-          </a:prstGeom>
-        </p:spPr>
-        <p:style>
-          <a:lnRef idx="2">
-            <a:schemeClr val="accent1">
-              <a:shade val="50000"/>
-            </a:schemeClr>
-          </a:lnRef>
-          <a:fillRef idx="1">
-            <a:schemeClr val="accent1"/>
-          </a:fillRef>
-          <a:effectRef idx="0">
-            <a:schemeClr val="accent1"/>
-          </a:effectRef>
-          <a:fontRef idx="minor">
-            <a:schemeClr val="lt1"/>
-          </a:fontRef>
-        </p:style>
-        <p:txBody>
-          <a:bodyPr rtlCol="0" anchor="ctr"/>
-          <a:lstStyle/>
-          <a:p>
-            <a:pPr algn="ctr"/>
-            <a:r>
-              <a:rPr lang="en-US" sz="1200" dirty="0" smtClean="0">
-                <a:solidFill>
-                  <a:schemeClr val="tx1"/>
-                </a:solidFill>
-              </a:rPr>
-              <a:t>Next</a:t>
-            </a:r>
-          </a:p>
-        </p:txBody>
-      </p:sp>
-    </p:spTree>
-    <p:extLst>
-      <p:ext uri="{BB962C8B-B14F-4D97-AF65-F5344CB8AC3E}">
-        <p14:creationId xmlns:p14="http://schemas.microsoft.com/office/powerpoint/2010/main" val="2950151615"/>
-      </p:ext>
-    </p:extLst>
-  </p:cSld>
-  <p:clrMapOvr>
-    <a:masterClrMapping/>
-  </p:clrMapOvr>
-  <mc:AlternateContent xmlns:mc="http://schemas.openxmlformats.org/markup-compatibility/2006" xmlns:p14="http://schemas.microsoft.com/office/powerpoint/2010/main">
-    <mc:Choice Requires="p14">
-      <p:transition spd="slow" p14:dur="2000"/>
-    </mc:Choice>
-    <mc:Fallback xmlns="">
-      <p:transition spd="slow"/>
-    </mc:Fallback>
-  </mc:AlternateContent>
-  <p:timing>
-    <p:tnLst>
-      <p:par>
-        <p:cTn id="1" dur="indefinite" restart="never" nodeType="tmRoot"/>
-      </p:par>
-    </p:tnLst>
-  </p:timing>
-</p:sld>
-</file>
-
-<file path=ppt/slides/slide14.xml><?xml version="1.0" encoding="utf-8"?>
-<p:sld xmlns:a="http://schemas.openxmlformats.org/drawingml/2006/main" xmlns:r="http://schemas.openxmlformats.org/officeDocument/2006/relationships" xmlns:p="http://schemas.openxmlformats.org/presentationml/2006/main" show="0">
-  <p:cSld>
-    <p:spTree>
-      <p:nvGrpSpPr>
-        <p:cNvPr id="1" name="Shape 100"/>
-        <p:cNvGrpSpPr/>
-        <p:nvPr/>
-      </p:nvGrpSpPr>
-      <p:grpSpPr>
-        <a:xfrm>
-          <a:off x="0" y="0"/>
-          <a:ext cx="0" cy="0"/>
-          <a:chOff x="0" y="0"/>
-          <a:chExt cx="0" cy="0"/>
-        </a:xfrm>
-      </p:grpSpPr>
-      <p:sp>
-        <p:nvSpPr>
-          <p:cNvPr id="102" name="Google Shape;102;p20"/>
-          <p:cNvSpPr txBox="1">
-            <a:spLocks noGrp="1"/>
-          </p:cNvSpPr>
-          <p:nvPr>
-            <p:ph type="body" idx="2"/>
-          </p:nvPr>
-        </p:nvSpPr>
-        <p:spPr>
-          <a:xfrm>
-            <a:off x="4832400" y="1171675"/>
-            <a:ext cx="3999900" cy="3397200"/>
-          </a:xfrm>
-          <a:prstGeom prst="rect">
-            <a:avLst/>
-          </a:prstGeom>
-        </p:spPr>
-        <p:txBody>
-          <a:bodyPr spcFirstLastPara="1" wrap="square" lIns="91425" tIns="91425" rIns="91425" bIns="91425" anchor="t" anchorCtr="0">
-            <a:noAutofit/>
-          </a:bodyPr>
-          <a:lstStyle/>
-          <a:p>
-            <a:pPr marL="0" lvl="0" indent="0" algn="l" rtl="0">
-              <a:spcBef>
-                <a:spcPts val="0"/>
-              </a:spcBef>
-              <a:spcAft>
-                <a:spcPts val="0"/>
-              </a:spcAft>
-              <a:buNone/>
-            </a:pPr>
-            <a:r>
-              <a:rPr lang="en-US" sz="1600" dirty="0" smtClean="0">
-                <a:hlinkClick r:id="rId3" action="ppaction://hlinksldjump"/>
-              </a:rPr>
-              <a:t>countFreq()</a:t>
-            </a:r>
-            <a:endParaRPr lang="en-US" sz="1600" dirty="0" smtClean="0"/>
-          </a:p>
-          <a:p>
-            <a:pPr marL="0" lvl="0" indent="0" algn="l" rtl="0">
-              <a:spcBef>
-                <a:spcPts val="0"/>
-              </a:spcBef>
-              <a:spcAft>
-                <a:spcPts val="0"/>
-              </a:spcAft>
-              <a:buNone/>
-            </a:pPr>
-            <a:r>
-              <a:rPr lang="en-US" sz="1600" dirty="0" smtClean="0">
-                <a:hlinkClick r:id="rId4" action="ppaction://hlinksldjump"/>
-              </a:rPr>
-              <a:t>getHuffmanTree()</a:t>
-            </a:r>
-            <a:endParaRPr lang="en-US" sz="1600" dirty="0" smtClean="0"/>
-          </a:p>
-          <a:p>
-            <a:pPr marL="0" lvl="0" indent="0" algn="l" rtl="0">
-              <a:spcBef>
-                <a:spcPts val="0"/>
-              </a:spcBef>
-              <a:spcAft>
-                <a:spcPts val="0"/>
-              </a:spcAft>
-              <a:buNone/>
-            </a:pPr>
-            <a:r>
-              <a:rPr lang="en-US" sz="1600" dirty="0" smtClean="0">
-                <a:hlinkClick r:id="rId5" action="ppaction://hlinksldjump"/>
-              </a:rPr>
-              <a:t>buildCodeTable()</a:t>
-            </a:r>
-            <a:endParaRPr sz="1600" dirty="0"/>
-          </a:p>
-        </p:txBody>
-      </p:sp>
-      <p:sp>
-        <p:nvSpPr>
-          <p:cNvPr id="103" name="Google Shape;103;p20"/>
-          <p:cNvSpPr txBox="1">
-            <a:spLocks noGrp="1"/>
-          </p:cNvSpPr>
-          <p:nvPr>
-            <p:ph type="title"/>
-          </p:nvPr>
-        </p:nvSpPr>
-        <p:spPr>
-          <a:xfrm>
-            <a:off x="311700" y="445025"/>
-            <a:ext cx="8520600" cy="613200"/>
-          </a:xfrm>
-          <a:prstGeom prst="rect">
-            <a:avLst/>
-          </a:prstGeom>
-        </p:spPr>
-        <p:txBody>
-          <a:bodyPr spcFirstLastPara="1" wrap="square" lIns="91425" tIns="91425" rIns="91425" bIns="91425" anchor="t" anchorCtr="0">
-            <a:noAutofit/>
-          </a:bodyPr>
-          <a:lstStyle/>
-          <a:p>
-            <a:pPr marL="0" lvl="0" indent="0" algn="l" rtl="0">
-              <a:spcBef>
-                <a:spcPts val="0"/>
-              </a:spcBef>
-              <a:spcAft>
-                <a:spcPts val="0"/>
-              </a:spcAft>
-              <a:buNone/>
-            </a:pPr>
-            <a:r>
-              <a:rPr lang="en-US" dirty="0" smtClean="0"/>
-              <a:t>Huffman</a:t>
-            </a:r>
-            <a:r>
-              <a:rPr lang="en" dirty="0" smtClean="0"/>
-              <a:t>(String)</a:t>
-            </a:r>
-            <a:endParaRPr dirty="0"/>
-          </a:p>
-        </p:txBody>
-      </p:sp>
-      <p:pic>
-        <p:nvPicPr>
-          <p:cNvPr id="2" name="Picture 1"/>
-          <p:cNvPicPr>
-            <a:picLocks noChangeAspect="1"/>
-          </p:cNvPicPr>
-          <p:nvPr/>
-        </p:nvPicPr>
-        <p:blipFill rotWithShape="1">
-          <a:blip r:embed="rId6">
-            <a:extLst>
-              <a:ext uri="{28A0092B-C50C-407E-A947-70E740481C1C}">
-                <a14:useLocalDpi xmlns:a14="http://schemas.microsoft.com/office/drawing/2010/main" val="0"/>
-              </a:ext>
-            </a:extLst>
-          </a:blip>
-          <a:srcRect l="21573" t="24157" r="32472" b="23882"/>
-          <a:stretch/>
-        </p:blipFill>
-        <p:spPr>
-          <a:xfrm>
-            <a:off x="369869" y="1356189"/>
-            <a:ext cx="4202131" cy="2671281"/>
-          </a:xfrm>
-          <a:prstGeom prst="rect">
-            <a:avLst/>
-          </a:prstGeom>
-        </p:spPr>
-      </p:pic>
-      <p:sp>
-        <p:nvSpPr>
-          <p:cNvPr id="7" name="Left Arrow 6">
-            <a:hlinkClick r:id="rId7" action="ppaction://hlinksldjump"/>
-          </p:cNvPr>
-          <p:cNvSpPr/>
-          <p:nvPr/>
-        </p:nvSpPr>
-        <p:spPr>
-          <a:xfrm>
-            <a:off x="311700" y="4568875"/>
-            <a:ext cx="664345" cy="434640"/>
-          </a:xfrm>
-          <a:prstGeom prst="leftArrow">
-            <a:avLst/>
-          </a:prstGeom>
-        </p:spPr>
-        <p:style>
-          <a:lnRef idx="2">
-            <a:schemeClr val="accent1">
-              <a:shade val="50000"/>
-            </a:schemeClr>
-          </a:lnRef>
-          <a:fillRef idx="1">
-            <a:schemeClr val="accent1"/>
-          </a:fillRef>
-          <a:effectRef idx="0">
-            <a:schemeClr val="accent1"/>
-          </a:effectRef>
-          <a:fontRef idx="minor">
-            <a:schemeClr val="lt1"/>
-          </a:fontRef>
-        </p:style>
-        <p:txBody>
-          <a:bodyPr rtlCol="0" anchor="ctr"/>
-          <a:lstStyle/>
-          <a:p>
-            <a:pPr algn="ctr"/>
-            <a:r>
-              <a:rPr lang="en-US" sz="1200" dirty="0" smtClean="0">
-                <a:solidFill>
-                  <a:schemeClr val="tx1"/>
-                </a:solidFill>
-              </a:rPr>
-              <a:t>Back</a:t>
-            </a:r>
-            <a:endParaRPr lang="en-US" sz="1200" dirty="0">
-              <a:solidFill>
-                <a:schemeClr val="tx1"/>
-              </a:solidFill>
-            </a:endParaRPr>
-          </a:p>
-        </p:txBody>
-      </p:sp>
-    </p:spTree>
-    <p:extLst>
-      <p:ext uri="{BB962C8B-B14F-4D97-AF65-F5344CB8AC3E}">
-        <p14:creationId xmlns:p14="http://schemas.microsoft.com/office/powerpoint/2010/main" val="2754399054"/>
-      </p:ext>
-    </p:extLst>
-  </p:cSld>
-  <p:clrMapOvr>
-    <a:masterClrMapping/>
-  </p:clrMapOvr>
-  <mc:AlternateContent xmlns:mc="http://schemas.openxmlformats.org/markup-compatibility/2006" xmlns:p14="http://schemas.microsoft.com/office/powerpoint/2010/main">
-    <mc:Choice Requires="p14">
-      <p:transition spd="slow" p14:dur="2000"/>
-    </mc:Choice>
-    <mc:Fallback xmlns="">
-      <p:transition spd="slow"/>
-    </mc:Fallback>
-  </mc:AlternateContent>
-  <p:timing>
-    <p:tnLst>
-      <p:par>
-        <p:cTn id="1" dur="indefinite" restart="never" nodeType="tmRoot"/>
-      </p:par>
-    </p:tnLst>
-  </p:timing>
-</p:sld>
-</file>
-
-<file path=ppt/slides/slide15.xml><?xml version="1.0" encoding="utf-8"?>
-<p:sld xmlns:a="http://schemas.openxmlformats.org/drawingml/2006/main" xmlns:r="http://schemas.openxmlformats.org/officeDocument/2006/relationships" xmlns:p="http://schemas.openxmlformats.org/presentationml/2006/main" show="0">
-  <p:cSld>
-    <p:spTree>
-      <p:nvGrpSpPr>
-        <p:cNvPr id="1" name="Shape 100"/>
-        <p:cNvGrpSpPr/>
-        <p:nvPr/>
-      </p:nvGrpSpPr>
-      <p:grpSpPr>
-        <a:xfrm>
-          <a:off x="0" y="0"/>
-          <a:ext cx="0" cy="0"/>
-          <a:chOff x="0" y="0"/>
-          <a:chExt cx="0" cy="0"/>
-        </a:xfrm>
-      </p:grpSpPr>
-      <p:sp>
-        <p:nvSpPr>
-          <p:cNvPr id="103" name="Google Shape;103;p20"/>
-          <p:cNvSpPr txBox="1">
-            <a:spLocks noGrp="1"/>
-          </p:cNvSpPr>
-          <p:nvPr>
-            <p:ph type="title"/>
-          </p:nvPr>
-        </p:nvSpPr>
-        <p:spPr>
-          <a:xfrm>
-            <a:off x="311700" y="445025"/>
-            <a:ext cx="8520600" cy="613200"/>
-          </a:xfrm>
-          <a:prstGeom prst="rect">
-            <a:avLst/>
-          </a:prstGeom>
-        </p:spPr>
-        <p:txBody>
-          <a:bodyPr spcFirstLastPara="1" wrap="square" lIns="91425" tIns="91425" rIns="91425" bIns="91425" anchor="t" anchorCtr="0">
-            <a:noAutofit/>
-          </a:bodyPr>
-          <a:lstStyle/>
-          <a:p>
-            <a:pPr marL="0" lvl="0" indent="0" algn="l" rtl="0">
-              <a:spcBef>
-                <a:spcPts val="0"/>
-              </a:spcBef>
-              <a:spcAft>
-                <a:spcPts val="0"/>
-              </a:spcAft>
-              <a:buNone/>
-            </a:pPr>
-            <a:r>
-              <a:rPr lang="en-US" dirty="0" smtClean="0"/>
-              <a:t>countFreq()</a:t>
-            </a:r>
-            <a:endParaRPr dirty="0"/>
-          </a:p>
-        </p:txBody>
-      </p:sp>
-      <p:pic>
-        <p:nvPicPr>
-          <p:cNvPr id="3" name="Picture 2"/>
-          <p:cNvPicPr>
-            <a:picLocks noChangeAspect="1"/>
-          </p:cNvPicPr>
-          <p:nvPr/>
-        </p:nvPicPr>
-        <p:blipFill rotWithShape="1">
-          <a:blip r:embed="rId3">
-            <a:extLst>
-              <a:ext uri="{28A0092B-C50C-407E-A947-70E740481C1C}">
-                <a14:useLocalDpi xmlns:a14="http://schemas.microsoft.com/office/drawing/2010/main" val="0"/>
-              </a:ext>
-            </a:extLst>
-          </a:blip>
-          <a:srcRect l="21573" t="34350" r="40674" b="36872"/>
-          <a:stretch/>
-        </p:blipFill>
-        <p:spPr>
-          <a:xfrm>
-            <a:off x="2282576" y="1736332"/>
-            <a:ext cx="4578848" cy="1962364"/>
-          </a:xfrm>
-          <a:prstGeom prst="rect">
-            <a:avLst/>
-          </a:prstGeom>
-        </p:spPr>
-      </p:pic>
-      <p:sp>
-        <p:nvSpPr>
-          <p:cNvPr id="5" name="Left Arrow 4">
-            <a:hlinkClick r:id="rId4" action="ppaction://hlinksldjump"/>
-          </p:cNvPr>
-          <p:cNvSpPr/>
-          <p:nvPr/>
-        </p:nvSpPr>
-        <p:spPr>
-          <a:xfrm>
-            <a:off x="311700" y="4579149"/>
-            <a:ext cx="664345" cy="434640"/>
-          </a:xfrm>
-          <a:prstGeom prst="leftArrow">
-            <a:avLst/>
-          </a:prstGeom>
-        </p:spPr>
-        <p:style>
-          <a:lnRef idx="2">
-            <a:schemeClr val="accent1">
-              <a:shade val="50000"/>
-            </a:schemeClr>
-          </a:lnRef>
-          <a:fillRef idx="1">
-            <a:schemeClr val="accent1"/>
-          </a:fillRef>
-          <a:effectRef idx="0">
-            <a:schemeClr val="accent1"/>
-          </a:effectRef>
-          <a:fontRef idx="minor">
-            <a:schemeClr val="lt1"/>
-          </a:fontRef>
-        </p:style>
-        <p:txBody>
-          <a:bodyPr rtlCol="0" anchor="ctr"/>
-          <a:lstStyle/>
-          <a:p>
-            <a:pPr algn="ctr"/>
-            <a:r>
-              <a:rPr lang="en-US" sz="1200" dirty="0" smtClean="0">
-                <a:solidFill>
-                  <a:schemeClr val="tx1"/>
-                </a:solidFill>
-              </a:rPr>
-              <a:t>Back</a:t>
-            </a:r>
-            <a:endParaRPr lang="en-US" sz="1200" dirty="0">
-              <a:solidFill>
-                <a:schemeClr val="tx1"/>
-              </a:solidFill>
-            </a:endParaRPr>
-          </a:p>
-        </p:txBody>
-      </p:sp>
-    </p:spTree>
-    <p:extLst>
-      <p:ext uri="{BB962C8B-B14F-4D97-AF65-F5344CB8AC3E}">
-        <p14:creationId xmlns:p14="http://schemas.microsoft.com/office/powerpoint/2010/main" val="1165871341"/>
-      </p:ext>
-    </p:extLst>
-  </p:cSld>
-  <p:clrMapOvr>
-    <a:masterClrMapping/>
-  </p:clrMapOvr>
-  <mc:AlternateContent xmlns:mc="http://schemas.openxmlformats.org/markup-compatibility/2006" xmlns:p14="http://schemas.microsoft.com/office/powerpoint/2010/main">
-    <mc:Choice Requires="p14">
-      <p:transition spd="slow" p14:dur="2000"/>
-    </mc:Choice>
-    <mc:Fallback xmlns="">
-      <p:transition spd="slow"/>
-    </mc:Fallback>
-  </mc:AlternateContent>
-  <p:timing>
-    <p:tnLst>
-      <p:par>
-        <p:cTn id="1" dur="indefinite" restart="never" nodeType="tmRoot"/>
-      </p:par>
-    </p:tnLst>
-  </p:timing>
-</p:sld>
-</file>
-
-<file path=ppt/slides/slide16.xml><?xml version="1.0" encoding="utf-8"?>
-<p:sld xmlns:a="http://schemas.openxmlformats.org/drawingml/2006/main" xmlns:r="http://schemas.openxmlformats.org/officeDocument/2006/relationships" xmlns:p="http://schemas.openxmlformats.org/presentationml/2006/main" show="0">
-  <p:cSld>
-    <p:spTree>
-      <p:nvGrpSpPr>
-        <p:cNvPr id="1" name="Shape 100"/>
-        <p:cNvGrpSpPr/>
-        <p:nvPr/>
-      </p:nvGrpSpPr>
-      <p:grpSpPr>
-        <a:xfrm>
-          <a:off x="0" y="0"/>
-          <a:ext cx="0" cy="0"/>
-          <a:chOff x="0" y="0"/>
-          <a:chExt cx="0" cy="0"/>
-        </a:xfrm>
-      </p:grpSpPr>
-      <p:sp>
-        <p:nvSpPr>
-          <p:cNvPr id="103" name="Google Shape;103;p20"/>
-          <p:cNvSpPr txBox="1">
-            <a:spLocks noGrp="1"/>
-          </p:cNvSpPr>
-          <p:nvPr>
-            <p:ph type="title"/>
-          </p:nvPr>
-        </p:nvSpPr>
-        <p:spPr>
-          <a:xfrm>
-            <a:off x="311700" y="445025"/>
-            <a:ext cx="8520600" cy="613200"/>
-          </a:xfrm>
-          <a:prstGeom prst="rect">
-            <a:avLst/>
-          </a:prstGeom>
-        </p:spPr>
-        <p:txBody>
-          <a:bodyPr spcFirstLastPara="1" wrap="square" lIns="91425" tIns="91425" rIns="91425" bIns="91425" anchor="t" anchorCtr="0">
-            <a:noAutofit/>
-          </a:bodyPr>
-          <a:lstStyle/>
-          <a:p>
-            <a:pPr marL="0" lvl="0" indent="0" algn="l" rtl="0">
-              <a:spcBef>
-                <a:spcPts val="0"/>
-              </a:spcBef>
-              <a:spcAft>
-                <a:spcPts val="0"/>
-              </a:spcAft>
-              <a:buNone/>
-            </a:pPr>
-            <a:r>
-              <a:rPr lang="en-US" dirty="0" smtClean="0"/>
-              <a:t>getHuffmanTree()</a:t>
-            </a:r>
-            <a:endParaRPr dirty="0"/>
-          </a:p>
-        </p:txBody>
-      </p:sp>
-      <p:pic>
-        <p:nvPicPr>
-          <p:cNvPr id="3" name="Picture 2"/>
-          <p:cNvPicPr>
-            <a:picLocks noChangeAspect="1"/>
-          </p:cNvPicPr>
-          <p:nvPr/>
-        </p:nvPicPr>
-        <p:blipFill rotWithShape="1">
-          <a:blip r:embed="rId3">
-            <a:extLst>
-              <a:ext uri="{28A0092B-C50C-407E-A947-70E740481C1C}">
-                <a14:useLocalDpi xmlns:a14="http://schemas.microsoft.com/office/drawing/2010/main" val="0"/>
-              </a:ext>
-            </a:extLst>
-          </a:blip>
-          <a:srcRect l="21574" t="25556" r="23932" b="31677"/>
-          <a:stretch/>
-        </p:blipFill>
-        <p:spPr>
-          <a:xfrm>
-            <a:off x="2080517" y="1273997"/>
-            <a:ext cx="4982966" cy="2198670"/>
-          </a:xfrm>
-          <a:prstGeom prst="rect">
-            <a:avLst/>
-          </a:prstGeom>
-        </p:spPr>
-      </p:pic>
-      <p:sp>
-        <p:nvSpPr>
-          <p:cNvPr id="6" name="Left Arrow 5">
-            <a:hlinkClick r:id="rId4" action="ppaction://hlinksldjump"/>
-          </p:cNvPr>
-          <p:cNvSpPr/>
-          <p:nvPr/>
-        </p:nvSpPr>
-        <p:spPr>
-          <a:xfrm>
-            <a:off x="311700" y="4568875"/>
-            <a:ext cx="664345" cy="434640"/>
-          </a:xfrm>
-          <a:prstGeom prst="leftArrow">
-            <a:avLst/>
-          </a:prstGeom>
-        </p:spPr>
-        <p:style>
-          <a:lnRef idx="2">
-            <a:schemeClr val="accent1">
-              <a:shade val="50000"/>
-            </a:schemeClr>
-          </a:lnRef>
-          <a:fillRef idx="1">
-            <a:schemeClr val="accent1"/>
-          </a:fillRef>
-          <a:effectRef idx="0">
-            <a:schemeClr val="accent1"/>
-          </a:effectRef>
-          <a:fontRef idx="minor">
-            <a:schemeClr val="lt1"/>
-          </a:fontRef>
-        </p:style>
-        <p:txBody>
-          <a:bodyPr rtlCol="0" anchor="ctr"/>
-          <a:lstStyle/>
-          <a:p>
-            <a:pPr algn="ctr"/>
-            <a:r>
-              <a:rPr lang="en-US" sz="1200" dirty="0" smtClean="0">
-                <a:solidFill>
-                  <a:schemeClr val="tx1"/>
-                </a:solidFill>
-              </a:rPr>
-              <a:t>Back</a:t>
-            </a:r>
-            <a:endParaRPr lang="en-US" sz="1200" dirty="0">
-              <a:solidFill>
-                <a:schemeClr val="tx1"/>
-              </a:solidFill>
-            </a:endParaRPr>
-          </a:p>
-        </p:txBody>
-      </p:sp>
-      <p:pic>
-        <p:nvPicPr>
-          <p:cNvPr id="7" name="Picture 6"/>
-          <p:cNvPicPr>
-            <a:picLocks noChangeAspect="1"/>
-          </p:cNvPicPr>
-          <p:nvPr/>
-        </p:nvPicPr>
-        <p:blipFill rotWithShape="1">
-          <a:blip r:embed="rId5">
-            <a:extLst>
-              <a:ext uri="{28A0092B-C50C-407E-A947-70E740481C1C}">
-                <a14:useLocalDpi xmlns:a14="http://schemas.microsoft.com/office/drawing/2010/main" val="0"/>
-              </a:ext>
-            </a:extLst>
-          </a:blip>
-          <a:srcRect l="21574" t="45741" r="31910" b="34074"/>
-          <a:stretch/>
-        </p:blipFill>
-        <p:spPr>
-          <a:xfrm>
-            <a:off x="2108342" y="3472667"/>
-            <a:ext cx="4927316" cy="1202076"/>
-          </a:xfrm>
-          <a:prstGeom prst="rect">
-            <a:avLst/>
-          </a:prstGeom>
-        </p:spPr>
-      </p:pic>
-    </p:spTree>
-    <p:extLst>
-      <p:ext uri="{BB962C8B-B14F-4D97-AF65-F5344CB8AC3E}">
-        <p14:creationId xmlns:p14="http://schemas.microsoft.com/office/powerpoint/2010/main" val="1560920553"/>
-      </p:ext>
-    </p:extLst>
-  </p:cSld>
-  <p:clrMapOvr>
-    <a:masterClrMapping/>
-  </p:clrMapOvr>
-  <mc:AlternateContent xmlns:mc="http://schemas.openxmlformats.org/markup-compatibility/2006" xmlns:p14="http://schemas.microsoft.com/office/powerpoint/2010/main">
-    <mc:Choice Requires="p14">
-      <p:transition spd="slow" p14:dur="2000"/>
-    </mc:Choice>
-    <mc:Fallback xmlns="">
-      <p:transition spd="slow"/>
-    </mc:Fallback>
-  </mc:AlternateContent>
-  <p:timing>
-    <p:tnLst>
-      <p:par>
-        <p:cTn id="1" dur="indefinite" restart="never" nodeType="tmRoot"/>
-      </p:par>
-    </p:tnLst>
-  </p:timing>
-</p:sld>
-</file>
-
-<file path=ppt/slides/slide17.xml><?xml version="1.0" encoding="utf-8"?>
-<p:sld xmlns:a="http://schemas.openxmlformats.org/drawingml/2006/main" xmlns:r="http://schemas.openxmlformats.org/officeDocument/2006/relationships" xmlns:p="http://schemas.openxmlformats.org/presentationml/2006/main" show="0">
-  <p:cSld>
-    <p:spTree>
-      <p:nvGrpSpPr>
-        <p:cNvPr id="1" name="Shape 100"/>
-        <p:cNvGrpSpPr/>
-        <p:nvPr/>
-      </p:nvGrpSpPr>
-      <p:grpSpPr>
-        <a:xfrm>
-          <a:off x="0" y="0"/>
-          <a:ext cx="0" cy="0"/>
-          <a:chOff x="0" y="0"/>
-          <a:chExt cx="0" cy="0"/>
-        </a:xfrm>
-      </p:grpSpPr>
-      <p:sp>
-        <p:nvSpPr>
-          <p:cNvPr id="103" name="Google Shape;103;p20"/>
-          <p:cNvSpPr txBox="1">
-            <a:spLocks noGrp="1"/>
-          </p:cNvSpPr>
-          <p:nvPr>
-            <p:ph type="title"/>
-          </p:nvPr>
-        </p:nvSpPr>
-        <p:spPr>
-          <a:xfrm>
-            <a:off x="311700" y="445025"/>
-            <a:ext cx="8520600" cy="613200"/>
-          </a:xfrm>
-          <a:prstGeom prst="rect">
-            <a:avLst/>
-          </a:prstGeom>
-        </p:spPr>
-        <p:txBody>
-          <a:bodyPr spcFirstLastPara="1" wrap="square" lIns="91425" tIns="91425" rIns="91425" bIns="91425" anchor="t" anchorCtr="0">
-            <a:noAutofit/>
-          </a:bodyPr>
-          <a:lstStyle/>
-          <a:p>
-            <a:pPr marL="0" lvl="0" indent="0" algn="l" rtl="0">
-              <a:spcBef>
-                <a:spcPts val="0"/>
-              </a:spcBef>
-              <a:spcAft>
-                <a:spcPts val="0"/>
-              </a:spcAft>
-              <a:buNone/>
-            </a:pPr>
-            <a:r>
-              <a:rPr lang="en-US" dirty="0" smtClean="0"/>
-              <a:t>buildCodeTable()</a:t>
-            </a:r>
-            <a:endParaRPr dirty="0"/>
-          </a:p>
-        </p:txBody>
-      </p:sp>
-      <p:pic>
-        <p:nvPicPr>
-          <p:cNvPr id="3" name="Picture 2"/>
-          <p:cNvPicPr>
-            <a:picLocks noChangeAspect="1"/>
-          </p:cNvPicPr>
-          <p:nvPr/>
-        </p:nvPicPr>
-        <p:blipFill rotWithShape="1">
-          <a:blip r:embed="rId3">
-            <a:extLst>
-              <a:ext uri="{28A0092B-C50C-407E-A947-70E740481C1C}">
-                <a14:useLocalDpi xmlns:a14="http://schemas.microsoft.com/office/drawing/2010/main" val="0"/>
-              </a:ext>
-            </a:extLst>
-          </a:blip>
-          <a:srcRect l="21460" t="34350" r="28202" b="21484"/>
-          <a:stretch/>
-        </p:blipFill>
-        <p:spPr>
-          <a:xfrm>
-            <a:off x="2270588" y="1765803"/>
-            <a:ext cx="4602823" cy="2270589"/>
-          </a:xfrm>
-          <a:prstGeom prst="rect">
-            <a:avLst/>
-          </a:prstGeom>
-        </p:spPr>
-      </p:pic>
-      <p:sp>
-        <p:nvSpPr>
-          <p:cNvPr id="7" name="Left Arrow 6">
-            <a:hlinkClick r:id="rId4" action="ppaction://hlinksldjump"/>
-          </p:cNvPr>
-          <p:cNvSpPr/>
-          <p:nvPr/>
-        </p:nvSpPr>
-        <p:spPr>
-          <a:xfrm>
-            <a:off x="311700" y="4568875"/>
-            <a:ext cx="664345" cy="434640"/>
-          </a:xfrm>
-          <a:prstGeom prst="leftArrow">
-            <a:avLst/>
-          </a:prstGeom>
-        </p:spPr>
-        <p:style>
-          <a:lnRef idx="2">
-            <a:schemeClr val="accent1">
-              <a:shade val="50000"/>
-            </a:schemeClr>
-          </a:lnRef>
-          <a:fillRef idx="1">
-            <a:schemeClr val="accent1"/>
-          </a:fillRef>
-          <a:effectRef idx="0">
-            <a:schemeClr val="accent1"/>
-          </a:effectRef>
-          <a:fontRef idx="minor">
-            <a:schemeClr val="lt1"/>
-          </a:fontRef>
-        </p:style>
-        <p:txBody>
-          <a:bodyPr rtlCol="0" anchor="ctr"/>
-          <a:lstStyle/>
-          <a:p>
-            <a:pPr algn="ctr"/>
-            <a:r>
-              <a:rPr lang="en-US" sz="1200" dirty="0" smtClean="0">
-                <a:solidFill>
-                  <a:schemeClr val="tx1"/>
-                </a:solidFill>
-              </a:rPr>
-              <a:t>Back</a:t>
-            </a:r>
-            <a:endParaRPr lang="en-US" sz="1200" dirty="0">
-              <a:solidFill>
-                <a:schemeClr val="tx1"/>
-              </a:solidFill>
-            </a:endParaRPr>
-          </a:p>
-        </p:txBody>
-      </p:sp>
-    </p:spTree>
-    <p:extLst>
-      <p:ext uri="{BB962C8B-B14F-4D97-AF65-F5344CB8AC3E}">
-        <p14:creationId xmlns:p14="http://schemas.microsoft.com/office/powerpoint/2010/main" val="2825245708"/>
-      </p:ext>
-    </p:extLst>
-  </p:cSld>
-  <p:clrMapOvr>
-    <a:masterClrMapping/>
-  </p:clrMapOvr>
-  <mc:AlternateContent xmlns:mc="http://schemas.openxmlformats.org/markup-compatibility/2006" xmlns:p14="http://schemas.microsoft.com/office/powerpoint/2010/main">
-    <mc:Choice Requires="p14">
-      <p:transition spd="slow" p14:dur="2000"/>
-    </mc:Choice>
-    <mc:Fallback xmlns="">
-      <p:transition spd="slow"/>
-    </mc:Fallback>
-  </mc:AlternateContent>
-  <p:timing>
-    <p:tnLst>
-      <p:par>
-        <p:cTn id="1" dur="indefinite" restart="never" nodeType="tmRoot"/>
-      </p:par>
-    </p:tnLst>
-  </p:timing>
-</p:sld>
-</file>
-
-<file path=ppt/slides/slide18.xml><?xml version="1.0" encoding="utf-8"?>
-<p:sld xmlns:a="http://schemas.openxmlformats.org/drawingml/2006/main" xmlns:r="http://schemas.openxmlformats.org/officeDocument/2006/relationships" xmlns:p="http://schemas.openxmlformats.org/presentationml/2006/main" show="0">
-  <p:cSld>
-    <p:spTree>
-      <p:nvGrpSpPr>
-        <p:cNvPr id="1" name="Shape 100"/>
-        <p:cNvGrpSpPr/>
-        <p:nvPr/>
-      </p:nvGrpSpPr>
-      <p:grpSpPr>
-        <a:xfrm>
-          <a:off x="0" y="0"/>
-          <a:ext cx="0" cy="0"/>
-          <a:chOff x="0" y="0"/>
-          <a:chExt cx="0" cy="0"/>
-        </a:xfrm>
-      </p:grpSpPr>
-      <p:sp>
-        <p:nvSpPr>
-          <p:cNvPr id="103" name="Google Shape;103;p20"/>
-          <p:cNvSpPr txBox="1">
-            <a:spLocks noGrp="1"/>
-          </p:cNvSpPr>
-          <p:nvPr>
-            <p:ph type="title"/>
-          </p:nvPr>
-        </p:nvSpPr>
-        <p:spPr>
-          <a:xfrm>
-            <a:off x="311700" y="445025"/>
-            <a:ext cx="8520600" cy="613200"/>
-          </a:xfrm>
-          <a:prstGeom prst="rect">
-            <a:avLst/>
-          </a:prstGeom>
-        </p:spPr>
-        <p:txBody>
-          <a:bodyPr spcFirstLastPara="1" wrap="square" lIns="91425" tIns="91425" rIns="91425" bIns="91425" anchor="t" anchorCtr="0">
-            <a:noAutofit/>
-          </a:bodyPr>
-          <a:lstStyle/>
-          <a:p>
-            <a:pPr marL="0" lvl="0" indent="0" algn="l" rtl="0">
-              <a:spcBef>
-                <a:spcPts val="0"/>
-              </a:spcBef>
-              <a:spcAft>
-                <a:spcPts val="0"/>
-              </a:spcAft>
-              <a:buNone/>
-            </a:pPr>
-            <a:r>
-              <a:rPr lang="en-US" dirty="0" smtClean="0"/>
-              <a:t>encode() &amp; decode()</a:t>
-            </a:r>
-            <a:endParaRPr dirty="0"/>
-          </a:p>
-        </p:txBody>
-      </p:sp>
-      <p:pic>
-        <p:nvPicPr>
-          <p:cNvPr id="2" name="Picture 1"/>
-          <p:cNvPicPr>
-            <a:picLocks noChangeAspect="1"/>
-          </p:cNvPicPr>
-          <p:nvPr/>
-        </p:nvPicPr>
-        <p:blipFill rotWithShape="1">
-          <a:blip r:embed="rId3">
-            <a:extLst>
-              <a:ext uri="{28A0092B-C50C-407E-A947-70E740481C1C}">
-                <a14:useLocalDpi xmlns:a14="http://schemas.microsoft.com/office/drawing/2010/main" val="0"/>
-              </a:ext>
-            </a:extLst>
-          </a:blip>
-          <a:srcRect l="21460" t="20361" r="37528" b="15488"/>
-          <a:stretch/>
-        </p:blipFill>
-        <p:spPr>
-          <a:xfrm>
-            <a:off x="2696966" y="1315092"/>
-            <a:ext cx="3750067" cy="3298006"/>
-          </a:xfrm>
-          <a:prstGeom prst="rect">
-            <a:avLst/>
-          </a:prstGeom>
-        </p:spPr>
-      </p:pic>
-      <p:sp>
-        <p:nvSpPr>
-          <p:cNvPr id="5" name="Left Arrow 4">
-            <a:hlinkClick r:id="rId4" action="ppaction://hlinksldjump"/>
-          </p:cNvPr>
-          <p:cNvSpPr/>
-          <p:nvPr/>
-        </p:nvSpPr>
-        <p:spPr>
-          <a:xfrm>
-            <a:off x="311700" y="4538053"/>
-            <a:ext cx="664345" cy="434640"/>
-          </a:xfrm>
-          <a:prstGeom prst="leftArrow">
-            <a:avLst/>
-          </a:prstGeom>
-        </p:spPr>
-        <p:style>
-          <a:lnRef idx="2">
-            <a:schemeClr val="accent1">
-              <a:shade val="50000"/>
-            </a:schemeClr>
-          </a:lnRef>
-          <a:fillRef idx="1">
-            <a:schemeClr val="accent1"/>
-          </a:fillRef>
-          <a:effectRef idx="0">
-            <a:schemeClr val="accent1"/>
-          </a:effectRef>
-          <a:fontRef idx="minor">
-            <a:schemeClr val="lt1"/>
-          </a:fontRef>
-        </p:style>
-        <p:txBody>
-          <a:bodyPr rtlCol="0" anchor="ctr"/>
-          <a:lstStyle/>
-          <a:p>
-            <a:pPr algn="ctr"/>
-            <a:r>
-              <a:rPr lang="en-US" sz="1200" dirty="0" smtClean="0">
-                <a:solidFill>
-                  <a:schemeClr val="tx1"/>
-                </a:solidFill>
-              </a:rPr>
-              <a:t>Back</a:t>
-            </a:r>
-            <a:endParaRPr lang="en-US" sz="1200" dirty="0">
-              <a:solidFill>
-                <a:schemeClr val="tx1"/>
-              </a:solidFill>
-            </a:endParaRPr>
-          </a:p>
-        </p:txBody>
-      </p:sp>
-    </p:spTree>
-    <p:extLst>
-      <p:ext uri="{BB962C8B-B14F-4D97-AF65-F5344CB8AC3E}">
-        <p14:creationId xmlns:p14="http://schemas.microsoft.com/office/powerpoint/2010/main" val="3759341298"/>
-      </p:ext>
-    </p:extLst>
-  </p:cSld>
-  <p:clrMapOvr>
-    <a:masterClrMapping/>
-  </p:clrMapOvr>
-  <mc:AlternateContent xmlns:mc="http://schemas.openxmlformats.org/markup-compatibility/2006" xmlns:p14="http://schemas.microsoft.com/office/powerpoint/2010/main">
-    <mc:Choice Requires="p14">
-      <p:transition spd="slow" p14:dur="2000"/>
-    </mc:Choice>
-    <mc:Fallback xmlns="">
-      <p:transition spd="slow"/>
-    </mc:Fallback>
-  </mc:AlternateContent>
-  <p:timing>
-    <p:tnLst>
-      <p:par>
-        <p:cTn id="1" dur="indefinite" restart="never" nodeType="tmRoot"/>
-      </p:par>
-    </p:tnLst>
-  </p:timing>
-</p:sld>
-</file>
-
-<file path=ppt/slides/slide19.xml><?xml version="1.0" encoding="utf-8"?>
-<p:sld xmlns:a="http://schemas.openxmlformats.org/drawingml/2006/main" xmlns:r="http://schemas.openxmlformats.org/officeDocument/2006/relationships" xmlns:p="http://schemas.openxmlformats.org/presentationml/2006/main" show="0">
-  <p:cSld>
-    <p:spTree>
-      <p:nvGrpSpPr>
-        <p:cNvPr id="1" name="Shape 100"/>
-        <p:cNvGrpSpPr/>
-        <p:nvPr/>
-      </p:nvGrpSpPr>
-      <p:grpSpPr>
-        <a:xfrm>
-          <a:off x="0" y="0"/>
-          <a:ext cx="0" cy="0"/>
-          <a:chOff x="0" y="0"/>
-          <a:chExt cx="0" cy="0"/>
-        </a:xfrm>
-      </p:grpSpPr>
-      <p:sp>
-        <p:nvSpPr>
-          <p:cNvPr id="103" name="Google Shape;103;p20"/>
-          <p:cNvSpPr txBox="1">
-            <a:spLocks noGrp="1"/>
-          </p:cNvSpPr>
-          <p:nvPr>
-            <p:ph type="title"/>
-          </p:nvPr>
-        </p:nvSpPr>
-        <p:spPr>
-          <a:xfrm>
-            <a:off x="311700" y="445025"/>
-            <a:ext cx="8520600" cy="613200"/>
-          </a:xfrm>
-          <a:prstGeom prst="rect">
-            <a:avLst/>
-          </a:prstGeom>
-        </p:spPr>
-        <p:txBody>
-          <a:bodyPr spcFirstLastPara="1" wrap="square" lIns="91425" tIns="91425" rIns="91425" bIns="91425" anchor="t" anchorCtr="0">
-            <a:noAutofit/>
-          </a:bodyPr>
-          <a:lstStyle/>
-          <a:p>
-            <a:pPr marL="0" lvl="0" indent="0" algn="l" rtl="0">
-              <a:spcBef>
-                <a:spcPts val="0"/>
-              </a:spcBef>
-              <a:spcAft>
-                <a:spcPts val="0"/>
-              </a:spcAft>
-              <a:buNone/>
-            </a:pPr>
-            <a:r>
-              <a:rPr lang="en-US" dirty="0" err="1" smtClean="0"/>
-              <a:t>writeCodeTable</a:t>
-            </a:r>
-            <a:r>
-              <a:rPr lang="en-US" dirty="0" smtClean="0"/>
-              <a:t>(Huffman, String)</a:t>
-            </a:r>
-            <a:endParaRPr dirty="0"/>
-          </a:p>
-        </p:txBody>
-      </p:sp>
-      <p:pic>
-        <p:nvPicPr>
-          <p:cNvPr id="3" name="Picture 2"/>
-          <p:cNvPicPr>
-            <a:picLocks noChangeAspect="1"/>
-          </p:cNvPicPr>
-          <p:nvPr/>
-        </p:nvPicPr>
-        <p:blipFill rotWithShape="1">
-          <a:blip r:embed="rId3">
-            <a:extLst>
-              <a:ext uri="{28A0092B-C50C-407E-A947-70E740481C1C}">
-                <a14:useLocalDpi xmlns:a14="http://schemas.microsoft.com/office/drawing/2010/main" val="0"/>
-              </a:ext>
-            </a:extLst>
-          </a:blip>
-          <a:srcRect l="21685" t="17762" r="29551" b="13690"/>
-          <a:stretch/>
-        </p:blipFill>
-        <p:spPr>
-          <a:xfrm>
-            <a:off x="2342507" y="1181527"/>
-            <a:ext cx="4458985" cy="3524037"/>
-          </a:xfrm>
-          <a:prstGeom prst="rect">
-            <a:avLst/>
-          </a:prstGeom>
-        </p:spPr>
-      </p:pic>
-      <p:sp>
-        <p:nvSpPr>
-          <p:cNvPr id="5" name="Left Arrow 4">
-            <a:hlinkClick r:id="rId4" action="ppaction://hlinksldjump"/>
-          </p:cNvPr>
-          <p:cNvSpPr/>
-          <p:nvPr/>
-        </p:nvSpPr>
-        <p:spPr>
-          <a:xfrm>
-            <a:off x="311700" y="4568875"/>
-            <a:ext cx="664345" cy="434640"/>
-          </a:xfrm>
-          <a:prstGeom prst="leftArrow">
-            <a:avLst/>
-          </a:prstGeom>
-        </p:spPr>
-        <p:style>
-          <a:lnRef idx="2">
-            <a:schemeClr val="accent1">
-              <a:shade val="50000"/>
-            </a:schemeClr>
-          </a:lnRef>
-          <a:fillRef idx="1">
-            <a:schemeClr val="accent1"/>
-          </a:fillRef>
-          <a:effectRef idx="0">
-            <a:schemeClr val="accent1"/>
-          </a:effectRef>
-          <a:fontRef idx="minor">
-            <a:schemeClr val="lt1"/>
-          </a:fontRef>
-        </p:style>
-        <p:txBody>
-          <a:bodyPr rtlCol="0" anchor="ctr"/>
-          <a:lstStyle/>
-          <a:p>
-            <a:pPr algn="ctr"/>
-            <a:r>
-              <a:rPr lang="en-US" sz="1200" dirty="0" smtClean="0">
-                <a:solidFill>
-                  <a:schemeClr val="tx1"/>
-                </a:solidFill>
-              </a:rPr>
-              <a:t>Back</a:t>
-            </a:r>
-            <a:endParaRPr lang="en-US" sz="1200" dirty="0">
-              <a:solidFill>
-                <a:schemeClr val="tx1"/>
-              </a:solidFill>
-            </a:endParaRPr>
-          </a:p>
-        </p:txBody>
-      </p:sp>
-    </p:spTree>
-    <p:extLst>
-      <p:ext uri="{BB962C8B-B14F-4D97-AF65-F5344CB8AC3E}">
-        <p14:creationId xmlns:p14="http://schemas.microsoft.com/office/powerpoint/2010/main" val="196502111"/>
-      </p:ext>
-    </p:extLst>
-  </p:cSld>
-  <p:clrMapOvr>
-    <a:masterClrMapping/>
-  </p:clrMapOvr>
-  <mc:AlternateContent xmlns:mc="http://schemas.openxmlformats.org/markup-compatibility/2006" xmlns:p14="http://schemas.microsoft.com/office/powerpoint/2010/main">
-    <mc:Choice Requires="p14">
-      <p:transition spd="slow" p14:dur="2000"/>
-    </mc:Choice>
-    <mc:Fallback xmlns="">
-      <p:transition spd="slow"/>
-    </mc:Fallback>
-  </mc:AlternateContent>
   <p:timing>
     <p:tnLst>
       <p:par>
@@ -14227,1366 +12943,6 @@
               <a:t>COMPRESSION TECHNIQUES</a:t>
             </a:r>
             <a:endParaRPr/>
-          </a:p>
-        </p:txBody>
-      </p:sp>
-    </p:spTree>
-  </p:cSld>
-  <p:clrMapOvr>
-    <a:masterClrMapping/>
-  </p:clrMapOvr>
-  <p:timing>
-    <p:tnLst>
-      <p:par>
-        <p:cTn id="1" dur="indefinite" restart="never" nodeType="tmRoot"/>
-      </p:par>
-    </p:tnLst>
-  </p:timing>
-</p:sld>
-</file>
-
-<file path=ppt/slides/slide20.xml><?xml version="1.0" encoding="utf-8"?>
-<p:sld xmlns:a="http://schemas.openxmlformats.org/drawingml/2006/main" xmlns:r="http://schemas.openxmlformats.org/officeDocument/2006/relationships" xmlns:p="http://schemas.openxmlformats.org/presentationml/2006/main" show="0">
-  <p:cSld>
-    <p:spTree>
-      <p:nvGrpSpPr>
-        <p:cNvPr id="1" name="Shape 100"/>
-        <p:cNvGrpSpPr/>
-        <p:nvPr/>
-      </p:nvGrpSpPr>
-      <p:grpSpPr>
-        <a:xfrm>
-          <a:off x="0" y="0"/>
-          <a:ext cx="0" cy="0"/>
-          <a:chOff x="0" y="0"/>
-          <a:chExt cx="0" cy="0"/>
-        </a:xfrm>
-      </p:grpSpPr>
-      <p:sp>
-        <p:nvSpPr>
-          <p:cNvPr id="103" name="Google Shape;103;p20"/>
-          <p:cNvSpPr txBox="1">
-            <a:spLocks noGrp="1"/>
-          </p:cNvSpPr>
-          <p:nvPr>
-            <p:ph type="title"/>
-          </p:nvPr>
-        </p:nvSpPr>
-        <p:spPr>
-          <a:xfrm>
-            <a:off x="311700" y="445025"/>
-            <a:ext cx="8520600" cy="613200"/>
-          </a:xfrm>
-          <a:prstGeom prst="rect">
-            <a:avLst/>
-          </a:prstGeom>
-        </p:spPr>
-        <p:txBody>
-          <a:bodyPr spcFirstLastPara="1" wrap="square" lIns="91425" tIns="91425" rIns="91425" bIns="91425" anchor="t" anchorCtr="0">
-            <a:noAutofit/>
-          </a:bodyPr>
-          <a:lstStyle/>
-          <a:p>
-            <a:pPr marL="0" lvl="0" indent="0" algn="l" rtl="0">
-              <a:spcBef>
-                <a:spcPts val="0"/>
-              </a:spcBef>
-              <a:spcAft>
-                <a:spcPts val="0"/>
-              </a:spcAft>
-              <a:buNone/>
-            </a:pPr>
-            <a:r>
-              <a:rPr lang="en-US" dirty="0" smtClean="0"/>
-              <a:t>writeBinary(String, </a:t>
-            </a:r>
-            <a:r>
-              <a:rPr lang="en-US" dirty="0" smtClean="0"/>
-              <a:t>String)</a:t>
-            </a:r>
-            <a:endParaRPr dirty="0"/>
-          </a:p>
-        </p:txBody>
-      </p:sp>
-      <p:pic>
-        <p:nvPicPr>
-          <p:cNvPr id="2" name="Picture 1"/>
-          <p:cNvPicPr>
-            <a:picLocks noChangeAspect="1"/>
-          </p:cNvPicPr>
-          <p:nvPr/>
-        </p:nvPicPr>
-        <p:blipFill rotWithShape="1">
-          <a:blip r:embed="rId3">
-            <a:extLst>
-              <a:ext uri="{28A0092B-C50C-407E-A947-70E740481C1C}">
-                <a14:useLocalDpi xmlns:a14="http://schemas.microsoft.com/office/drawing/2010/main" val="0"/>
-              </a:ext>
-            </a:extLst>
-          </a:blip>
-          <a:srcRect l="21799" t="31352" r="23370" b="23683"/>
-          <a:stretch/>
-        </p:blipFill>
-        <p:spPr>
-          <a:xfrm>
-            <a:off x="1630576" y="1592495"/>
-            <a:ext cx="5882848" cy="2712378"/>
-          </a:xfrm>
-          <a:prstGeom prst="rect">
-            <a:avLst/>
-          </a:prstGeom>
-        </p:spPr>
-      </p:pic>
-      <p:sp>
-        <p:nvSpPr>
-          <p:cNvPr id="5" name="Left Arrow 4">
-            <a:hlinkClick r:id="rId4" action="ppaction://hlinksldjump"/>
-          </p:cNvPr>
-          <p:cNvSpPr/>
-          <p:nvPr/>
-        </p:nvSpPr>
-        <p:spPr>
-          <a:xfrm>
-            <a:off x="311700" y="4568875"/>
-            <a:ext cx="664345" cy="434640"/>
-          </a:xfrm>
-          <a:prstGeom prst="leftArrow">
-            <a:avLst/>
-          </a:prstGeom>
-        </p:spPr>
-        <p:style>
-          <a:lnRef idx="2">
-            <a:schemeClr val="accent1">
-              <a:shade val="50000"/>
-            </a:schemeClr>
-          </a:lnRef>
-          <a:fillRef idx="1">
-            <a:schemeClr val="accent1"/>
-          </a:fillRef>
-          <a:effectRef idx="0">
-            <a:schemeClr val="accent1"/>
-          </a:effectRef>
-          <a:fontRef idx="minor">
-            <a:schemeClr val="lt1"/>
-          </a:fontRef>
-        </p:style>
-        <p:txBody>
-          <a:bodyPr rtlCol="0" anchor="ctr"/>
-          <a:lstStyle/>
-          <a:p>
-            <a:pPr algn="ctr"/>
-            <a:r>
-              <a:rPr lang="en-US" sz="1200" dirty="0" smtClean="0">
-                <a:solidFill>
-                  <a:schemeClr val="tx1"/>
-                </a:solidFill>
-              </a:rPr>
-              <a:t>Back</a:t>
-            </a:r>
-            <a:endParaRPr lang="en-US" sz="1200" dirty="0">
-              <a:solidFill>
-                <a:schemeClr val="tx1"/>
-              </a:solidFill>
-            </a:endParaRPr>
-          </a:p>
-        </p:txBody>
-      </p:sp>
-    </p:spTree>
-    <p:extLst>
-      <p:ext uri="{BB962C8B-B14F-4D97-AF65-F5344CB8AC3E}">
-        <p14:creationId xmlns:p14="http://schemas.microsoft.com/office/powerpoint/2010/main" val="4213951318"/>
-      </p:ext>
-    </p:extLst>
-  </p:cSld>
-  <p:clrMapOvr>
-    <a:masterClrMapping/>
-  </p:clrMapOvr>
-  <mc:AlternateContent xmlns:mc="http://schemas.openxmlformats.org/markup-compatibility/2006" xmlns:p14="http://schemas.microsoft.com/office/powerpoint/2010/main">
-    <mc:Choice Requires="p14">
-      <p:transition spd="slow" p14:dur="2000"/>
-    </mc:Choice>
-    <mc:Fallback xmlns="">
-      <p:transition spd="slow"/>
-    </mc:Fallback>
-  </mc:AlternateContent>
-  <p:timing>
-    <p:tnLst>
-      <p:par>
-        <p:cTn id="1" dur="indefinite" restart="never" nodeType="tmRoot"/>
-      </p:par>
-    </p:tnLst>
-  </p:timing>
-</p:sld>
-</file>
-
-<file path=ppt/slides/slide21.xml><?xml version="1.0" encoding="utf-8"?>
-<p:sld xmlns:a="http://schemas.openxmlformats.org/drawingml/2006/main" xmlns:r="http://schemas.openxmlformats.org/officeDocument/2006/relationships" xmlns:p="http://schemas.openxmlformats.org/presentationml/2006/main">
-  <p:cSld>
-    <p:spTree>
-      <p:nvGrpSpPr>
-        <p:cNvPr id="1" name="Shape 95"/>
-        <p:cNvGrpSpPr/>
-        <p:nvPr/>
-      </p:nvGrpSpPr>
-      <p:grpSpPr>
-        <a:xfrm>
-          <a:off x="0" y="0"/>
-          <a:ext cx="0" cy="0"/>
-          <a:chOff x="0" y="0"/>
-          <a:chExt cx="0" cy="0"/>
-        </a:xfrm>
-      </p:grpSpPr>
-      <p:sp>
-        <p:nvSpPr>
-          <p:cNvPr id="96" name="Google Shape;96;p19"/>
-          <p:cNvSpPr txBox="1">
-            <a:spLocks noGrp="1"/>
-          </p:cNvSpPr>
-          <p:nvPr>
-            <p:ph type="title"/>
-          </p:nvPr>
-        </p:nvSpPr>
-        <p:spPr>
-          <a:xfrm>
-            <a:off x="490250" y="526350"/>
-            <a:ext cx="5920824" cy="4090800"/>
-          </a:xfrm>
-          <a:prstGeom prst="rect">
-            <a:avLst/>
-          </a:prstGeom>
-        </p:spPr>
-        <p:txBody>
-          <a:bodyPr spcFirstLastPara="1" wrap="square" lIns="91425" tIns="91425" rIns="91425" bIns="91425" anchor="ctr" anchorCtr="0">
-            <a:noAutofit/>
-          </a:bodyPr>
-          <a:lstStyle/>
-          <a:p>
-            <a:pPr marL="0" lvl="0" indent="0" algn="l" rtl="0">
-              <a:spcBef>
-                <a:spcPts val="0"/>
-              </a:spcBef>
-              <a:spcAft>
-                <a:spcPts val="0"/>
-              </a:spcAft>
-              <a:buNone/>
-            </a:pPr>
-            <a:r>
-              <a:rPr lang="en" dirty="0" smtClean="0"/>
-              <a:t>Decompression Part</a:t>
-            </a:r>
-            <a:endParaRPr dirty="0"/>
-          </a:p>
-        </p:txBody>
-      </p:sp>
-    </p:spTree>
-    <p:extLst>
-      <p:ext uri="{BB962C8B-B14F-4D97-AF65-F5344CB8AC3E}">
-        <p14:creationId xmlns:p14="http://schemas.microsoft.com/office/powerpoint/2010/main" val="1466424724"/>
-      </p:ext>
-    </p:extLst>
-  </p:cSld>
-  <p:clrMapOvr>
-    <a:masterClrMapping/>
-  </p:clrMapOvr>
-  <p:timing>
-    <p:tnLst>
-      <p:par>
-        <p:cTn id="1" dur="indefinite" restart="never" nodeType="tmRoot"/>
-      </p:par>
-    </p:tnLst>
-  </p:timing>
-</p:sld>
-</file>
-
-<file path=ppt/slides/slide22.xml><?xml version="1.0" encoding="utf-8"?>
-<p:sld xmlns:a="http://schemas.openxmlformats.org/drawingml/2006/main" xmlns:r="http://schemas.openxmlformats.org/officeDocument/2006/relationships" xmlns:p="http://schemas.openxmlformats.org/presentationml/2006/main">
-  <p:cSld>
-    <p:spTree>
-      <p:nvGrpSpPr>
-        <p:cNvPr id="1" name="Shape 100"/>
-        <p:cNvGrpSpPr/>
-        <p:nvPr/>
-      </p:nvGrpSpPr>
-      <p:grpSpPr>
-        <a:xfrm>
-          <a:off x="0" y="0"/>
-          <a:ext cx="0" cy="0"/>
-          <a:chOff x="0" y="0"/>
-          <a:chExt cx="0" cy="0"/>
-        </a:xfrm>
-      </p:grpSpPr>
-      <p:sp>
-        <p:nvSpPr>
-          <p:cNvPr id="102" name="Google Shape;102;p20"/>
-          <p:cNvSpPr txBox="1">
-            <a:spLocks noGrp="1"/>
-          </p:cNvSpPr>
-          <p:nvPr>
-            <p:ph type="body" idx="2"/>
-          </p:nvPr>
-        </p:nvSpPr>
-        <p:spPr>
-          <a:xfrm>
-            <a:off x="4832400" y="1171675"/>
-            <a:ext cx="3999900" cy="3397200"/>
-          </a:xfrm>
-          <a:prstGeom prst="rect">
-            <a:avLst/>
-          </a:prstGeom>
-        </p:spPr>
-        <p:txBody>
-          <a:bodyPr spcFirstLastPara="1" wrap="square" lIns="91425" tIns="91425" rIns="91425" bIns="91425" anchor="t" anchorCtr="0">
-            <a:noAutofit/>
-          </a:bodyPr>
-          <a:lstStyle/>
-          <a:p>
-            <a:pPr marL="0" lvl="0" indent="0" algn="l" rtl="0">
-              <a:spcBef>
-                <a:spcPts val="0"/>
-              </a:spcBef>
-              <a:spcAft>
-                <a:spcPts val="0"/>
-              </a:spcAft>
-              <a:buNone/>
-            </a:pPr>
-            <a:r>
-              <a:rPr lang="en-US" sz="1600" dirty="0" smtClean="0">
-                <a:hlinkClick r:id="rId3" action="ppaction://hlinksldjump"/>
-              </a:rPr>
-              <a:t>readBinary(String)</a:t>
-            </a:r>
-            <a:endParaRPr lang="en-US" sz="1600" dirty="0" smtClean="0"/>
-          </a:p>
-          <a:p>
-            <a:pPr marL="0" lvl="0" indent="0" algn="l" rtl="0">
-              <a:spcBef>
-                <a:spcPts val="0"/>
-              </a:spcBef>
-              <a:spcAft>
-                <a:spcPts val="0"/>
-              </a:spcAft>
-              <a:buNone/>
-            </a:pPr>
-            <a:r>
-              <a:rPr lang="en-US" sz="1600" dirty="0" smtClean="0">
-                <a:hlinkClick r:id="rId4" action="ppaction://hlinksldjump"/>
-              </a:rPr>
-              <a:t>getCodeTable(String)</a:t>
-            </a:r>
-            <a:endParaRPr lang="en-US" sz="1600" dirty="0" smtClean="0"/>
-          </a:p>
-          <a:p>
-            <a:pPr marL="0" lvl="0" indent="0" algn="l" rtl="0">
-              <a:spcBef>
-                <a:spcPts val="0"/>
-              </a:spcBef>
-              <a:spcAft>
-                <a:spcPts val="0"/>
-              </a:spcAft>
-              <a:buNone/>
-            </a:pPr>
-            <a:r>
-              <a:rPr lang="en-US" sz="1600" dirty="0" smtClean="0">
-                <a:hlinkClick r:id="rId5" action="ppaction://hlinksldjump"/>
-              </a:rPr>
-              <a:t>decode(String)</a:t>
-            </a:r>
-            <a:endParaRPr lang="en-US" sz="1600" dirty="0" smtClean="0"/>
-          </a:p>
-          <a:p>
-            <a:pPr marL="0" lvl="0" indent="0" algn="l" rtl="0">
-              <a:spcBef>
-                <a:spcPts val="0"/>
-              </a:spcBef>
-              <a:spcAft>
-                <a:spcPts val="0"/>
-              </a:spcAft>
-              <a:buNone/>
-            </a:pPr>
-            <a:r>
-              <a:rPr lang="en-US" sz="1600" dirty="0" smtClean="0">
-                <a:hlinkClick r:id="rId6" action="ppaction://hlinksldjump"/>
-              </a:rPr>
-              <a:t>writeFile(String, String)</a:t>
-            </a:r>
-            <a:endParaRPr sz="1600" dirty="0"/>
-          </a:p>
-        </p:txBody>
-      </p:sp>
-      <p:sp>
-        <p:nvSpPr>
-          <p:cNvPr id="103" name="Google Shape;103;p20"/>
-          <p:cNvSpPr txBox="1">
-            <a:spLocks noGrp="1"/>
-          </p:cNvSpPr>
-          <p:nvPr>
-            <p:ph type="title"/>
-          </p:nvPr>
-        </p:nvSpPr>
-        <p:spPr>
-          <a:xfrm>
-            <a:off x="311700" y="445025"/>
-            <a:ext cx="8520600" cy="613200"/>
-          </a:xfrm>
-          <a:prstGeom prst="rect">
-            <a:avLst/>
-          </a:prstGeom>
-        </p:spPr>
-        <p:txBody>
-          <a:bodyPr spcFirstLastPara="1" wrap="square" lIns="91425" tIns="91425" rIns="91425" bIns="91425" anchor="t" anchorCtr="0">
-            <a:noAutofit/>
-          </a:bodyPr>
-          <a:lstStyle/>
-          <a:p>
-            <a:pPr marL="0" lvl="0" indent="0" algn="l" rtl="0">
-              <a:spcBef>
-                <a:spcPts val="0"/>
-              </a:spcBef>
-              <a:spcAft>
-                <a:spcPts val="0"/>
-              </a:spcAft>
-              <a:buNone/>
-            </a:pPr>
-            <a:r>
-              <a:rPr lang="en-US" dirty="0"/>
-              <a:t>d</a:t>
-            </a:r>
-            <a:r>
-              <a:rPr lang="en-US" dirty="0" smtClean="0"/>
-              <a:t>ecompress()</a:t>
-            </a:r>
-            <a:endParaRPr dirty="0"/>
-          </a:p>
-        </p:txBody>
-      </p:sp>
-      <p:pic>
-        <p:nvPicPr>
-          <p:cNvPr id="3" name="Picture 2"/>
-          <p:cNvPicPr>
-            <a:picLocks noChangeAspect="1"/>
-          </p:cNvPicPr>
-          <p:nvPr/>
-        </p:nvPicPr>
-        <p:blipFill rotWithShape="1">
-          <a:blip r:embed="rId7">
-            <a:extLst>
-              <a:ext uri="{28A0092B-C50C-407E-A947-70E740481C1C}">
-                <a14:useLocalDpi xmlns:a14="http://schemas.microsoft.com/office/drawing/2010/main" val="0"/>
-              </a:ext>
-            </a:extLst>
-          </a:blip>
-          <a:srcRect l="21574" t="24357" r="33932" b="16888"/>
-          <a:stretch/>
-        </p:blipFill>
-        <p:spPr>
-          <a:xfrm>
-            <a:off x="311700" y="1359973"/>
-            <a:ext cx="4068566" cy="3020603"/>
-          </a:xfrm>
-          <a:prstGeom prst="rect">
-            <a:avLst/>
-          </a:prstGeom>
-        </p:spPr>
-      </p:pic>
-    </p:spTree>
-    <p:extLst>
-      <p:ext uri="{BB962C8B-B14F-4D97-AF65-F5344CB8AC3E}">
-        <p14:creationId xmlns:p14="http://schemas.microsoft.com/office/powerpoint/2010/main" val="3179482087"/>
-      </p:ext>
-    </p:extLst>
-  </p:cSld>
-  <p:clrMapOvr>
-    <a:masterClrMapping/>
-  </p:clrMapOvr>
-  <p:timing>
-    <p:tnLst>
-      <p:par>
-        <p:cTn id="1" dur="indefinite" restart="never" nodeType="tmRoot"/>
-      </p:par>
-    </p:tnLst>
-  </p:timing>
-</p:sld>
-</file>
-
-<file path=ppt/slides/slide23.xml><?xml version="1.0" encoding="utf-8"?>
-<p:sld xmlns:a="http://schemas.openxmlformats.org/drawingml/2006/main" xmlns:r="http://schemas.openxmlformats.org/officeDocument/2006/relationships" xmlns:p="http://schemas.openxmlformats.org/presentationml/2006/main" show="0">
-  <p:cSld>
-    <p:spTree>
-      <p:nvGrpSpPr>
-        <p:cNvPr id="1" name="Shape 100"/>
-        <p:cNvGrpSpPr/>
-        <p:nvPr/>
-      </p:nvGrpSpPr>
-      <p:grpSpPr>
-        <a:xfrm>
-          <a:off x="0" y="0"/>
-          <a:ext cx="0" cy="0"/>
-          <a:chOff x="0" y="0"/>
-          <a:chExt cx="0" cy="0"/>
-        </a:xfrm>
-      </p:grpSpPr>
-      <p:sp>
-        <p:nvSpPr>
-          <p:cNvPr id="103" name="Google Shape;103;p20"/>
-          <p:cNvSpPr txBox="1">
-            <a:spLocks noGrp="1"/>
-          </p:cNvSpPr>
-          <p:nvPr>
-            <p:ph type="title"/>
-          </p:nvPr>
-        </p:nvSpPr>
-        <p:spPr>
-          <a:xfrm>
-            <a:off x="311700" y="445025"/>
-            <a:ext cx="8520600" cy="613200"/>
-          </a:xfrm>
-          <a:prstGeom prst="rect">
-            <a:avLst/>
-          </a:prstGeom>
-        </p:spPr>
-        <p:txBody>
-          <a:bodyPr spcFirstLastPara="1" wrap="square" lIns="91425" tIns="91425" rIns="91425" bIns="91425" anchor="t" anchorCtr="0">
-            <a:noAutofit/>
-          </a:bodyPr>
-          <a:lstStyle/>
-          <a:p>
-            <a:pPr marL="0" lvl="0" indent="0" algn="l" rtl="0">
-              <a:spcBef>
-                <a:spcPts val="0"/>
-              </a:spcBef>
-              <a:spcAft>
-                <a:spcPts val="0"/>
-              </a:spcAft>
-              <a:buNone/>
-            </a:pPr>
-            <a:r>
-              <a:rPr lang="en-US" dirty="0" err="1" smtClean="0"/>
-              <a:t>readBinary</a:t>
-            </a:r>
-            <a:r>
-              <a:rPr lang="en-US" dirty="0" smtClean="0"/>
-              <a:t>(String)</a:t>
-            </a:r>
-            <a:endParaRPr dirty="0"/>
-          </a:p>
-        </p:txBody>
-      </p:sp>
-      <p:pic>
-        <p:nvPicPr>
-          <p:cNvPr id="3" name="Picture 2"/>
-          <p:cNvPicPr>
-            <a:picLocks noChangeAspect="1"/>
-          </p:cNvPicPr>
-          <p:nvPr/>
-        </p:nvPicPr>
-        <p:blipFill rotWithShape="1">
-          <a:blip r:embed="rId3">
-            <a:extLst>
-              <a:ext uri="{28A0092B-C50C-407E-A947-70E740481C1C}">
-                <a14:useLocalDpi xmlns:a14="http://schemas.microsoft.com/office/drawing/2010/main" val="0"/>
-              </a:ext>
-            </a:extLst>
-          </a:blip>
-          <a:srcRect l="21798" t="24357" r="33820" b="19286"/>
-          <a:stretch/>
-        </p:blipFill>
-        <p:spPr>
-          <a:xfrm>
-            <a:off x="2542853" y="1462714"/>
-            <a:ext cx="4058293" cy="2897313"/>
-          </a:xfrm>
-          <a:prstGeom prst="rect">
-            <a:avLst/>
-          </a:prstGeom>
-        </p:spPr>
-      </p:pic>
-      <p:sp>
-        <p:nvSpPr>
-          <p:cNvPr id="7" name="Left Arrow 6">
-            <a:hlinkClick r:id="rId4" action="ppaction://hlinksldjump"/>
-          </p:cNvPr>
-          <p:cNvSpPr/>
-          <p:nvPr/>
-        </p:nvSpPr>
-        <p:spPr>
-          <a:xfrm>
-            <a:off x="311700" y="4568875"/>
-            <a:ext cx="664345" cy="434640"/>
-          </a:xfrm>
-          <a:prstGeom prst="leftArrow">
-            <a:avLst/>
-          </a:prstGeom>
-        </p:spPr>
-        <p:style>
-          <a:lnRef idx="2">
-            <a:schemeClr val="accent1">
-              <a:shade val="50000"/>
-            </a:schemeClr>
-          </a:lnRef>
-          <a:fillRef idx="1">
-            <a:schemeClr val="accent1"/>
-          </a:fillRef>
-          <a:effectRef idx="0">
-            <a:schemeClr val="accent1"/>
-          </a:effectRef>
-          <a:fontRef idx="minor">
-            <a:schemeClr val="lt1"/>
-          </a:fontRef>
-        </p:style>
-        <p:txBody>
-          <a:bodyPr rtlCol="0" anchor="ctr"/>
-          <a:lstStyle/>
-          <a:p>
-            <a:pPr algn="ctr"/>
-            <a:r>
-              <a:rPr lang="en-US" sz="1200" dirty="0" smtClean="0">
-                <a:solidFill>
-                  <a:schemeClr val="tx1"/>
-                </a:solidFill>
-              </a:rPr>
-              <a:t>Back</a:t>
-            </a:r>
-            <a:endParaRPr lang="en-US" sz="1200" dirty="0">
-              <a:solidFill>
-                <a:schemeClr val="tx1"/>
-              </a:solidFill>
-            </a:endParaRPr>
-          </a:p>
-        </p:txBody>
-      </p:sp>
-    </p:spTree>
-    <p:extLst>
-      <p:ext uri="{BB962C8B-B14F-4D97-AF65-F5344CB8AC3E}">
-        <p14:creationId xmlns:p14="http://schemas.microsoft.com/office/powerpoint/2010/main" val="3834407914"/>
-      </p:ext>
-    </p:extLst>
-  </p:cSld>
-  <p:clrMapOvr>
-    <a:masterClrMapping/>
-  </p:clrMapOvr>
-  <mc:AlternateContent xmlns:mc="http://schemas.openxmlformats.org/markup-compatibility/2006" xmlns:p14="http://schemas.microsoft.com/office/powerpoint/2010/main">
-    <mc:Choice Requires="p14">
-      <p:transition spd="slow" p14:dur="2000"/>
-    </mc:Choice>
-    <mc:Fallback xmlns="">
-      <p:transition spd="slow"/>
-    </mc:Fallback>
-  </mc:AlternateContent>
-  <p:timing>
-    <p:tnLst>
-      <p:par>
-        <p:cTn id="1" dur="indefinite" restart="never" nodeType="tmRoot"/>
-      </p:par>
-    </p:tnLst>
-  </p:timing>
-</p:sld>
-</file>
-
-<file path=ppt/slides/slide24.xml><?xml version="1.0" encoding="utf-8"?>
-<p:sld xmlns:a="http://schemas.openxmlformats.org/drawingml/2006/main" xmlns:r="http://schemas.openxmlformats.org/officeDocument/2006/relationships" xmlns:p="http://schemas.openxmlformats.org/presentationml/2006/main" show="0">
-  <p:cSld>
-    <p:spTree>
-      <p:nvGrpSpPr>
-        <p:cNvPr id="1" name="Shape 100"/>
-        <p:cNvGrpSpPr/>
-        <p:nvPr/>
-      </p:nvGrpSpPr>
-      <p:grpSpPr>
-        <a:xfrm>
-          <a:off x="0" y="0"/>
-          <a:ext cx="0" cy="0"/>
-          <a:chOff x="0" y="0"/>
-          <a:chExt cx="0" cy="0"/>
-        </a:xfrm>
-      </p:grpSpPr>
-      <p:sp>
-        <p:nvSpPr>
-          <p:cNvPr id="103" name="Google Shape;103;p20"/>
-          <p:cNvSpPr txBox="1">
-            <a:spLocks noGrp="1"/>
-          </p:cNvSpPr>
-          <p:nvPr>
-            <p:ph type="title"/>
-          </p:nvPr>
-        </p:nvSpPr>
-        <p:spPr>
-          <a:xfrm>
-            <a:off x="311700" y="445025"/>
-            <a:ext cx="8520600" cy="613200"/>
-          </a:xfrm>
-          <a:prstGeom prst="rect">
-            <a:avLst/>
-          </a:prstGeom>
-        </p:spPr>
-        <p:txBody>
-          <a:bodyPr spcFirstLastPara="1" wrap="square" lIns="91425" tIns="91425" rIns="91425" bIns="91425" anchor="t" anchorCtr="0">
-            <a:noAutofit/>
-          </a:bodyPr>
-          <a:lstStyle/>
-          <a:p>
-            <a:pPr marL="0" lvl="0" indent="0" algn="l" rtl="0">
-              <a:spcBef>
-                <a:spcPts val="0"/>
-              </a:spcBef>
-              <a:spcAft>
-                <a:spcPts val="0"/>
-              </a:spcAft>
-              <a:buNone/>
-            </a:pPr>
-            <a:r>
-              <a:rPr lang="en-US" dirty="0" err="1" smtClean="0"/>
-              <a:t>getCodeTable</a:t>
-            </a:r>
-            <a:r>
-              <a:rPr lang="en-US" dirty="0" smtClean="0"/>
-              <a:t>(String)</a:t>
-            </a:r>
-            <a:endParaRPr dirty="0"/>
-          </a:p>
-        </p:txBody>
-      </p:sp>
-      <p:pic>
-        <p:nvPicPr>
-          <p:cNvPr id="2" name="Picture 1"/>
-          <p:cNvPicPr>
-            <a:picLocks noChangeAspect="1"/>
-          </p:cNvPicPr>
-          <p:nvPr/>
-        </p:nvPicPr>
-        <p:blipFill rotWithShape="1">
-          <a:blip r:embed="rId3">
-            <a:extLst>
-              <a:ext uri="{28A0092B-C50C-407E-A947-70E740481C1C}">
-                <a14:useLocalDpi xmlns:a14="http://schemas.microsoft.com/office/drawing/2010/main" val="0"/>
-              </a:ext>
-            </a:extLst>
-          </a:blip>
-          <a:srcRect l="21798" t="28753" r="29663" b="28080"/>
-          <a:stretch/>
-        </p:blipFill>
-        <p:spPr>
-          <a:xfrm>
-            <a:off x="2352782" y="1684962"/>
-            <a:ext cx="4438436" cy="2219218"/>
-          </a:xfrm>
-          <a:prstGeom prst="rect">
-            <a:avLst/>
-          </a:prstGeom>
-        </p:spPr>
-      </p:pic>
-      <p:sp>
-        <p:nvSpPr>
-          <p:cNvPr id="5" name="Left Arrow 4">
-            <a:hlinkClick r:id="rId4" action="ppaction://hlinksldjump"/>
-          </p:cNvPr>
-          <p:cNvSpPr/>
-          <p:nvPr/>
-        </p:nvSpPr>
-        <p:spPr>
-          <a:xfrm>
-            <a:off x="311700" y="4568875"/>
-            <a:ext cx="664345" cy="434640"/>
-          </a:xfrm>
-          <a:prstGeom prst="leftArrow">
-            <a:avLst/>
-          </a:prstGeom>
-        </p:spPr>
-        <p:style>
-          <a:lnRef idx="2">
-            <a:schemeClr val="accent1">
-              <a:shade val="50000"/>
-            </a:schemeClr>
-          </a:lnRef>
-          <a:fillRef idx="1">
-            <a:schemeClr val="accent1"/>
-          </a:fillRef>
-          <a:effectRef idx="0">
-            <a:schemeClr val="accent1"/>
-          </a:effectRef>
-          <a:fontRef idx="minor">
-            <a:schemeClr val="lt1"/>
-          </a:fontRef>
-        </p:style>
-        <p:txBody>
-          <a:bodyPr rtlCol="0" anchor="ctr"/>
-          <a:lstStyle/>
-          <a:p>
-            <a:pPr algn="ctr"/>
-            <a:r>
-              <a:rPr lang="en-US" sz="1200" dirty="0" smtClean="0">
-                <a:solidFill>
-                  <a:schemeClr val="tx1"/>
-                </a:solidFill>
-              </a:rPr>
-              <a:t>Back</a:t>
-            </a:r>
-            <a:endParaRPr lang="en-US" sz="1200" dirty="0">
-              <a:solidFill>
-                <a:schemeClr val="tx1"/>
-              </a:solidFill>
-            </a:endParaRPr>
-          </a:p>
-        </p:txBody>
-      </p:sp>
-    </p:spTree>
-    <p:extLst>
-      <p:ext uri="{BB962C8B-B14F-4D97-AF65-F5344CB8AC3E}">
-        <p14:creationId xmlns:p14="http://schemas.microsoft.com/office/powerpoint/2010/main" val="3724067448"/>
-      </p:ext>
-    </p:extLst>
-  </p:cSld>
-  <p:clrMapOvr>
-    <a:masterClrMapping/>
-  </p:clrMapOvr>
-  <mc:AlternateContent xmlns:mc="http://schemas.openxmlformats.org/markup-compatibility/2006" xmlns:p14="http://schemas.microsoft.com/office/powerpoint/2010/main">
-    <mc:Choice Requires="p14">
-      <p:transition spd="slow" p14:dur="2000"/>
-    </mc:Choice>
-    <mc:Fallback xmlns="">
-      <p:transition spd="slow"/>
-    </mc:Fallback>
-  </mc:AlternateContent>
-  <p:timing>
-    <p:tnLst>
-      <p:par>
-        <p:cTn id="1" dur="indefinite" restart="never" nodeType="tmRoot"/>
-      </p:par>
-    </p:tnLst>
-  </p:timing>
-</p:sld>
-</file>
-
-<file path=ppt/slides/slide25.xml><?xml version="1.0" encoding="utf-8"?>
-<p:sld xmlns:a="http://schemas.openxmlformats.org/drawingml/2006/main" xmlns:r="http://schemas.openxmlformats.org/officeDocument/2006/relationships" xmlns:p="http://schemas.openxmlformats.org/presentationml/2006/main" show="0">
-  <p:cSld>
-    <p:spTree>
-      <p:nvGrpSpPr>
-        <p:cNvPr id="1" name="Shape 100"/>
-        <p:cNvGrpSpPr/>
-        <p:nvPr/>
-      </p:nvGrpSpPr>
-      <p:grpSpPr>
-        <a:xfrm>
-          <a:off x="0" y="0"/>
-          <a:ext cx="0" cy="0"/>
-          <a:chOff x="0" y="0"/>
-          <a:chExt cx="0" cy="0"/>
-        </a:xfrm>
-      </p:grpSpPr>
-      <p:sp>
-        <p:nvSpPr>
-          <p:cNvPr id="103" name="Google Shape;103;p20"/>
-          <p:cNvSpPr txBox="1">
-            <a:spLocks noGrp="1"/>
-          </p:cNvSpPr>
-          <p:nvPr>
-            <p:ph type="title"/>
-          </p:nvPr>
-        </p:nvSpPr>
-        <p:spPr>
-          <a:xfrm>
-            <a:off x="311700" y="445025"/>
-            <a:ext cx="8520600" cy="613200"/>
-          </a:xfrm>
-          <a:prstGeom prst="rect">
-            <a:avLst/>
-          </a:prstGeom>
-        </p:spPr>
-        <p:txBody>
-          <a:bodyPr spcFirstLastPara="1" wrap="square" lIns="91425" tIns="91425" rIns="91425" bIns="91425" anchor="t" anchorCtr="0">
-            <a:noAutofit/>
-          </a:bodyPr>
-          <a:lstStyle/>
-          <a:p>
-            <a:pPr marL="0" lvl="0" indent="0" algn="l" rtl="0">
-              <a:spcBef>
-                <a:spcPts val="0"/>
-              </a:spcBef>
-              <a:spcAft>
-                <a:spcPts val="0"/>
-              </a:spcAft>
-              <a:buNone/>
-            </a:pPr>
-            <a:r>
-              <a:rPr lang="en-US" dirty="0" smtClean="0"/>
-              <a:t>decode(String)</a:t>
-            </a:r>
-            <a:endParaRPr dirty="0"/>
-          </a:p>
-        </p:txBody>
-      </p:sp>
-      <p:pic>
-        <p:nvPicPr>
-          <p:cNvPr id="3" name="Picture 2"/>
-          <p:cNvPicPr>
-            <a:picLocks noChangeAspect="1"/>
-          </p:cNvPicPr>
-          <p:nvPr/>
-        </p:nvPicPr>
-        <p:blipFill rotWithShape="1">
-          <a:blip r:embed="rId3">
-            <a:extLst>
-              <a:ext uri="{28A0092B-C50C-407E-A947-70E740481C1C}">
-                <a14:useLocalDpi xmlns:a14="http://schemas.microsoft.com/office/drawing/2010/main" val="0"/>
-              </a:ext>
-            </a:extLst>
-          </a:blip>
-          <a:srcRect l="21573" t="35948" r="34831" b="28279"/>
-          <a:stretch/>
-        </p:blipFill>
-        <p:spPr>
-          <a:xfrm>
-            <a:off x="2578813" y="1849347"/>
-            <a:ext cx="3986373" cy="1839075"/>
-          </a:xfrm>
-          <a:prstGeom prst="rect">
-            <a:avLst/>
-          </a:prstGeom>
-        </p:spPr>
-      </p:pic>
-      <p:sp>
-        <p:nvSpPr>
-          <p:cNvPr id="5" name="Left Arrow 4">
-            <a:hlinkClick r:id="rId4" action="ppaction://hlinksldjump"/>
-          </p:cNvPr>
-          <p:cNvSpPr/>
-          <p:nvPr/>
-        </p:nvSpPr>
-        <p:spPr>
-          <a:xfrm>
-            <a:off x="311700" y="4568875"/>
-            <a:ext cx="664345" cy="434640"/>
-          </a:xfrm>
-          <a:prstGeom prst="leftArrow">
-            <a:avLst/>
-          </a:prstGeom>
-        </p:spPr>
-        <p:style>
-          <a:lnRef idx="2">
-            <a:schemeClr val="accent1">
-              <a:shade val="50000"/>
-            </a:schemeClr>
-          </a:lnRef>
-          <a:fillRef idx="1">
-            <a:schemeClr val="accent1"/>
-          </a:fillRef>
-          <a:effectRef idx="0">
-            <a:schemeClr val="accent1"/>
-          </a:effectRef>
-          <a:fontRef idx="minor">
-            <a:schemeClr val="lt1"/>
-          </a:fontRef>
-        </p:style>
-        <p:txBody>
-          <a:bodyPr rtlCol="0" anchor="ctr"/>
-          <a:lstStyle/>
-          <a:p>
-            <a:pPr algn="ctr"/>
-            <a:r>
-              <a:rPr lang="en-US" sz="1200" dirty="0" smtClean="0">
-                <a:solidFill>
-                  <a:schemeClr val="tx1"/>
-                </a:solidFill>
-              </a:rPr>
-              <a:t>Back</a:t>
-            </a:r>
-            <a:endParaRPr lang="en-US" sz="1200" dirty="0">
-              <a:solidFill>
-                <a:schemeClr val="tx1"/>
-              </a:solidFill>
-            </a:endParaRPr>
-          </a:p>
-        </p:txBody>
-      </p:sp>
-    </p:spTree>
-    <p:extLst>
-      <p:ext uri="{BB962C8B-B14F-4D97-AF65-F5344CB8AC3E}">
-        <p14:creationId xmlns:p14="http://schemas.microsoft.com/office/powerpoint/2010/main" val="630735622"/>
-      </p:ext>
-    </p:extLst>
-  </p:cSld>
-  <p:clrMapOvr>
-    <a:masterClrMapping/>
-  </p:clrMapOvr>
-  <mc:AlternateContent xmlns:mc="http://schemas.openxmlformats.org/markup-compatibility/2006" xmlns:p14="http://schemas.microsoft.com/office/powerpoint/2010/main">
-    <mc:Choice Requires="p14">
-      <p:transition spd="slow" p14:dur="2000"/>
-    </mc:Choice>
-    <mc:Fallback xmlns="">
-      <p:transition spd="slow"/>
-    </mc:Fallback>
-  </mc:AlternateContent>
-  <p:timing>
-    <p:tnLst>
-      <p:par>
-        <p:cTn id="1" dur="indefinite" restart="never" nodeType="tmRoot"/>
-      </p:par>
-    </p:tnLst>
-  </p:timing>
-</p:sld>
-</file>
-
-<file path=ppt/slides/slide26.xml><?xml version="1.0" encoding="utf-8"?>
-<p:sld xmlns:a="http://schemas.openxmlformats.org/drawingml/2006/main" xmlns:r="http://schemas.openxmlformats.org/officeDocument/2006/relationships" xmlns:p="http://schemas.openxmlformats.org/presentationml/2006/main" show="0">
-  <p:cSld>
-    <p:spTree>
-      <p:nvGrpSpPr>
-        <p:cNvPr id="1" name="Shape 100"/>
-        <p:cNvGrpSpPr/>
-        <p:nvPr/>
-      </p:nvGrpSpPr>
-      <p:grpSpPr>
-        <a:xfrm>
-          <a:off x="0" y="0"/>
-          <a:ext cx="0" cy="0"/>
-          <a:chOff x="0" y="0"/>
-          <a:chExt cx="0" cy="0"/>
-        </a:xfrm>
-      </p:grpSpPr>
-      <p:sp>
-        <p:nvSpPr>
-          <p:cNvPr id="103" name="Google Shape;103;p20"/>
-          <p:cNvSpPr txBox="1">
-            <a:spLocks noGrp="1"/>
-          </p:cNvSpPr>
-          <p:nvPr>
-            <p:ph type="title"/>
-          </p:nvPr>
-        </p:nvSpPr>
-        <p:spPr>
-          <a:xfrm>
-            <a:off x="311700" y="445025"/>
-            <a:ext cx="8520600" cy="613200"/>
-          </a:xfrm>
-          <a:prstGeom prst="rect">
-            <a:avLst/>
-          </a:prstGeom>
-        </p:spPr>
-        <p:txBody>
-          <a:bodyPr spcFirstLastPara="1" wrap="square" lIns="91425" tIns="91425" rIns="91425" bIns="91425" anchor="t" anchorCtr="0">
-            <a:noAutofit/>
-          </a:bodyPr>
-          <a:lstStyle/>
-          <a:p>
-            <a:pPr marL="0" lvl="0" indent="0" algn="l" rtl="0">
-              <a:spcBef>
-                <a:spcPts val="0"/>
-              </a:spcBef>
-              <a:spcAft>
-                <a:spcPts val="0"/>
-              </a:spcAft>
-              <a:buNone/>
-            </a:pPr>
-            <a:r>
-              <a:rPr lang="en-US" dirty="0" err="1" smtClean="0"/>
-              <a:t>writeFile</a:t>
-            </a:r>
-            <a:r>
-              <a:rPr lang="en-US" dirty="0" smtClean="0"/>
-              <a:t>(String, String)</a:t>
-            </a:r>
-            <a:endParaRPr dirty="0"/>
-          </a:p>
-        </p:txBody>
-      </p:sp>
-      <p:pic>
-        <p:nvPicPr>
-          <p:cNvPr id="2" name="Picture 1"/>
-          <p:cNvPicPr>
-            <a:picLocks noChangeAspect="1"/>
-          </p:cNvPicPr>
-          <p:nvPr/>
-        </p:nvPicPr>
-        <p:blipFill rotWithShape="1">
-          <a:blip r:embed="rId3">
-            <a:extLst>
-              <a:ext uri="{28A0092B-C50C-407E-A947-70E740481C1C}">
-                <a14:useLocalDpi xmlns:a14="http://schemas.microsoft.com/office/drawing/2010/main" val="0"/>
-              </a:ext>
-            </a:extLst>
-          </a:blip>
-          <a:srcRect l="21910" t="36548" r="29775" b="42468"/>
-          <a:stretch/>
-        </p:blipFill>
-        <p:spPr>
-          <a:xfrm>
-            <a:off x="1731928" y="1859623"/>
-            <a:ext cx="5680143" cy="1387011"/>
-          </a:xfrm>
-          <a:prstGeom prst="rect">
-            <a:avLst/>
-          </a:prstGeom>
-        </p:spPr>
-      </p:pic>
-      <p:sp>
-        <p:nvSpPr>
-          <p:cNvPr id="5" name="Left Arrow 4">
-            <a:hlinkClick r:id="rId4" action="ppaction://hlinksldjump"/>
-          </p:cNvPr>
-          <p:cNvSpPr/>
-          <p:nvPr/>
-        </p:nvSpPr>
-        <p:spPr>
-          <a:xfrm>
-            <a:off x="311700" y="4568875"/>
-            <a:ext cx="664345" cy="434640"/>
-          </a:xfrm>
-          <a:prstGeom prst="leftArrow">
-            <a:avLst/>
-          </a:prstGeom>
-        </p:spPr>
-        <p:style>
-          <a:lnRef idx="2">
-            <a:schemeClr val="accent1">
-              <a:shade val="50000"/>
-            </a:schemeClr>
-          </a:lnRef>
-          <a:fillRef idx="1">
-            <a:schemeClr val="accent1"/>
-          </a:fillRef>
-          <a:effectRef idx="0">
-            <a:schemeClr val="accent1"/>
-          </a:effectRef>
-          <a:fontRef idx="minor">
-            <a:schemeClr val="lt1"/>
-          </a:fontRef>
-        </p:style>
-        <p:txBody>
-          <a:bodyPr rtlCol="0" anchor="ctr"/>
-          <a:lstStyle/>
-          <a:p>
-            <a:pPr algn="ctr"/>
-            <a:r>
-              <a:rPr lang="en-US" sz="1200" dirty="0" smtClean="0">
-                <a:solidFill>
-                  <a:schemeClr val="tx1"/>
-                </a:solidFill>
-              </a:rPr>
-              <a:t>Back</a:t>
-            </a:r>
-            <a:endParaRPr lang="en-US" sz="1200" dirty="0">
-              <a:solidFill>
-                <a:schemeClr val="tx1"/>
-              </a:solidFill>
-            </a:endParaRPr>
-          </a:p>
-        </p:txBody>
-      </p:sp>
-    </p:spTree>
-    <p:extLst>
-      <p:ext uri="{BB962C8B-B14F-4D97-AF65-F5344CB8AC3E}">
-        <p14:creationId xmlns:p14="http://schemas.microsoft.com/office/powerpoint/2010/main" val="1613893536"/>
-      </p:ext>
-    </p:extLst>
-  </p:cSld>
-  <p:clrMapOvr>
-    <a:masterClrMapping/>
-  </p:clrMapOvr>
-  <mc:AlternateContent xmlns:mc="http://schemas.openxmlformats.org/markup-compatibility/2006" xmlns:p14="http://schemas.microsoft.com/office/powerpoint/2010/main">
-    <mc:Choice Requires="p14">
-      <p:transition spd="slow" p14:dur="2000"/>
-    </mc:Choice>
-    <mc:Fallback xmlns="">
-      <p:transition spd="slow"/>
-    </mc:Fallback>
-  </mc:AlternateContent>
-  <p:timing>
-    <p:tnLst>
-      <p:par>
-        <p:cTn id="1" dur="indefinite" restart="never" nodeType="tmRoot"/>
-      </p:par>
-    </p:tnLst>
-  </p:timing>
-</p:sld>
-</file>
-
-<file path=ppt/slides/slide27.xml><?xml version="1.0" encoding="utf-8"?>
-<p:sld xmlns:a="http://schemas.openxmlformats.org/drawingml/2006/main" xmlns:r="http://schemas.openxmlformats.org/officeDocument/2006/relationships" xmlns:p="http://schemas.openxmlformats.org/presentationml/2006/main">
-  <p:cSld>
-    <p:spTree>
-      <p:nvGrpSpPr>
-        <p:cNvPr id="1" name="Shape 186"/>
-        <p:cNvGrpSpPr/>
-        <p:nvPr/>
-      </p:nvGrpSpPr>
-      <p:grpSpPr>
-        <a:xfrm>
-          <a:off x="0" y="0"/>
-          <a:ext cx="0" cy="0"/>
-          <a:chOff x="0" y="0"/>
-          <a:chExt cx="0" cy="0"/>
-        </a:xfrm>
-      </p:grpSpPr>
-      <p:sp>
-        <p:nvSpPr>
-          <p:cNvPr id="187" name="Google Shape;187;p34"/>
-          <p:cNvSpPr txBox="1">
-            <a:spLocks noGrp="1"/>
-          </p:cNvSpPr>
-          <p:nvPr>
-            <p:ph type="title"/>
-          </p:nvPr>
-        </p:nvSpPr>
-        <p:spPr>
-          <a:xfrm>
-            <a:off x="311700" y="130125"/>
-            <a:ext cx="8520600" cy="613200"/>
-          </a:xfrm>
-          <a:prstGeom prst="rect">
-            <a:avLst/>
-          </a:prstGeom>
-        </p:spPr>
-        <p:txBody>
-          <a:bodyPr spcFirstLastPara="1" wrap="square" lIns="91425" tIns="91425" rIns="91425" bIns="91425" anchor="t" anchorCtr="0">
-            <a:noAutofit/>
-          </a:bodyPr>
-          <a:lstStyle/>
-          <a:p>
-            <a:pPr marL="0" lvl="0" indent="0" algn="l" rtl="0">
-              <a:spcBef>
-                <a:spcPts val="0"/>
-              </a:spcBef>
-              <a:spcAft>
-                <a:spcPts val="0"/>
-              </a:spcAft>
-              <a:buNone/>
-            </a:pPr>
-            <a:r>
-              <a:rPr lang="en-US"/>
-              <a:t>Applications of Huffman Encoding:</a:t>
-            </a:r>
-            <a:endParaRPr/>
-          </a:p>
-        </p:txBody>
-      </p:sp>
-      <p:sp>
-        <p:nvSpPr>
-          <p:cNvPr id="188" name="Google Shape;188;p34"/>
-          <p:cNvSpPr txBox="1">
-            <a:spLocks noGrp="1"/>
-          </p:cNvSpPr>
-          <p:nvPr>
-            <p:ph type="body" idx="1"/>
-          </p:nvPr>
-        </p:nvSpPr>
-        <p:spPr>
-          <a:xfrm>
-            <a:off x="311700" y="848300"/>
-            <a:ext cx="3999900" cy="4180500"/>
-          </a:xfrm>
-          <a:prstGeom prst="rect">
-            <a:avLst/>
-          </a:prstGeom>
-        </p:spPr>
-        <p:txBody>
-          <a:bodyPr spcFirstLastPara="1" wrap="square" lIns="91425" tIns="91425" rIns="91425" bIns="91425" anchor="t" anchorCtr="0">
-            <a:noAutofit/>
-          </a:bodyPr>
-          <a:lstStyle/>
-          <a:p>
-            <a:pPr marL="457200" lvl="0" indent="-381000" algn="l" rtl="0">
-              <a:spcBef>
-                <a:spcPts val="0"/>
-              </a:spcBef>
-              <a:spcAft>
-                <a:spcPts val="0"/>
-              </a:spcAft>
-              <a:buSzPts val="2400"/>
-              <a:buChar char="●"/>
-            </a:pPr>
-            <a:r>
-              <a:rPr lang="en-US" sz="2400"/>
-              <a:t>Huffman encoding is used for text compression because text compression is a compression which is to be done by lossless compression techniques.</a:t>
-            </a:r>
-            <a:endParaRPr sz="2400"/>
-          </a:p>
-          <a:p>
-            <a:pPr marL="457200" lvl="0" indent="-381000" algn="l" rtl="0">
-              <a:spcBef>
-                <a:spcPts val="0"/>
-              </a:spcBef>
-              <a:spcAft>
-                <a:spcPts val="0"/>
-              </a:spcAft>
-              <a:buSzPts val="2400"/>
-              <a:buChar char="●"/>
-            </a:pPr>
-            <a:r>
-              <a:rPr lang="en-US" sz="2400"/>
-              <a:t>Data which is stored in banks have to be compressed using lossless because any ..</a:t>
-            </a:r>
-            <a:endParaRPr sz="2400"/>
-          </a:p>
-        </p:txBody>
-      </p:sp>
-      <p:sp>
-        <p:nvSpPr>
-          <p:cNvPr id="189" name="Google Shape;189;p34"/>
-          <p:cNvSpPr txBox="1">
-            <a:spLocks noGrp="1"/>
-          </p:cNvSpPr>
-          <p:nvPr>
-            <p:ph type="body" idx="2"/>
-          </p:nvPr>
-        </p:nvSpPr>
-        <p:spPr>
-          <a:xfrm>
-            <a:off x="4832400" y="878300"/>
-            <a:ext cx="3999900" cy="4120500"/>
-          </a:xfrm>
-          <a:prstGeom prst="rect">
-            <a:avLst/>
-          </a:prstGeom>
-        </p:spPr>
-        <p:txBody>
-          <a:bodyPr spcFirstLastPara="1" wrap="square" lIns="91425" tIns="91425" rIns="91425" bIns="91425" anchor="t" anchorCtr="0">
-            <a:noAutofit/>
-          </a:bodyPr>
-          <a:lstStyle/>
-          <a:p>
-            <a:pPr marL="0" lvl="0" indent="0" algn="l" rtl="0">
-              <a:spcBef>
-                <a:spcPts val="0"/>
-              </a:spcBef>
-              <a:spcAft>
-                <a:spcPts val="0"/>
-              </a:spcAft>
-              <a:buNone/>
-            </a:pPr>
-            <a:r>
-              <a:rPr lang="en-US" sz="2400"/>
-              <a:t>bank data manipulated can cost hundreds and thousands of loss.</a:t>
-            </a:r>
-            <a:endParaRPr sz="2400"/>
-          </a:p>
-          <a:p>
-            <a:pPr marL="457200" lvl="0" indent="-381000" algn="l" rtl="0">
-              <a:spcBef>
-                <a:spcPts val="0"/>
-              </a:spcBef>
-              <a:spcAft>
-                <a:spcPts val="0"/>
-              </a:spcAft>
-              <a:buSzPts val="2400"/>
-              <a:buChar char="●"/>
-            </a:pPr>
-            <a:r>
-              <a:rPr lang="en-US" sz="2400"/>
-              <a:t>Huffman encoding along with LZ77 encoding can also be used for text compression where this method is called the DEFLATE algorithm. </a:t>
-            </a:r>
-            <a:endParaRPr sz="2400"/>
-          </a:p>
-          <a:p>
-            <a:pPr marL="0" lvl="0" indent="0" algn="l" rtl="0">
-              <a:spcBef>
-                <a:spcPts val="0"/>
-              </a:spcBef>
-              <a:spcAft>
-                <a:spcPts val="0"/>
-              </a:spcAft>
-              <a:buNone/>
-            </a:pPr>
-            <a:endParaRPr sz="2400"/>
           </a:p>
         </p:txBody>
       </p:sp>
@@ -15657,7 +13013,7 @@
               <a:buNone/>
             </a:pPr>
             <a:r>
-              <a:rPr lang="en-US" sz="3600">
+              <a:rPr lang="en-US" sz="3600" dirty="0">
                 <a:solidFill>
                   <a:srgbClr val="FFFFFF"/>
                 </a:solidFill>
@@ -15666,9 +13022,33 @@
                 <a:cs typeface="Old Standard TT"/>
                 <a:sym typeface="Old Standard TT"/>
               </a:rPr>
-              <a:t>The two Types of compression techniques are:</a:t>
+              <a:t>The two </a:t>
             </a:r>
-            <a:endParaRPr sz="3600">
+            <a:r>
+              <a:rPr lang="en-US" sz="3600" dirty="0" smtClean="0">
+                <a:solidFill>
+                  <a:srgbClr val="FFFFFF"/>
+                </a:solidFill>
+                <a:latin typeface="Old Standard TT"/>
+                <a:ea typeface="Old Standard TT"/>
+                <a:cs typeface="Old Standard TT"/>
+                <a:sym typeface="Old Standard TT"/>
+              </a:rPr>
+              <a:t>types </a:t>
+            </a:r>
+            <a:r>
+              <a:rPr lang="en-US" sz="3600" dirty="0">
+                <a:solidFill>
+                  <a:srgbClr val="FFFFFF"/>
+                </a:solidFill>
+                <a:latin typeface="Old Standard TT"/>
+                <a:ea typeface="Old Standard TT"/>
+                <a:cs typeface="Old Standard TT"/>
+                <a:sym typeface="Old Standard TT"/>
+              </a:rPr>
+              <a:t>of compression techniques are:</a:t>
+            </a:r>
+            <a:endParaRPr sz="3600" dirty="0">
               <a:solidFill>
                 <a:srgbClr val="FFFFFF"/>
               </a:solidFill>
@@ -15679,7 +13059,7 @@
             </a:endParaRPr>
           </a:p>
           <a:p>
-            <a:pPr marL="457200" lvl="0" indent="-457200" algn="l" rtl="0">
+            <a:pPr lvl="0" algn="l" rtl="0">
               <a:spcBef>
                 <a:spcPts val="0"/>
               </a:spcBef>
@@ -15690,79 +13070,8 @@
                 <a:srgbClr val="FFFFFF"/>
               </a:buClr>
               <a:buSzPts val="3600"/>
-              <a:buFont typeface="Old Standard TT"/>
-              <a:buChar char="●"/>
             </a:pPr>
-            <a:r>
-              <a:rPr lang="en-US" sz="3600">
-                <a:solidFill>
-                  <a:srgbClr val="FFFFFF"/>
-                </a:solidFill>
-                <a:latin typeface="Old Standard TT"/>
-                <a:ea typeface="Old Standard TT"/>
-                <a:cs typeface="Old Standard TT"/>
-                <a:sym typeface="Old Standard TT"/>
-              </a:rPr>
-              <a:t>Lossless compression</a:t>
-            </a:r>
-            <a:endParaRPr sz="3600">
-              <a:solidFill>
-                <a:srgbClr val="FFFFFF"/>
-              </a:solidFill>
-              <a:latin typeface="Old Standard TT"/>
-              <a:ea typeface="Old Standard TT"/>
-              <a:cs typeface="Old Standard TT"/>
-              <a:sym typeface="Old Standard TT"/>
-            </a:endParaRPr>
-          </a:p>
-          <a:p>
-            <a:pPr marL="457200" lvl="0" indent="0" algn="l" rtl="0">
-              <a:spcBef>
-                <a:spcPts val="0"/>
-              </a:spcBef>
-              <a:spcAft>
-                <a:spcPts val="0"/>
-              </a:spcAft>
-              <a:buNone/>
-            </a:pPr>
-            <a:endParaRPr sz="3600">
-              <a:solidFill>
-                <a:srgbClr val="FFFFFF"/>
-              </a:solidFill>
-              <a:latin typeface="Old Standard TT"/>
-              <a:ea typeface="Old Standard TT"/>
-              <a:cs typeface="Old Standard TT"/>
-              <a:sym typeface="Old Standard TT"/>
-            </a:endParaRPr>
-          </a:p>
-          <a:p>
-            <a:pPr marL="457200" lvl="0" indent="-457200" algn="l" rtl="0">
-              <a:spcBef>
-                <a:spcPts val="0"/>
-              </a:spcBef>
-              <a:spcAft>
-                <a:spcPts val="0"/>
-              </a:spcAft>
-              <a:buClr>
-                <a:srgbClr val="FFFFFF"/>
-              </a:buClr>
-              <a:buSzPts val="3600"/>
-              <a:buFont typeface="Old Standard TT"/>
-              <a:buChar char="●"/>
-            </a:pPr>
-            <a:r>
-              <a:rPr lang="en-US" sz="3600">
-                <a:solidFill>
-                  <a:srgbClr val="FFFFFF"/>
-                </a:solidFill>
-                <a:latin typeface="Old Standard TT"/>
-                <a:ea typeface="Old Standard TT"/>
-                <a:cs typeface="Old Standard TT"/>
-                <a:sym typeface="Old Standard TT"/>
-              </a:rPr>
-              <a:t>Lossy compression</a:t>
-            </a:r>
-            <a:endParaRPr sz="3600">
+            <a:endParaRPr sz="3600" dirty="0">
               <a:solidFill>
                 <a:srgbClr val="FFFFFF"/>
               </a:solidFill>
@@ -15814,6 +13123,28 @@
           </a:p>
         </p:txBody>
       </p:sp>
+      <p:graphicFrame>
+        <p:nvGraphicFramePr>
+          <p:cNvPr id="4" name="Diagram 3"/>
+          <p:cNvGraphicFramePr/>
+          <p:nvPr>
+            <p:extLst>
+              <p:ext uri="{D42A27DB-BD31-4B8C-83A1-F6EECF244321}">
+                <p14:modId xmlns:p14="http://schemas.microsoft.com/office/powerpoint/2010/main" val="2484075736"/>
+              </p:ext>
+            </p:extLst>
+          </p:nvPr>
+        </p:nvGraphicFramePr>
+        <p:xfrm>
+          <a:off x="1742573" y="1551397"/>
+          <a:ext cx="5412603" cy="2993466"/>
+        </p:xfrm>
+        <a:graphic>
+          <a:graphicData uri="http://schemas.openxmlformats.org/drawingml/2006/diagram">
+            <dgm:relIds xmlns:dgm="http://schemas.openxmlformats.org/drawingml/2006/diagram" xmlns:r="http://schemas.openxmlformats.org/officeDocument/2006/relationships" r:dm="rId3" r:lo="rId4" r:qs="rId5" r:cs="rId6"/>
+          </a:graphicData>
+        </a:graphic>
+      </p:graphicFrame>
     </p:spTree>
   </p:cSld>
   <p:clrMapOvr>
@@ -16075,7 +13406,7 @@
               <a:buChar char="●"/>
             </a:pPr>
             <a:r>
-              <a:rPr lang="en-US" sz="2400">
+              <a:rPr lang="en-US" sz="2400" dirty="0">
                 <a:solidFill>
                   <a:srgbClr val="FFFFFF"/>
                 </a:solidFill>
@@ -16086,7 +13417,7 @@
               </a:rPr>
               <a:t>If data of any kind are to be processed or “enhanced” later to yield more information, it is important that the integrity be preserved and that is why texts are compressed using Lossless compression techniques.</a:t>
             </a:r>
-            <a:endParaRPr sz="2400">
+            <a:endParaRPr sz="2400" dirty="0">
               <a:solidFill>
                 <a:srgbClr val="FFFFFF"/>
               </a:solidFill>
@@ -16106,7 +13437,7 @@
               </a:spcAft>
               <a:buNone/>
             </a:pPr>
-            <a:endParaRPr sz="2400">
+            <a:endParaRPr sz="2400" dirty="0">
               <a:solidFill>
                 <a:srgbClr val="FFFFFF"/>
               </a:solidFill>
@@ -16743,19 +14074,7 @@
                 <a:cs typeface="Old Standard TT"/>
                 <a:sym typeface="Old Standard TT"/>
               </a:rPr>
-              <a:t>compression</a:t>
-            </a:r>
-            <a:r>
-              <a:rPr lang="en-US" sz="2400" dirty="0" smtClean="0">
-                <a:solidFill>
-                  <a:srgbClr val="FFFFFF"/>
-                </a:solidFill>
-                <a:latin typeface="Old Standard TT"/>
-                <a:ea typeface="Old Standard TT"/>
-                <a:cs typeface="Old Standard TT"/>
-                <a:sym typeface="Old Standard TT"/>
-              </a:rPr>
-              <a:t>s.</a:t>
+              <a:t>compressions.</a:t>
             </a:r>
             <a:endParaRPr sz="2400" dirty="0">
               <a:solidFill>
@@ -16868,7 +14187,7 @@
   <p:cSld>
     <p:spTree>
       <p:nvGrpSpPr>
-        <p:cNvPr id="1" name="Shape 95"/>
+        <p:cNvPr id="1" name="Shape 90"/>
         <p:cNvGrpSpPr/>
         <p:nvPr/>
       </p:nvGrpSpPr>
@@ -16882,7 +14201,7 @@
       </p:grpSpPr>
       <p:sp>
         <p:nvSpPr>
-          <p:cNvPr id="96" name="Google Shape;96;p19"/>
+          <p:cNvPr id="91" name="Google Shape;91;p18"/>
           <p:cNvSpPr txBox="1">
             <a:spLocks noGrp="1"/>
           </p:cNvSpPr>
@@ -16892,15 +14211,15 @@
         </p:nvSpPr>
         <p:spPr>
           <a:xfrm>
-            <a:off x="490250" y="526350"/>
-            <a:ext cx="5604000" cy="4090800"/>
+            <a:off x="512700" y="1893300"/>
+            <a:ext cx="8118600" cy="1522800"/>
           </a:xfrm>
           <a:prstGeom prst="rect">
             <a:avLst/>
           </a:prstGeom>
         </p:spPr>
         <p:txBody>
-          <a:bodyPr spcFirstLastPara="1" wrap="square" lIns="91425" tIns="91425" rIns="91425" bIns="91425" anchor="ctr" anchorCtr="0">
+          <a:bodyPr spcFirstLastPara="1" wrap="square" lIns="91425" tIns="91425" rIns="91425" bIns="91425" anchor="b" anchorCtr="0">
             <a:noAutofit/>
           </a:bodyPr>
           <a:lstStyle/>
@@ -16916,7 +14235,11 @@
             </a:pPr>
             <a:r>
               <a:rPr lang="en" dirty="0" smtClean="0"/>
-              <a:t>Compression Part</a:t>
+              <a:t>Adaptive Huffman </a:t>
+            </a:r>
+            <a:r>
+              <a:rPr lang="en" dirty="0" smtClean="0"/>
+              <a:t>Algorithm</a:t>
             </a:r>
             <a:endParaRPr dirty="0"/>
           </a:p>
@@ -16925,7 +14248,7 @@
     </p:spTree>
     <p:extLst>
       <p:ext uri="{BB962C8B-B14F-4D97-AF65-F5344CB8AC3E}">
-        <p14:creationId xmlns:p14="http://schemas.microsoft.com/office/powerpoint/2010/main" val="537746620"/>
+        <p14:creationId xmlns:p14="http://schemas.microsoft.com/office/powerpoint/2010/main" val="3403868182"/>
       </p:ext>
     </p:extLst>
   </p:cSld>
@@ -16947,7 +14270,7 @@
   <p:cSld>
     <p:spTree>
       <p:nvGrpSpPr>
-        <p:cNvPr id="1" name="Shape 100"/>
+        <p:cNvPr id="1" name="Shape 186"/>
         <p:cNvGrpSpPr/>
         <p:nvPr/>
       </p:nvGrpSpPr>
@@ -16961,93 +14284,7 @@
       </p:grpSpPr>
       <p:sp>
         <p:nvSpPr>
-          <p:cNvPr id="102" name="Google Shape;102;p20"/>
-          <p:cNvSpPr txBox="1">
-            <a:spLocks noGrp="1"/>
-          </p:cNvSpPr>
-          <p:nvPr>
-            <p:ph type="body" idx="2"/>
-          </p:nvPr>
-        </p:nvSpPr>
-        <p:spPr>
-          <a:xfrm>
-            <a:off x="4832400" y="1171675"/>
-            <a:ext cx="3999900" cy="3397200"/>
-          </a:xfrm>
-          <a:prstGeom prst="rect">
-            <a:avLst/>
-          </a:prstGeom>
-        </p:spPr>
-        <p:txBody>
-          <a:bodyPr spcFirstLastPara="1" wrap="square" lIns="91425" tIns="91425" rIns="91425" bIns="91425" anchor="t" anchorCtr="0">
-            <a:noAutofit/>
-          </a:bodyPr>
-          <a:lstStyle/>
-          <a:p>
-            <a:pPr marL="0" lvl="0" indent="0" algn="l" rtl="0">
-              <a:spcBef>
-                <a:spcPts val="0"/>
-              </a:spcBef>
-              <a:spcAft>
-                <a:spcPts val="0"/>
-              </a:spcAft>
-              <a:buNone/>
-            </a:pPr>
-            <a:r>
-              <a:rPr lang="en-US" sz="1600" dirty="0" smtClean="0">
-                <a:hlinkClick r:id="rId3" action="ppaction://hlinksldjump"/>
-              </a:rPr>
-              <a:t>readFile(String </a:t>
-            </a:r>
-            <a:r>
-              <a:rPr lang="en-US" sz="1600" dirty="0" err="1" smtClean="0">
-                <a:hlinkClick r:id="rId3" action="ppaction://hlinksldjump"/>
-              </a:rPr>
-              <a:t>fname</a:t>
-            </a:r>
-            <a:r>
-              <a:rPr lang="en-US" sz="1600" dirty="0" smtClean="0">
-                <a:hlinkClick r:id="rId3" action="ppaction://hlinksldjump"/>
-              </a:rPr>
-              <a:t>)</a:t>
-            </a:r>
-            <a:endParaRPr lang="en-US" sz="1600" dirty="0" smtClean="0"/>
-          </a:p>
-          <a:p>
-            <a:pPr marL="0" lvl="0" indent="0" algn="l" rtl="0">
-              <a:spcBef>
-                <a:spcPts val="0"/>
-              </a:spcBef>
-              <a:spcAft>
-                <a:spcPts val="0"/>
-              </a:spcAft>
-              <a:buNone/>
-            </a:pPr>
-            <a:r>
-              <a:rPr lang="en-US" sz="1600" dirty="0" smtClean="0">
-                <a:hlinkClick r:id="rId4" action="ppaction://hlinksldjump"/>
-              </a:rPr>
-              <a:t>testHuffman(String </a:t>
-            </a:r>
-            <a:r>
-              <a:rPr lang="en-US" sz="1600" dirty="0" err="1" smtClean="0">
-                <a:hlinkClick r:id="rId4" action="ppaction://hlinksldjump"/>
-              </a:rPr>
-              <a:t>originalString</a:t>
-            </a:r>
-            <a:r>
-              <a:rPr lang="en-US" sz="1600" dirty="0" smtClean="0">
-                <a:hlinkClick r:id="rId4" action="ppaction://hlinksldjump"/>
-              </a:rPr>
-              <a:t>)</a:t>
-            </a:r>
-            <a:endParaRPr sz="1600" dirty="0"/>
-          </a:p>
-        </p:txBody>
-      </p:sp>
-      <p:sp>
-        <p:nvSpPr>
-          <p:cNvPr id="103" name="Google Shape;103;p20"/>
+          <p:cNvPr id="187" name="Google Shape;187;p34"/>
           <p:cNvSpPr txBox="1">
             <a:spLocks noGrp="1"/>
           </p:cNvSpPr>
@@ -17057,7 +14294,7 @@
         </p:nvSpPr>
         <p:spPr>
           <a:xfrm>
-            <a:off x="311700" y="445025"/>
+            <a:off x="311700" y="130125"/>
             <a:ext cx="8520600" cy="613200"/>
           </a:xfrm>
           <a:prstGeom prst="rect">
@@ -17080,52 +14317,145 @@
               <a:buNone/>
             </a:pPr>
             <a:r>
-              <a:rPr lang="en-US" dirty="0"/>
-              <a:t>s</a:t>
+              <a:rPr lang="en-US"/>
+              <a:t>Applications of Huffman Encoding:</a:t>
             </a:r>
-            <a:r>
-              <a:rPr lang="en" dirty="0" smtClean="0"/>
-              <a:t>tart()</a:t>
-            </a:r>
-            <a:endParaRPr dirty="0"/>
+            <a:endParaRPr/>
           </a:p>
         </p:txBody>
       </p:sp>
-      <p:pic>
-        <p:nvPicPr>
-          <p:cNvPr id="2" name="Picture 1"/>
-          <p:cNvPicPr>
-            <a:picLocks noChangeAspect="1"/>
-          </p:cNvPicPr>
-          <p:nvPr/>
-        </p:nvPicPr>
-        <p:blipFill rotWithShape="1">
-          <a:blip r:embed="rId5">
-            <a:extLst>
-              <a:ext uri="{28A0092B-C50C-407E-A947-70E740481C1C}">
-                <a14:useLocalDpi xmlns:a14="http://schemas.microsoft.com/office/drawing/2010/main" val="0"/>
-              </a:ext>
-            </a:extLst>
-          </a:blip>
-          <a:srcRect l="21685" t="45541" r="36067" b="34674"/>
-          <a:stretch/>
-        </p:blipFill>
+      <p:sp>
+        <p:nvSpPr>
+          <p:cNvPr id="188" name="Google Shape;188;p34"/>
+          <p:cNvSpPr txBox="1">
+            <a:spLocks noGrp="1"/>
+          </p:cNvSpPr>
+          <p:nvPr>
+            <p:ph type="body" idx="1"/>
+          </p:nvPr>
+        </p:nvSpPr>
         <p:spPr>
           <a:xfrm>
-            <a:off x="380108" y="2024009"/>
-            <a:ext cx="3863084" cy="1017142"/>
+            <a:off x="311700" y="848300"/>
+            <a:ext cx="3999900" cy="4180500"/>
           </a:xfrm>
           <a:prstGeom prst="rect">
             <a:avLst/>
           </a:prstGeom>
         </p:spPr>
-      </p:pic>
+        <p:txBody>
+          <a:bodyPr spcFirstLastPara="1" wrap="square" lIns="91425" tIns="91425" rIns="91425" bIns="91425" anchor="t" anchorCtr="0">
+            <a:noAutofit/>
+          </a:bodyPr>
+          <a:lstStyle/>
+          <a:p>
+            <a:pPr marL="457200" lvl="0" indent="-381000" algn="l" rtl="0">
+              <a:spcBef>
+                <a:spcPts val="0"/>
+              </a:spcBef>
+              <a:spcAft>
+                <a:spcPts val="0"/>
+              </a:spcAft>
+              <a:buSzPts val="2400"/>
+              <a:buChar char="●"/>
+            </a:pPr>
+            <a:r>
+              <a:rPr lang="en-US" sz="2400"/>
+              <a:t>Huffman encoding is used for text compression because text compression is a compression which is to be done by lossless compression techniques.</a:t>
+            </a:r>
+            <a:endParaRPr sz="2400"/>
+          </a:p>
+          <a:p>
+            <a:pPr marL="457200" lvl="0" indent="-381000" algn="l" rtl="0">
+              <a:spcBef>
+                <a:spcPts val="0"/>
+              </a:spcBef>
+              <a:spcAft>
+                <a:spcPts val="0"/>
+              </a:spcAft>
+              <a:buSzPts val="2400"/>
+              <a:buChar char="●"/>
+            </a:pPr>
+            <a:r>
+              <a:rPr lang="en-US" sz="2400"/>
+              <a:t>Data which is stored in banks have to be compressed using lossless because any ..</a:t>
+            </a:r>
+            <a:endParaRPr sz="2400"/>
+          </a:p>
+        </p:txBody>
+      </p:sp>
+      <p:sp>
+        <p:nvSpPr>
+          <p:cNvPr id="189" name="Google Shape;189;p34"/>
+          <p:cNvSpPr txBox="1">
+            <a:spLocks noGrp="1"/>
+          </p:cNvSpPr>
+          <p:nvPr>
+            <p:ph type="body" idx="2"/>
+          </p:nvPr>
+        </p:nvSpPr>
+        <p:spPr>
+          <a:xfrm>
+            <a:off x="4832400" y="878300"/>
+            <a:ext cx="3999900" cy="4120500"/>
+          </a:xfrm>
+          <a:prstGeom prst="rect">
+            <a:avLst/>
+          </a:prstGeom>
+        </p:spPr>
+        <p:txBody>
+          <a:bodyPr spcFirstLastPara="1" wrap="square" lIns="91425" tIns="91425" rIns="91425" bIns="91425" anchor="t" anchorCtr="0">
+            <a:noAutofit/>
+          </a:bodyPr>
+          <a:lstStyle/>
+          <a:p>
+            <a:pPr marL="0" lvl="0" indent="0" algn="l" rtl="0">
+              <a:spcBef>
+                <a:spcPts val="0"/>
+              </a:spcBef>
+              <a:spcAft>
+                <a:spcPts val="0"/>
+              </a:spcAft>
+              <a:buNone/>
+            </a:pPr>
+            <a:r>
+              <a:rPr lang="en-US" sz="2400"/>
+              <a:t>bank data manipulated can cost hundreds and thousands of loss.</a:t>
+            </a:r>
+            <a:endParaRPr sz="2400"/>
+          </a:p>
+          <a:p>
+            <a:pPr marL="457200" lvl="0" indent="-381000" algn="l" rtl="0">
+              <a:spcBef>
+                <a:spcPts val="0"/>
+              </a:spcBef>
+              <a:spcAft>
+                <a:spcPts val="0"/>
+              </a:spcAft>
+              <a:buSzPts val="2400"/>
+              <a:buChar char="●"/>
+            </a:pPr>
+            <a:r>
+              <a:rPr lang="en-US" sz="2400"/>
+              <a:t>Huffman encoding along with LZ77 encoding can also be used for text compression where this method is called the DEFLATE algorithm. </a:t>
+            </a:r>
+            <a:endParaRPr sz="2400"/>
+          </a:p>
+          <a:p>
+            <a:pPr marL="0" lvl="0" indent="0" algn="l" rtl="0">
+              <a:spcBef>
+                <a:spcPts val="0"/>
+              </a:spcBef>
+              <a:spcAft>
+                <a:spcPts val="0"/>
+              </a:spcAft>
+              <a:buNone/>
+            </a:pPr>
+            <a:endParaRPr sz="2400"/>
+          </a:p>
+        </p:txBody>
+      </p:sp>
     </p:spTree>
-    <p:extLst>
-      <p:ext uri="{BB962C8B-B14F-4D97-AF65-F5344CB8AC3E}">
-        <p14:creationId xmlns:p14="http://schemas.microsoft.com/office/powerpoint/2010/main" val="1702638446"/>
-      </p:ext>
-    </p:extLst>
   </p:cSld>
   <p:clrMapOvr>
     <a:masterClrMapping/>
